--- a/Projet_SBC.pptx
+++ b/Projet_SBC.pptx
@@ -5,7 +5,7 @@
     <p:sldMasterId id="2147483648" r:id="rId1"/>
   </p:sldMasterIdLst>
   <p:notesMasterIdLst>
-    <p:notesMasterId r:id="rId10"/>
+    <p:notesMasterId r:id="rId14"/>
   </p:notesMasterIdLst>
   <p:sldIdLst>
     <p:sldId id="256" r:id="rId2"/>
@@ -13,9 +13,13 @@
     <p:sldId id="258" r:id="rId4"/>
     <p:sldId id="260" r:id="rId5"/>
     <p:sldId id="262" r:id="rId6"/>
-    <p:sldId id="261" r:id="rId7"/>
-    <p:sldId id="263" r:id="rId8"/>
-    <p:sldId id="259" r:id="rId9"/>
+    <p:sldId id="264" r:id="rId7"/>
+    <p:sldId id="265" r:id="rId8"/>
+    <p:sldId id="266" r:id="rId9"/>
+    <p:sldId id="267" r:id="rId10"/>
+    <p:sldId id="261" r:id="rId11"/>
+    <p:sldId id="259" r:id="rId12"/>
+    <p:sldId id="263" r:id="rId13"/>
   </p:sldIdLst>
   <p:sldSz cx="12192000" cy="6858000"/>
   <p:notesSz cx="6858000" cy="9144000"/>
@@ -122,6 +126,2848 @@
 </p:presentation>
 </file>
 
+<file path=ppt/diagrams/colors1.xml><?xml version="1.0" encoding="utf-8"?>
+<dgm:colorsDef xmlns:dgm="http://schemas.openxmlformats.org/drawingml/2006/diagram" xmlns:a="http://schemas.openxmlformats.org/drawingml/2006/main" uniqueId="urn:microsoft.com/office/officeart/2005/8/colors/accent1_3">
+  <dgm:title val=""/>
+  <dgm:desc val=""/>
+  <dgm:catLst>
+    <dgm:cat type="accent1" pri="11300"/>
+  </dgm:catLst>
+  <dgm:styleLbl name="node0">
+    <dgm:fillClrLst meth="repeat">
+      <a:schemeClr val="accent1">
+        <a:shade val="80000"/>
+      </a:schemeClr>
+    </dgm:fillClrLst>
+    <dgm:linClrLst meth="repeat">
+      <a:schemeClr val="lt1"/>
+    </dgm:linClrLst>
+    <dgm:effectClrLst/>
+    <dgm:txLinClrLst/>
+    <dgm:txFillClrLst/>
+    <dgm:txEffectClrLst/>
+  </dgm:styleLbl>
+  <dgm:styleLbl name="alignNode1">
+    <dgm:fillClrLst>
+      <a:schemeClr val="accent1">
+        <a:shade val="80000"/>
+      </a:schemeClr>
+      <a:schemeClr val="accent1">
+        <a:tint val="70000"/>
+      </a:schemeClr>
+    </dgm:fillClrLst>
+    <dgm:linClrLst>
+      <a:schemeClr val="accent1">
+        <a:shade val="80000"/>
+      </a:schemeClr>
+      <a:schemeClr val="accent1">
+        <a:tint val="70000"/>
+      </a:schemeClr>
+    </dgm:linClrLst>
+    <dgm:effectClrLst/>
+    <dgm:txLinClrLst/>
+    <dgm:txFillClrLst/>
+    <dgm:txEffectClrLst/>
+  </dgm:styleLbl>
+  <dgm:styleLbl name="node1">
+    <dgm:fillClrLst>
+      <a:schemeClr val="accent1">
+        <a:shade val="80000"/>
+      </a:schemeClr>
+      <a:schemeClr val="accent1">
+        <a:tint val="70000"/>
+      </a:schemeClr>
+    </dgm:fillClrLst>
+    <dgm:linClrLst meth="repeat">
+      <a:schemeClr val="lt1"/>
+    </dgm:linClrLst>
+    <dgm:effectClrLst/>
+    <dgm:txLinClrLst/>
+    <dgm:txFillClrLst/>
+    <dgm:txEffectClrLst/>
+  </dgm:styleLbl>
+  <dgm:styleLbl name="lnNode1">
+    <dgm:fillClrLst>
+      <a:schemeClr val="accent1">
+        <a:shade val="80000"/>
+      </a:schemeClr>
+      <a:schemeClr val="accent1">
+        <a:tint val="70000"/>
+      </a:schemeClr>
+    </dgm:fillClrLst>
+    <dgm:linClrLst meth="repeat">
+      <a:schemeClr val="lt1"/>
+    </dgm:linClrLst>
+    <dgm:effectClrLst/>
+    <dgm:txLinClrLst/>
+    <dgm:txFillClrLst/>
+    <dgm:txEffectClrLst/>
+  </dgm:styleLbl>
+  <dgm:styleLbl name="vennNode1">
+    <dgm:fillClrLst>
+      <a:schemeClr val="accent1">
+        <a:shade val="80000"/>
+        <a:alpha val="50000"/>
+      </a:schemeClr>
+      <a:schemeClr val="accent1">
+        <a:tint val="70000"/>
+        <a:alpha val="50000"/>
+      </a:schemeClr>
+    </dgm:fillClrLst>
+    <dgm:linClrLst meth="repeat">
+      <a:schemeClr val="lt1"/>
+    </dgm:linClrLst>
+    <dgm:effectClrLst/>
+    <dgm:txLinClrLst/>
+    <dgm:txFillClrLst/>
+    <dgm:txEffectClrLst/>
+  </dgm:styleLbl>
+  <dgm:styleLbl name="node2">
+    <dgm:fillClrLst>
+      <a:schemeClr val="accent1">
+        <a:tint val="99000"/>
+      </a:schemeClr>
+    </dgm:fillClrLst>
+    <dgm:linClrLst meth="repeat">
+      <a:schemeClr val="lt1"/>
+    </dgm:linClrLst>
+    <dgm:effectClrLst/>
+    <dgm:txLinClrLst/>
+    <dgm:txFillClrLst/>
+    <dgm:txEffectClrLst/>
+  </dgm:styleLbl>
+  <dgm:styleLbl name="node3">
+    <dgm:fillClrLst>
+      <a:schemeClr val="accent1">
+        <a:tint val="80000"/>
+      </a:schemeClr>
+    </dgm:fillClrLst>
+    <dgm:linClrLst meth="repeat">
+      <a:schemeClr val="lt1"/>
+    </dgm:linClrLst>
+    <dgm:effectClrLst/>
+    <dgm:txLinClrLst/>
+    <dgm:txFillClrLst/>
+    <dgm:txEffectClrLst/>
+  </dgm:styleLbl>
+  <dgm:styleLbl name="node4">
+    <dgm:fillClrLst>
+      <a:schemeClr val="accent1">
+        <a:tint val="70000"/>
+      </a:schemeClr>
+    </dgm:fillClrLst>
+    <dgm:linClrLst meth="repeat">
+      <a:schemeClr val="lt1"/>
+    </dgm:linClrLst>
+    <dgm:effectClrLst/>
+    <dgm:txLinClrLst/>
+    <dgm:txFillClrLst/>
+    <dgm:txEffectClrLst/>
+  </dgm:styleLbl>
+  <dgm:styleLbl name="fgImgPlace1">
+    <dgm:fillClrLst>
+      <a:schemeClr val="accent1">
+        <a:tint val="50000"/>
+      </a:schemeClr>
+      <a:schemeClr val="accent1">
+        <a:tint val="20000"/>
+      </a:schemeClr>
+    </dgm:fillClrLst>
+    <dgm:linClrLst meth="repeat">
+      <a:schemeClr val="lt1"/>
+    </dgm:linClrLst>
+    <dgm:effectClrLst/>
+    <dgm:txLinClrLst/>
+    <dgm:txFillClrLst meth="repeat">
+      <a:schemeClr val="lt1"/>
+    </dgm:txFillClrLst>
+    <dgm:txEffectClrLst/>
+  </dgm:styleLbl>
+  <dgm:styleLbl name="alignImgPlace1">
+    <dgm:fillClrLst>
+      <a:schemeClr val="accent1">
+        <a:tint val="50000"/>
+      </a:schemeClr>
+      <a:schemeClr val="accent1">
+        <a:tint val="20000"/>
+      </a:schemeClr>
+    </dgm:fillClrLst>
+    <dgm:linClrLst meth="repeat">
+      <a:schemeClr val="lt1"/>
+    </dgm:linClrLst>
+    <dgm:effectClrLst/>
+    <dgm:txLinClrLst/>
+    <dgm:txFillClrLst meth="repeat">
+      <a:schemeClr val="lt1"/>
+    </dgm:txFillClrLst>
+    <dgm:txEffectClrLst/>
+  </dgm:styleLbl>
+  <dgm:styleLbl name="bgImgPlace1">
+    <dgm:fillClrLst>
+      <a:schemeClr val="accent1">
+        <a:tint val="50000"/>
+      </a:schemeClr>
+      <a:schemeClr val="accent1">
+        <a:tint val="20000"/>
+      </a:schemeClr>
+    </dgm:fillClrLst>
+    <dgm:linClrLst meth="repeat">
+      <a:schemeClr val="lt1"/>
+    </dgm:linClrLst>
+    <dgm:effectClrLst/>
+    <dgm:txLinClrLst/>
+    <dgm:txFillClrLst meth="repeat">
+      <a:schemeClr val="lt1"/>
+    </dgm:txFillClrLst>
+    <dgm:txEffectClrLst/>
+  </dgm:styleLbl>
+  <dgm:styleLbl name="sibTrans2D1">
+    <dgm:fillClrLst>
+      <a:schemeClr val="accent1">
+        <a:shade val="90000"/>
+      </a:schemeClr>
+      <a:schemeClr val="accent1">
+        <a:tint val="70000"/>
+      </a:schemeClr>
+    </dgm:fillClrLst>
+    <dgm:linClrLst>
+      <a:schemeClr val="accent1">
+        <a:shade val="90000"/>
+      </a:schemeClr>
+      <a:schemeClr val="accent1">
+        <a:tint val="70000"/>
+      </a:schemeClr>
+    </dgm:linClrLst>
+    <dgm:effectClrLst/>
+    <dgm:txLinClrLst/>
+    <dgm:txFillClrLst/>
+    <dgm:txEffectClrLst/>
+  </dgm:styleLbl>
+  <dgm:styleLbl name="fgSibTrans2D1">
+    <dgm:fillClrLst>
+      <a:schemeClr val="accent1">
+        <a:shade val="90000"/>
+      </a:schemeClr>
+      <a:schemeClr val="accent1">
+        <a:tint val="70000"/>
+      </a:schemeClr>
+    </dgm:fillClrLst>
+    <dgm:linClrLst>
+      <a:schemeClr val="accent1">
+        <a:shade val="90000"/>
+      </a:schemeClr>
+      <a:schemeClr val="accent1">
+        <a:tint val="70000"/>
+      </a:schemeClr>
+    </dgm:linClrLst>
+    <dgm:effectClrLst/>
+    <dgm:txLinClrLst/>
+    <dgm:txFillClrLst meth="repeat">
+      <a:schemeClr val="lt1"/>
+    </dgm:txFillClrLst>
+    <dgm:txEffectClrLst/>
+  </dgm:styleLbl>
+  <dgm:styleLbl name="bgSibTrans2D1">
+    <dgm:fillClrLst>
+      <a:schemeClr val="accent1">
+        <a:shade val="90000"/>
+      </a:schemeClr>
+      <a:schemeClr val="accent1">
+        <a:tint val="70000"/>
+      </a:schemeClr>
+    </dgm:fillClrLst>
+    <dgm:linClrLst>
+      <a:schemeClr val="accent1">
+        <a:shade val="90000"/>
+      </a:schemeClr>
+      <a:schemeClr val="accent1">
+        <a:tint val="70000"/>
+      </a:schemeClr>
+    </dgm:linClrLst>
+    <dgm:effectClrLst/>
+    <dgm:txLinClrLst/>
+    <dgm:txFillClrLst meth="repeat">
+      <a:schemeClr val="lt1"/>
+    </dgm:txFillClrLst>
+    <dgm:txEffectClrLst/>
+  </dgm:styleLbl>
+  <dgm:styleLbl name="sibTrans1D1">
+    <dgm:fillClrLst>
+      <a:schemeClr val="accent1">
+        <a:shade val="90000"/>
+      </a:schemeClr>
+      <a:schemeClr val="accent1">
+        <a:tint val="70000"/>
+      </a:schemeClr>
+    </dgm:fillClrLst>
+    <dgm:linClrLst>
+      <a:schemeClr val="accent1">
+        <a:shade val="90000"/>
+      </a:schemeClr>
+      <a:schemeClr val="accent1">
+        <a:tint val="70000"/>
+      </a:schemeClr>
+    </dgm:linClrLst>
+    <dgm:effectClrLst/>
+    <dgm:txLinClrLst/>
+    <dgm:txFillClrLst meth="repeat">
+      <a:schemeClr val="tx1"/>
+    </dgm:txFillClrLst>
+    <dgm:txEffectClrLst/>
+  </dgm:styleLbl>
+  <dgm:styleLbl name="callout">
+    <dgm:fillClrLst meth="repeat">
+      <a:schemeClr val="accent1"/>
+    </dgm:fillClrLst>
+    <dgm:linClrLst meth="repeat">
+      <a:schemeClr val="accent1"/>
+    </dgm:linClrLst>
+    <dgm:effectClrLst/>
+    <dgm:txLinClrLst/>
+    <dgm:txFillClrLst meth="repeat">
+      <a:schemeClr val="tx1"/>
+    </dgm:txFillClrLst>
+    <dgm:txEffectClrLst/>
+  </dgm:styleLbl>
+  <dgm:styleLbl name="asst0">
+    <dgm:fillClrLst meth="repeat">
+      <a:schemeClr val="accent1">
+        <a:shade val="80000"/>
+      </a:schemeClr>
+    </dgm:fillClrLst>
+    <dgm:linClrLst meth="repeat">
+      <a:schemeClr val="lt1"/>
+    </dgm:linClrLst>
+    <dgm:effectClrLst/>
+    <dgm:txLinClrLst/>
+    <dgm:txFillClrLst/>
+    <dgm:txEffectClrLst/>
+  </dgm:styleLbl>
+  <dgm:styleLbl name="asst1">
+    <dgm:fillClrLst meth="repeat">
+      <a:schemeClr val="accent1">
+        <a:shade val="80000"/>
+      </a:schemeClr>
+    </dgm:fillClrLst>
+    <dgm:linClrLst meth="repeat">
+      <a:schemeClr val="lt1"/>
+    </dgm:linClrLst>
+    <dgm:effectClrLst/>
+    <dgm:txLinClrLst/>
+    <dgm:txFillClrLst/>
+    <dgm:txEffectClrLst/>
+  </dgm:styleLbl>
+  <dgm:styleLbl name="asst2">
+    <dgm:fillClrLst>
+      <a:schemeClr val="accent1">
+        <a:tint val="99000"/>
+      </a:schemeClr>
+    </dgm:fillClrLst>
+    <dgm:linClrLst meth="repeat">
+      <a:schemeClr val="lt1"/>
+    </dgm:linClrLst>
+    <dgm:effectClrLst/>
+    <dgm:txLinClrLst/>
+    <dgm:txFillClrLst/>
+    <dgm:txEffectClrLst/>
+  </dgm:styleLbl>
+  <dgm:styleLbl name="asst3">
+    <dgm:fillClrLst>
+      <a:schemeClr val="accent1">
+        <a:tint val="80000"/>
+      </a:schemeClr>
+    </dgm:fillClrLst>
+    <dgm:linClrLst meth="repeat">
+      <a:schemeClr val="lt1"/>
+    </dgm:linClrLst>
+    <dgm:effectClrLst/>
+    <dgm:txLinClrLst/>
+    <dgm:txFillClrLst/>
+    <dgm:txEffectClrLst/>
+  </dgm:styleLbl>
+  <dgm:styleLbl name="asst4">
+    <dgm:fillClrLst>
+      <a:schemeClr val="accent1">
+        <a:tint val="70000"/>
+      </a:schemeClr>
+    </dgm:fillClrLst>
+    <dgm:linClrLst meth="repeat">
+      <a:schemeClr val="lt1"/>
+    </dgm:linClrLst>
+    <dgm:effectClrLst/>
+    <dgm:txLinClrLst/>
+    <dgm:txFillClrLst/>
+    <dgm:txEffectClrLst/>
+  </dgm:styleLbl>
+  <dgm:styleLbl name="parChTrans2D1">
+    <dgm:fillClrLst meth="repeat">
+      <a:schemeClr val="accent1">
+        <a:tint val="60000"/>
+      </a:schemeClr>
+    </dgm:fillClrLst>
+    <dgm:linClrLst meth="repeat">
+      <a:schemeClr val="accent1">
+        <a:tint val="60000"/>
+      </a:schemeClr>
+    </dgm:linClrLst>
+    <dgm:effectClrLst/>
+    <dgm:txLinClrLst/>
+    <dgm:txFillClrLst meth="repeat">
+      <a:schemeClr val="lt1"/>
+    </dgm:txFillClrLst>
+    <dgm:txEffectClrLst/>
+  </dgm:styleLbl>
+  <dgm:styleLbl name="parChTrans2D2">
+    <dgm:fillClrLst meth="repeat">
+      <a:schemeClr val="accent1">
+        <a:tint val="90000"/>
+      </a:schemeClr>
+    </dgm:fillClrLst>
+    <dgm:linClrLst meth="repeat">
+      <a:schemeClr val="accent1">
+        <a:tint val="90000"/>
+      </a:schemeClr>
+    </dgm:linClrLst>
+    <dgm:effectClrLst/>
+    <dgm:txLinClrLst/>
+    <dgm:txFillClrLst/>
+    <dgm:txEffectClrLst/>
+  </dgm:styleLbl>
+  <dgm:styleLbl name="parChTrans2D3">
+    <dgm:fillClrLst meth="repeat">
+      <a:schemeClr val="accent1">
+        <a:tint val="70000"/>
+      </a:schemeClr>
+    </dgm:fillClrLst>
+    <dgm:linClrLst meth="repeat">
+      <a:schemeClr val="accent1">
+        <a:tint val="70000"/>
+      </a:schemeClr>
+    </dgm:linClrLst>
+    <dgm:effectClrLst/>
+    <dgm:txLinClrLst/>
+    <dgm:txFillClrLst/>
+    <dgm:txEffectClrLst/>
+  </dgm:styleLbl>
+  <dgm:styleLbl name="parChTrans2D4">
+    <dgm:fillClrLst meth="repeat">
+      <a:schemeClr val="accent1">
+        <a:tint val="50000"/>
+      </a:schemeClr>
+    </dgm:fillClrLst>
+    <dgm:linClrLst meth="repeat">
+      <a:schemeClr val="accent1">
+        <a:tint val="50000"/>
+      </a:schemeClr>
+    </dgm:linClrLst>
+    <dgm:effectClrLst/>
+    <dgm:txLinClrLst/>
+    <dgm:txFillClrLst meth="repeat">
+      <a:schemeClr val="lt1"/>
+    </dgm:txFillClrLst>
+    <dgm:txEffectClrLst/>
+  </dgm:styleLbl>
+  <dgm:styleLbl name="parChTrans1D1">
+    <dgm:fillClrLst meth="repeat">
+      <a:schemeClr val="accent1">
+        <a:shade val="80000"/>
+      </a:schemeClr>
+    </dgm:fillClrLst>
+    <dgm:linClrLst meth="repeat">
+      <a:schemeClr val="accent1">
+        <a:shade val="80000"/>
+      </a:schemeClr>
+    </dgm:linClrLst>
+    <dgm:effectClrLst/>
+    <dgm:txLinClrLst/>
+    <dgm:txFillClrLst meth="repeat">
+      <a:schemeClr val="tx1"/>
+    </dgm:txFillClrLst>
+    <dgm:txEffectClrLst/>
+  </dgm:styleLbl>
+  <dgm:styleLbl name="parChTrans1D2">
+    <dgm:fillClrLst meth="repeat">
+      <a:schemeClr val="accent1">
+        <a:tint val="99000"/>
+      </a:schemeClr>
+    </dgm:fillClrLst>
+    <dgm:linClrLst meth="repeat">
+      <a:schemeClr val="accent1">
+        <a:tint val="99000"/>
+      </a:schemeClr>
+    </dgm:linClrLst>
+    <dgm:effectClrLst/>
+    <dgm:txLinClrLst/>
+    <dgm:txFillClrLst meth="repeat">
+      <a:schemeClr val="tx1"/>
+    </dgm:txFillClrLst>
+    <dgm:txEffectClrLst/>
+  </dgm:styleLbl>
+  <dgm:styleLbl name="parChTrans1D3">
+    <dgm:fillClrLst meth="repeat">
+      <a:schemeClr val="accent1">
+        <a:tint val="80000"/>
+      </a:schemeClr>
+    </dgm:fillClrLst>
+    <dgm:linClrLst meth="repeat">
+      <a:schemeClr val="accent1">
+        <a:tint val="80000"/>
+      </a:schemeClr>
+    </dgm:linClrLst>
+    <dgm:effectClrLst/>
+    <dgm:txLinClrLst/>
+    <dgm:txFillClrLst meth="repeat">
+      <a:schemeClr val="tx1"/>
+    </dgm:txFillClrLst>
+    <dgm:txEffectClrLst/>
+  </dgm:styleLbl>
+  <dgm:styleLbl name="parChTrans1D4">
+    <dgm:fillClrLst meth="repeat">
+      <a:schemeClr val="accent1">
+        <a:tint val="70000"/>
+      </a:schemeClr>
+    </dgm:fillClrLst>
+    <dgm:linClrLst meth="repeat">
+      <a:schemeClr val="accent1">
+        <a:tint val="70000"/>
+      </a:schemeClr>
+    </dgm:linClrLst>
+    <dgm:effectClrLst/>
+    <dgm:txLinClrLst/>
+    <dgm:txFillClrLst meth="repeat">
+      <a:schemeClr val="tx1"/>
+    </dgm:txFillClrLst>
+    <dgm:txEffectClrLst/>
+  </dgm:styleLbl>
+  <dgm:styleLbl name="fgAcc1">
+    <dgm:fillClrLst meth="repeat">
+      <a:schemeClr val="lt1">
+        <a:alpha val="90000"/>
+      </a:schemeClr>
+    </dgm:fillClrLst>
+    <dgm:linClrLst>
+      <a:schemeClr val="accent1">
+        <a:shade val="80000"/>
+      </a:schemeClr>
+      <a:schemeClr val="accent1">
+        <a:tint val="70000"/>
+      </a:schemeClr>
+    </dgm:linClrLst>
+    <dgm:effectClrLst/>
+    <dgm:txLinClrLst/>
+    <dgm:txFillClrLst meth="repeat">
+      <a:schemeClr val="dk1"/>
+    </dgm:txFillClrLst>
+    <dgm:txEffectClrLst/>
+  </dgm:styleLbl>
+  <dgm:styleLbl name="conFgAcc1">
+    <dgm:fillClrLst meth="repeat">
+      <a:schemeClr val="lt1">
+        <a:alpha val="90000"/>
+      </a:schemeClr>
+    </dgm:fillClrLst>
+    <dgm:linClrLst>
+      <a:schemeClr val="accent1">
+        <a:shade val="80000"/>
+      </a:schemeClr>
+      <a:schemeClr val="accent1">
+        <a:tint val="70000"/>
+      </a:schemeClr>
+    </dgm:linClrLst>
+    <dgm:effectClrLst/>
+    <dgm:txLinClrLst/>
+    <dgm:txFillClrLst meth="repeat">
+      <a:schemeClr val="dk1"/>
+    </dgm:txFillClrLst>
+    <dgm:txEffectClrLst/>
+  </dgm:styleLbl>
+  <dgm:styleLbl name="alignAcc1">
+    <dgm:fillClrLst meth="repeat">
+      <a:schemeClr val="lt1">
+        <a:alpha val="90000"/>
+      </a:schemeClr>
+    </dgm:fillClrLst>
+    <dgm:linClrLst>
+      <a:schemeClr val="accent1">
+        <a:shade val="80000"/>
+      </a:schemeClr>
+      <a:schemeClr val="accent1">
+        <a:tint val="70000"/>
+      </a:schemeClr>
+    </dgm:linClrLst>
+    <dgm:effectClrLst/>
+    <dgm:txLinClrLst/>
+    <dgm:txFillClrLst meth="repeat">
+      <a:schemeClr val="dk1"/>
+    </dgm:txFillClrLst>
+    <dgm:txEffectClrLst/>
+  </dgm:styleLbl>
+  <dgm:styleLbl name="trAlignAcc1">
+    <dgm:fillClrLst meth="repeat">
+      <a:schemeClr val="lt1">
+        <a:alpha val="40000"/>
+      </a:schemeClr>
+    </dgm:fillClrLst>
+    <dgm:linClrLst meth="repeat">
+      <a:schemeClr val="accent1"/>
+    </dgm:linClrLst>
+    <dgm:effectClrLst/>
+    <dgm:txLinClrLst/>
+    <dgm:txFillClrLst meth="repeat">
+      <a:schemeClr val="dk1"/>
+    </dgm:txFillClrLst>
+    <dgm:txEffectClrLst/>
+  </dgm:styleLbl>
+  <dgm:styleLbl name="bgAcc1">
+    <dgm:fillClrLst meth="repeat">
+      <a:schemeClr val="lt1">
+        <a:alpha val="90000"/>
+      </a:schemeClr>
+    </dgm:fillClrLst>
+    <dgm:linClrLst>
+      <a:schemeClr val="accent1">
+        <a:shade val="80000"/>
+      </a:schemeClr>
+      <a:schemeClr val="accent1">
+        <a:tint val="70000"/>
+      </a:schemeClr>
+    </dgm:linClrLst>
+    <dgm:effectClrLst/>
+    <dgm:txLinClrLst/>
+    <dgm:txFillClrLst meth="repeat">
+      <a:schemeClr val="dk1"/>
+    </dgm:txFillClrLst>
+    <dgm:txEffectClrLst/>
+  </dgm:styleLbl>
+  <dgm:styleLbl name="solidFgAcc1">
+    <dgm:fillClrLst meth="repeat">
+      <a:schemeClr val="lt1"/>
+    </dgm:fillClrLst>
+    <dgm:linClrLst>
+      <a:schemeClr val="accent1">
+        <a:shade val="80000"/>
+      </a:schemeClr>
+      <a:schemeClr val="accent1">
+        <a:tint val="70000"/>
+      </a:schemeClr>
+    </dgm:linClrLst>
+    <dgm:effectClrLst/>
+    <dgm:txLinClrLst/>
+    <dgm:txFillClrLst meth="repeat">
+      <a:schemeClr val="dk1"/>
+    </dgm:txFillClrLst>
+    <dgm:txEffectClrLst/>
+  </dgm:styleLbl>
+  <dgm:styleLbl name="solidAlignAcc1">
+    <dgm:fillClrLst meth="repeat">
+      <a:schemeClr val="lt1"/>
+    </dgm:fillClrLst>
+    <dgm:linClrLst meth="repeat">
+      <a:schemeClr val="accent1"/>
+    </dgm:linClrLst>
+    <dgm:effectClrLst/>
+    <dgm:txLinClrLst/>
+    <dgm:txFillClrLst meth="repeat">
+      <a:schemeClr val="dk1"/>
+    </dgm:txFillClrLst>
+    <dgm:txEffectClrLst/>
+  </dgm:styleLbl>
+  <dgm:styleLbl name="solidBgAcc1">
+    <dgm:fillClrLst meth="repeat">
+      <a:schemeClr val="lt1"/>
+    </dgm:fillClrLst>
+    <dgm:linClrLst meth="repeat">
+      <a:schemeClr val="accent1"/>
+    </dgm:linClrLst>
+    <dgm:effectClrLst/>
+    <dgm:txLinClrLst/>
+    <dgm:txFillClrLst meth="repeat">
+      <a:schemeClr val="dk1"/>
+    </dgm:txFillClrLst>
+    <dgm:txEffectClrLst/>
+  </dgm:styleLbl>
+  <dgm:styleLbl name="fgAccFollowNode1">
+    <dgm:fillClrLst meth="repeat">
+      <a:schemeClr val="accent1">
+        <a:alpha val="90000"/>
+        <a:tint val="40000"/>
+      </a:schemeClr>
+    </dgm:fillClrLst>
+    <dgm:linClrLst meth="repeat">
+      <a:schemeClr val="accent1">
+        <a:alpha val="90000"/>
+        <a:tint val="40000"/>
+      </a:schemeClr>
+    </dgm:linClrLst>
+    <dgm:effectClrLst/>
+    <dgm:txLinClrLst/>
+    <dgm:txFillClrLst meth="repeat">
+      <a:schemeClr val="dk1"/>
+    </dgm:txFillClrLst>
+    <dgm:txEffectClrLst/>
+  </dgm:styleLbl>
+  <dgm:styleLbl name="alignAccFollowNode1">
+    <dgm:fillClrLst meth="repeat">
+      <a:schemeClr val="accent1">
+        <a:alpha val="90000"/>
+        <a:tint val="40000"/>
+      </a:schemeClr>
+    </dgm:fillClrLst>
+    <dgm:linClrLst meth="repeat">
+      <a:schemeClr val="accent1">
+        <a:alpha val="90000"/>
+        <a:tint val="40000"/>
+      </a:schemeClr>
+    </dgm:linClrLst>
+    <dgm:effectClrLst/>
+    <dgm:txLinClrLst/>
+    <dgm:txFillClrLst meth="repeat">
+      <a:schemeClr val="dk1"/>
+    </dgm:txFillClrLst>
+    <dgm:txEffectClrLst/>
+  </dgm:styleLbl>
+  <dgm:styleLbl name="bgAccFollowNode1">
+    <dgm:fillClrLst meth="repeat">
+      <a:schemeClr val="accent1">
+        <a:alpha val="90000"/>
+        <a:tint val="40000"/>
+      </a:schemeClr>
+    </dgm:fillClrLst>
+    <dgm:linClrLst meth="repeat">
+      <a:schemeClr val="lt1"/>
+    </dgm:linClrLst>
+    <dgm:effectClrLst/>
+    <dgm:txLinClrLst/>
+    <dgm:txFillClrLst meth="repeat">
+      <a:schemeClr val="dk1"/>
+    </dgm:txFillClrLst>
+    <dgm:txEffectClrLst/>
+  </dgm:styleLbl>
+  <dgm:styleLbl name="fgAcc0">
+    <dgm:fillClrLst meth="repeat">
+      <a:schemeClr val="lt1">
+        <a:alpha val="90000"/>
+      </a:schemeClr>
+    </dgm:fillClrLst>
+    <dgm:linClrLst meth="repeat">
+      <a:schemeClr val="accent1">
+        <a:shade val="80000"/>
+      </a:schemeClr>
+    </dgm:linClrLst>
+    <dgm:effectClrLst/>
+    <dgm:txLinClrLst/>
+    <dgm:txFillClrLst meth="repeat">
+      <a:schemeClr val="dk1"/>
+    </dgm:txFillClrLst>
+    <dgm:txEffectClrLst/>
+  </dgm:styleLbl>
+  <dgm:styleLbl name="fgAcc2">
+    <dgm:fillClrLst meth="repeat">
+      <a:schemeClr val="lt1">
+        <a:alpha val="90000"/>
+      </a:schemeClr>
+    </dgm:fillClrLst>
+    <dgm:linClrLst meth="repeat">
+      <a:schemeClr val="accent1">
+        <a:tint val="99000"/>
+      </a:schemeClr>
+    </dgm:linClrLst>
+    <dgm:effectClrLst/>
+    <dgm:txLinClrLst/>
+    <dgm:txFillClrLst meth="repeat">
+      <a:schemeClr val="dk1"/>
+    </dgm:txFillClrLst>
+    <dgm:txEffectClrLst/>
+  </dgm:styleLbl>
+  <dgm:styleLbl name="fgAcc3">
+    <dgm:fillClrLst meth="repeat">
+      <a:schemeClr val="lt1">
+        <a:alpha val="90000"/>
+      </a:schemeClr>
+    </dgm:fillClrLst>
+    <dgm:linClrLst meth="repeat">
+      <a:schemeClr val="accent1">
+        <a:tint val="80000"/>
+      </a:schemeClr>
+    </dgm:linClrLst>
+    <dgm:effectClrLst/>
+    <dgm:txLinClrLst/>
+    <dgm:txFillClrLst meth="repeat">
+      <a:schemeClr val="dk1"/>
+    </dgm:txFillClrLst>
+    <dgm:txEffectClrLst/>
+  </dgm:styleLbl>
+  <dgm:styleLbl name="fgAcc4">
+    <dgm:fillClrLst meth="repeat">
+      <a:schemeClr val="lt1">
+        <a:alpha val="90000"/>
+      </a:schemeClr>
+    </dgm:fillClrLst>
+    <dgm:linClrLst meth="repeat">
+      <a:schemeClr val="accent1">
+        <a:tint val="70000"/>
+      </a:schemeClr>
+    </dgm:linClrLst>
+    <dgm:effectClrLst/>
+    <dgm:txLinClrLst/>
+    <dgm:txFillClrLst meth="repeat">
+      <a:schemeClr val="dk1"/>
+    </dgm:txFillClrLst>
+    <dgm:txEffectClrLst/>
+  </dgm:styleLbl>
+  <dgm:styleLbl name="bgShp">
+    <dgm:fillClrLst meth="repeat">
+      <a:schemeClr val="accent1">
+        <a:tint val="40000"/>
+      </a:schemeClr>
+    </dgm:fillClrLst>
+    <dgm:linClrLst meth="repeat">
+      <a:schemeClr val="dk1"/>
+    </dgm:linClrLst>
+    <dgm:effectClrLst/>
+    <dgm:txLinClrLst/>
+    <dgm:txFillClrLst meth="repeat">
+      <a:schemeClr val="dk1"/>
+    </dgm:txFillClrLst>
+    <dgm:txEffectClrLst/>
+  </dgm:styleLbl>
+  <dgm:styleLbl name="dkBgShp">
+    <dgm:fillClrLst meth="repeat">
+      <a:schemeClr val="accent1">
+        <a:shade val="90000"/>
+      </a:schemeClr>
+    </dgm:fillClrLst>
+    <dgm:linClrLst meth="repeat">
+      <a:schemeClr val="dk1"/>
+    </dgm:linClrLst>
+    <dgm:effectClrLst/>
+    <dgm:txLinClrLst/>
+    <dgm:txFillClrLst meth="repeat">
+      <a:schemeClr val="lt1"/>
+    </dgm:txFillClrLst>
+    <dgm:txEffectClrLst/>
+  </dgm:styleLbl>
+  <dgm:styleLbl name="trBgShp">
+    <dgm:fillClrLst meth="repeat">
+      <a:schemeClr val="accent1">
+        <a:tint val="50000"/>
+        <a:alpha val="40000"/>
+      </a:schemeClr>
+    </dgm:fillClrLst>
+    <dgm:linClrLst meth="repeat">
+      <a:schemeClr val="accent1"/>
+    </dgm:linClrLst>
+    <dgm:effectClrLst/>
+    <dgm:txLinClrLst/>
+    <dgm:txFillClrLst meth="repeat">
+      <a:schemeClr val="lt1"/>
+    </dgm:txFillClrLst>
+    <dgm:txEffectClrLst/>
+  </dgm:styleLbl>
+  <dgm:styleLbl name="fgShp">
+    <dgm:fillClrLst meth="repeat">
+      <a:schemeClr val="accent1">
+        <a:tint val="40000"/>
+      </a:schemeClr>
+    </dgm:fillClrLst>
+    <dgm:linClrLst meth="repeat">
+      <a:schemeClr val="lt1"/>
+    </dgm:linClrLst>
+    <dgm:effectClrLst/>
+    <dgm:txLinClrLst/>
+    <dgm:txFillClrLst meth="repeat">
+      <a:schemeClr val="dk1"/>
+    </dgm:txFillClrLst>
+    <dgm:txEffectClrLst/>
+  </dgm:styleLbl>
+  <dgm:styleLbl name="revTx">
+    <dgm:fillClrLst meth="repeat">
+      <a:schemeClr val="lt1">
+        <a:alpha val="0"/>
+      </a:schemeClr>
+    </dgm:fillClrLst>
+    <dgm:linClrLst meth="repeat">
+      <a:schemeClr val="dk1">
+        <a:alpha val="0"/>
+      </a:schemeClr>
+    </dgm:linClrLst>
+    <dgm:effectClrLst/>
+    <dgm:txLinClrLst/>
+    <dgm:txFillClrLst meth="repeat">
+      <a:schemeClr val="tx1"/>
+    </dgm:txFillClrLst>
+    <dgm:txEffectClrLst/>
+  </dgm:styleLbl>
+</dgm:colorsDef>
+</file>
+
+<file path=ppt/diagrams/data1.xml><?xml version="1.0" encoding="utf-8"?>
+<dgm:dataModel xmlns:dgm="http://schemas.openxmlformats.org/drawingml/2006/diagram" xmlns:a="http://schemas.openxmlformats.org/drawingml/2006/main">
+  <dgm:ptLst>
+    <dgm:pt modelId="{0FCD37E4-4F03-A048-BD38-73DF5CB2C449}" type="doc">
+      <dgm:prSet loTypeId="urn:microsoft.com/office/officeart/2005/8/layout/cycle7" loCatId="" qsTypeId="urn:microsoft.com/office/officeart/2005/8/quickstyle/simple4" qsCatId="simple" csTypeId="urn:microsoft.com/office/officeart/2005/8/colors/accent1_3" csCatId="accent1" phldr="1"/>
+      <dgm:spPr/>
+      <dgm:t>
+        <a:bodyPr/>
+        <a:lstStyle/>
+        <a:p>
+          <a:endParaRPr lang="fr-FR"/>
+        </a:p>
+      </dgm:t>
+    </dgm:pt>
+    <dgm:pt modelId="{1267D6F7-B115-6F4F-A3E3-9A6DD1C6573B}">
+      <dgm:prSet phldrT="[Texte]"/>
+      <dgm:spPr>
+        <a:solidFill>
+          <a:srgbClr val="7030A0"/>
+        </a:solidFill>
+      </dgm:spPr>
+      <dgm:t>
+        <a:bodyPr/>
+        <a:lstStyle/>
+        <a:p>
+          <a:r>
+            <a:rPr lang="fr-FR" dirty="0" smtClean="0"/>
+            <a:t>Maladies</a:t>
+          </a:r>
+          <a:endParaRPr lang="fr-FR" dirty="0"/>
+        </a:p>
+      </dgm:t>
+    </dgm:pt>
+    <dgm:pt modelId="{8BE879B1-A2C6-734D-916D-00D5598401AC}" type="parTrans" cxnId="{1DD01A91-A7E0-2E41-B356-7A41CF5E768D}">
+      <dgm:prSet/>
+      <dgm:spPr/>
+      <dgm:t>
+        <a:bodyPr/>
+        <a:lstStyle/>
+        <a:p>
+          <a:endParaRPr lang="fr-FR"/>
+        </a:p>
+      </dgm:t>
+    </dgm:pt>
+    <dgm:pt modelId="{6792D084-D5FC-7648-823E-4922860E7C88}" type="sibTrans" cxnId="{1DD01A91-A7E0-2E41-B356-7A41CF5E768D}">
+      <dgm:prSet/>
+      <dgm:spPr/>
+      <dgm:t>
+        <a:bodyPr/>
+        <a:lstStyle/>
+        <a:p>
+          <a:endParaRPr lang="fr-FR"/>
+        </a:p>
+      </dgm:t>
+    </dgm:pt>
+    <dgm:pt modelId="{FF783A80-B512-C044-9167-71818F177986}">
+      <dgm:prSet phldrT="[Texte]"/>
+      <dgm:spPr>
+        <a:solidFill>
+          <a:srgbClr val="92D050"/>
+        </a:solidFill>
+      </dgm:spPr>
+      <dgm:t>
+        <a:bodyPr/>
+        <a:lstStyle/>
+        <a:p>
+          <a:r>
+            <a:rPr lang="fr-FR" dirty="0" smtClean="0"/>
+            <a:t>Médicaments</a:t>
+          </a:r>
+          <a:endParaRPr lang="fr-FR" dirty="0"/>
+        </a:p>
+      </dgm:t>
+    </dgm:pt>
+    <dgm:pt modelId="{A470FAD7-5C2F-0D41-8446-054A93EA5E89}" type="parTrans" cxnId="{1800DF12-B152-9644-9752-D7E6D7048FAE}">
+      <dgm:prSet/>
+      <dgm:spPr/>
+      <dgm:t>
+        <a:bodyPr/>
+        <a:lstStyle/>
+        <a:p>
+          <a:endParaRPr lang="fr-FR"/>
+        </a:p>
+      </dgm:t>
+    </dgm:pt>
+    <dgm:pt modelId="{FC38C394-C95C-434D-8C19-34FAB0E01AA6}" type="sibTrans" cxnId="{1800DF12-B152-9644-9752-D7E6D7048FAE}">
+      <dgm:prSet/>
+      <dgm:spPr/>
+      <dgm:t>
+        <a:bodyPr/>
+        <a:lstStyle/>
+        <a:p>
+          <a:endParaRPr lang="fr-FR"/>
+        </a:p>
+      </dgm:t>
+    </dgm:pt>
+    <dgm:pt modelId="{FCF06048-9A2F-0548-BC0B-24A445EF8EC0}">
+      <dgm:prSet phldrT="[Texte]"/>
+      <dgm:spPr>
+        <a:solidFill>
+          <a:srgbClr val="00B0F0"/>
+        </a:solidFill>
+      </dgm:spPr>
+      <dgm:t>
+        <a:bodyPr/>
+        <a:lstStyle/>
+        <a:p>
+          <a:r>
+            <a:rPr lang="fr-FR" dirty="0" smtClean="0"/>
+            <a:t>Gènes</a:t>
+          </a:r>
+          <a:endParaRPr lang="fr-FR" dirty="0"/>
+        </a:p>
+      </dgm:t>
+    </dgm:pt>
+    <dgm:pt modelId="{0879A23F-F53A-D347-9334-F28ABEB8397B}" type="parTrans" cxnId="{4983CAC9-0596-4F45-B0CF-D960F45DBB9A}">
+      <dgm:prSet/>
+      <dgm:spPr/>
+      <dgm:t>
+        <a:bodyPr/>
+        <a:lstStyle/>
+        <a:p>
+          <a:endParaRPr lang="fr-FR"/>
+        </a:p>
+      </dgm:t>
+    </dgm:pt>
+    <dgm:pt modelId="{C2978DCC-6D58-024C-82EE-EA63BE1FA310}" type="sibTrans" cxnId="{4983CAC9-0596-4F45-B0CF-D960F45DBB9A}">
+      <dgm:prSet/>
+      <dgm:spPr/>
+      <dgm:t>
+        <a:bodyPr/>
+        <a:lstStyle/>
+        <a:p>
+          <a:endParaRPr lang="fr-FR"/>
+        </a:p>
+      </dgm:t>
+    </dgm:pt>
+    <dgm:pt modelId="{779A647C-C4F0-E64B-BA8C-3FFFAECC7447}" type="pres">
+      <dgm:prSet presAssocID="{0FCD37E4-4F03-A048-BD38-73DF5CB2C449}" presName="Name0" presStyleCnt="0">
+        <dgm:presLayoutVars>
+          <dgm:dir/>
+          <dgm:resizeHandles val="exact"/>
+        </dgm:presLayoutVars>
+      </dgm:prSet>
+      <dgm:spPr/>
+    </dgm:pt>
+    <dgm:pt modelId="{AD04E557-0C9E-9347-BD4B-D76D8634B57A}" type="pres">
+      <dgm:prSet presAssocID="{1267D6F7-B115-6F4F-A3E3-9A6DD1C6573B}" presName="node" presStyleLbl="node1" presStyleIdx="0" presStyleCnt="3">
+        <dgm:presLayoutVars>
+          <dgm:bulletEnabled val="1"/>
+        </dgm:presLayoutVars>
+      </dgm:prSet>
+      <dgm:spPr/>
+    </dgm:pt>
+    <dgm:pt modelId="{56CCE491-3EB6-7D4A-B464-83DE871235B0}" type="pres">
+      <dgm:prSet presAssocID="{6792D084-D5FC-7648-823E-4922860E7C88}" presName="sibTrans" presStyleLbl="sibTrans2D1" presStyleIdx="0" presStyleCnt="3"/>
+      <dgm:spPr>
+        <a:prstGeom prst="leftArrow">
+          <a:avLst/>
+        </a:prstGeom>
+      </dgm:spPr>
+    </dgm:pt>
+    <dgm:pt modelId="{06FE85C3-7A0D-5042-AD51-CD835660F499}" type="pres">
+      <dgm:prSet presAssocID="{6792D084-D5FC-7648-823E-4922860E7C88}" presName="connectorText" presStyleLbl="sibTrans2D1" presStyleIdx="0" presStyleCnt="3"/>
+      <dgm:spPr/>
+    </dgm:pt>
+    <dgm:pt modelId="{C5419A7C-CB9F-3C43-842E-E7948FD36EF4}" type="pres">
+      <dgm:prSet presAssocID="{FF783A80-B512-C044-9167-71818F177986}" presName="node" presStyleLbl="node1" presStyleIdx="1" presStyleCnt="3" custRadScaleRad="120136" custRadScaleInc="-8417">
+        <dgm:presLayoutVars>
+          <dgm:bulletEnabled val="1"/>
+        </dgm:presLayoutVars>
+      </dgm:prSet>
+      <dgm:spPr/>
+    </dgm:pt>
+    <dgm:pt modelId="{53820E69-2A3B-7843-8A6F-2BF547C1B7D1}" type="pres">
+      <dgm:prSet presAssocID="{FC38C394-C95C-434D-8C19-34FAB0E01AA6}" presName="sibTrans" presStyleLbl="sibTrans2D1" presStyleIdx="1" presStyleCnt="3" custScaleY="205454"/>
+      <dgm:spPr>
+        <a:prstGeom prst="ellipse">
+          <a:avLst/>
+        </a:prstGeom>
+      </dgm:spPr>
+    </dgm:pt>
+    <dgm:pt modelId="{11E49D95-28C5-3940-B982-ACB2059FDA6C}" type="pres">
+      <dgm:prSet presAssocID="{FC38C394-C95C-434D-8C19-34FAB0E01AA6}" presName="connectorText" presStyleLbl="sibTrans2D1" presStyleIdx="1" presStyleCnt="3"/>
+      <dgm:spPr/>
+    </dgm:pt>
+    <dgm:pt modelId="{9C8F8F8D-7937-CA45-B588-ECE13ABD8C33}" type="pres">
+      <dgm:prSet presAssocID="{FCF06048-9A2F-0548-BC0B-24A445EF8EC0}" presName="node" presStyleLbl="node1" presStyleIdx="2" presStyleCnt="3" custRadScaleRad="114054" custRadScaleInc="7294">
+        <dgm:presLayoutVars>
+          <dgm:bulletEnabled val="1"/>
+        </dgm:presLayoutVars>
+      </dgm:prSet>
+      <dgm:spPr/>
+    </dgm:pt>
+    <dgm:pt modelId="{6FC15871-EBB1-714D-8C1F-3B78E1DC35AB}" type="pres">
+      <dgm:prSet presAssocID="{C2978DCC-6D58-024C-82EE-EA63BE1FA310}" presName="sibTrans" presStyleLbl="sibTrans2D1" presStyleIdx="2" presStyleCnt="3"/>
+      <dgm:spPr>
+        <a:prstGeom prst="rightArrow">
+          <a:avLst/>
+        </a:prstGeom>
+      </dgm:spPr>
+    </dgm:pt>
+    <dgm:pt modelId="{14912E1C-A642-4243-9E13-33FD76E128C0}" type="pres">
+      <dgm:prSet presAssocID="{C2978DCC-6D58-024C-82EE-EA63BE1FA310}" presName="connectorText" presStyleLbl="sibTrans2D1" presStyleIdx="2" presStyleCnt="3"/>
+      <dgm:spPr/>
+    </dgm:pt>
+  </dgm:ptLst>
+  <dgm:cxnLst>
+    <dgm:cxn modelId="{1FE3696E-F0F7-194E-8721-1ABA19AA4B93}" type="presOf" srcId="{FF783A80-B512-C044-9167-71818F177986}" destId="{C5419A7C-CB9F-3C43-842E-E7948FD36EF4}" srcOrd="0" destOrd="0" presId="urn:microsoft.com/office/officeart/2005/8/layout/cycle7"/>
+    <dgm:cxn modelId="{529AC607-1693-6449-BEED-67D81959BDA1}" type="presOf" srcId="{6792D084-D5FC-7648-823E-4922860E7C88}" destId="{56CCE491-3EB6-7D4A-B464-83DE871235B0}" srcOrd="0" destOrd="0" presId="urn:microsoft.com/office/officeart/2005/8/layout/cycle7"/>
+    <dgm:cxn modelId="{1DD01A91-A7E0-2E41-B356-7A41CF5E768D}" srcId="{0FCD37E4-4F03-A048-BD38-73DF5CB2C449}" destId="{1267D6F7-B115-6F4F-A3E3-9A6DD1C6573B}" srcOrd="0" destOrd="0" parTransId="{8BE879B1-A2C6-734D-916D-00D5598401AC}" sibTransId="{6792D084-D5FC-7648-823E-4922860E7C88}"/>
+    <dgm:cxn modelId="{64C80132-D72F-D340-937D-EE82968CB8AA}" type="presOf" srcId="{0FCD37E4-4F03-A048-BD38-73DF5CB2C449}" destId="{779A647C-C4F0-E64B-BA8C-3FFFAECC7447}" srcOrd="0" destOrd="0" presId="urn:microsoft.com/office/officeart/2005/8/layout/cycle7"/>
+    <dgm:cxn modelId="{732688E8-2C26-8440-B0E0-6B62ED2BA13A}" type="presOf" srcId="{FC38C394-C95C-434D-8C19-34FAB0E01AA6}" destId="{53820E69-2A3B-7843-8A6F-2BF547C1B7D1}" srcOrd="0" destOrd="0" presId="urn:microsoft.com/office/officeart/2005/8/layout/cycle7"/>
+    <dgm:cxn modelId="{DAB286C6-A280-AF4A-9B91-69323B986799}" type="presOf" srcId="{FCF06048-9A2F-0548-BC0B-24A445EF8EC0}" destId="{9C8F8F8D-7937-CA45-B588-ECE13ABD8C33}" srcOrd="0" destOrd="0" presId="urn:microsoft.com/office/officeart/2005/8/layout/cycle7"/>
+    <dgm:cxn modelId="{613C901A-2469-A04A-B229-A93CAFABE338}" type="presOf" srcId="{1267D6F7-B115-6F4F-A3E3-9A6DD1C6573B}" destId="{AD04E557-0C9E-9347-BD4B-D76D8634B57A}" srcOrd="0" destOrd="0" presId="urn:microsoft.com/office/officeart/2005/8/layout/cycle7"/>
+    <dgm:cxn modelId="{1800DF12-B152-9644-9752-D7E6D7048FAE}" srcId="{0FCD37E4-4F03-A048-BD38-73DF5CB2C449}" destId="{FF783A80-B512-C044-9167-71818F177986}" srcOrd="1" destOrd="0" parTransId="{A470FAD7-5C2F-0D41-8446-054A93EA5E89}" sibTransId="{FC38C394-C95C-434D-8C19-34FAB0E01AA6}"/>
+    <dgm:cxn modelId="{88CBA7F9-ACB2-C349-9F3B-8619397CC7A5}" type="presOf" srcId="{C2978DCC-6D58-024C-82EE-EA63BE1FA310}" destId="{14912E1C-A642-4243-9E13-33FD76E128C0}" srcOrd="1" destOrd="0" presId="urn:microsoft.com/office/officeart/2005/8/layout/cycle7"/>
+    <dgm:cxn modelId="{9A9B09B8-D3C2-9E42-B195-8A0F4D056096}" type="presOf" srcId="{FC38C394-C95C-434D-8C19-34FAB0E01AA6}" destId="{11E49D95-28C5-3940-B982-ACB2059FDA6C}" srcOrd="1" destOrd="0" presId="urn:microsoft.com/office/officeart/2005/8/layout/cycle7"/>
+    <dgm:cxn modelId="{3683A536-2D5C-E04B-A95F-39075C70FB31}" type="presOf" srcId="{6792D084-D5FC-7648-823E-4922860E7C88}" destId="{06FE85C3-7A0D-5042-AD51-CD835660F499}" srcOrd="1" destOrd="0" presId="urn:microsoft.com/office/officeart/2005/8/layout/cycle7"/>
+    <dgm:cxn modelId="{4983CAC9-0596-4F45-B0CF-D960F45DBB9A}" srcId="{0FCD37E4-4F03-A048-BD38-73DF5CB2C449}" destId="{FCF06048-9A2F-0548-BC0B-24A445EF8EC0}" srcOrd="2" destOrd="0" parTransId="{0879A23F-F53A-D347-9334-F28ABEB8397B}" sibTransId="{C2978DCC-6D58-024C-82EE-EA63BE1FA310}"/>
+    <dgm:cxn modelId="{5F7C5F97-7669-E64E-A6E9-97180905AD6A}" type="presOf" srcId="{C2978DCC-6D58-024C-82EE-EA63BE1FA310}" destId="{6FC15871-EBB1-714D-8C1F-3B78E1DC35AB}" srcOrd="0" destOrd="0" presId="urn:microsoft.com/office/officeart/2005/8/layout/cycle7"/>
+    <dgm:cxn modelId="{4B0D46B1-D7BE-A547-8230-678B8E58CBD3}" type="presParOf" srcId="{779A647C-C4F0-E64B-BA8C-3FFFAECC7447}" destId="{AD04E557-0C9E-9347-BD4B-D76D8634B57A}" srcOrd="0" destOrd="0" presId="urn:microsoft.com/office/officeart/2005/8/layout/cycle7"/>
+    <dgm:cxn modelId="{F2BD3C8C-0AA9-BA44-8FFC-143A23F2D6D1}" type="presParOf" srcId="{779A647C-C4F0-E64B-BA8C-3FFFAECC7447}" destId="{56CCE491-3EB6-7D4A-B464-83DE871235B0}" srcOrd="1" destOrd="0" presId="urn:microsoft.com/office/officeart/2005/8/layout/cycle7"/>
+    <dgm:cxn modelId="{57720CB0-945D-114D-8A17-07B4ADAF65BB}" type="presParOf" srcId="{56CCE491-3EB6-7D4A-B464-83DE871235B0}" destId="{06FE85C3-7A0D-5042-AD51-CD835660F499}" srcOrd="0" destOrd="0" presId="urn:microsoft.com/office/officeart/2005/8/layout/cycle7"/>
+    <dgm:cxn modelId="{E44033D2-3A64-A04B-A615-CA812497D729}" type="presParOf" srcId="{779A647C-C4F0-E64B-BA8C-3FFFAECC7447}" destId="{C5419A7C-CB9F-3C43-842E-E7948FD36EF4}" srcOrd="2" destOrd="0" presId="urn:microsoft.com/office/officeart/2005/8/layout/cycle7"/>
+    <dgm:cxn modelId="{AFF42F97-EF56-2542-A1A8-4DF49B7C89B9}" type="presParOf" srcId="{779A647C-C4F0-E64B-BA8C-3FFFAECC7447}" destId="{53820E69-2A3B-7843-8A6F-2BF547C1B7D1}" srcOrd="3" destOrd="0" presId="urn:microsoft.com/office/officeart/2005/8/layout/cycle7"/>
+    <dgm:cxn modelId="{883EE9C7-D108-3245-B344-5519C349C835}" type="presParOf" srcId="{53820E69-2A3B-7843-8A6F-2BF547C1B7D1}" destId="{11E49D95-28C5-3940-B982-ACB2059FDA6C}" srcOrd="0" destOrd="0" presId="urn:microsoft.com/office/officeart/2005/8/layout/cycle7"/>
+    <dgm:cxn modelId="{1562C761-DD07-7947-82B5-FA64CDFEB49C}" type="presParOf" srcId="{779A647C-C4F0-E64B-BA8C-3FFFAECC7447}" destId="{9C8F8F8D-7937-CA45-B588-ECE13ABD8C33}" srcOrd="4" destOrd="0" presId="urn:microsoft.com/office/officeart/2005/8/layout/cycle7"/>
+    <dgm:cxn modelId="{16FBC813-1CCE-9840-9767-C0775B1EEC1B}" type="presParOf" srcId="{779A647C-C4F0-E64B-BA8C-3FFFAECC7447}" destId="{6FC15871-EBB1-714D-8C1F-3B78E1DC35AB}" srcOrd="5" destOrd="0" presId="urn:microsoft.com/office/officeart/2005/8/layout/cycle7"/>
+    <dgm:cxn modelId="{0460BF37-91E2-6448-9088-E6056106F258}" type="presParOf" srcId="{6FC15871-EBB1-714D-8C1F-3B78E1DC35AB}" destId="{14912E1C-A642-4243-9E13-33FD76E128C0}" srcOrd="0" destOrd="0" presId="urn:microsoft.com/office/officeart/2005/8/layout/cycle7"/>
+  </dgm:cxnLst>
+  <dgm:bg/>
+  <dgm:whole/>
+  <dgm:extLst>
+    <a:ext uri="http://schemas.microsoft.com/office/drawing/2008/diagram">
+      <dsp:dataModelExt xmlns:dsp="http://schemas.microsoft.com/office/drawing/2008/diagram" relId="rId7" minVer="http://schemas.openxmlformats.org/drawingml/2006/diagram"/>
+    </a:ext>
+  </dgm:extLst>
+</dgm:dataModel>
+</file>
+
+<file path=ppt/diagrams/drawing1.xml><?xml version="1.0" encoding="utf-8"?>
+<dsp:drawing xmlns:dgm="http://schemas.openxmlformats.org/drawingml/2006/diagram" xmlns:dsp="http://schemas.microsoft.com/office/drawing/2008/diagram" xmlns:a="http://schemas.openxmlformats.org/drawingml/2006/main">
+  <dsp:spTree>
+    <dsp:nvGrpSpPr>
+      <dsp:cNvPr id="0" name=""/>
+      <dsp:cNvGrpSpPr/>
+    </dsp:nvGrpSpPr>
+    <dsp:grpSpPr/>
+    <dsp:sp modelId="{AD04E557-0C9E-9347-BD4B-D76D8634B57A}">
+      <dsp:nvSpPr>
+        <dsp:cNvPr id="0" name=""/>
+        <dsp:cNvSpPr/>
+      </dsp:nvSpPr>
+      <dsp:spPr>
+        <a:xfrm>
+          <a:off x="2347902" y="1160"/>
+          <a:ext cx="1728382" cy="864191"/>
+        </a:xfrm>
+        <a:prstGeom prst="roundRect">
+          <a:avLst>
+            <a:gd name="adj" fmla="val 10000"/>
+          </a:avLst>
+        </a:prstGeom>
+        <a:solidFill>
+          <a:srgbClr val="7030A0"/>
+        </a:solidFill>
+        <a:ln>
+          <a:noFill/>
+        </a:ln>
+        <a:effectLst/>
+      </dsp:spPr>
+      <dsp:style>
+        <a:lnRef idx="0">
+          <a:scrgbClr r="0" g="0" b="0"/>
+        </a:lnRef>
+        <a:fillRef idx="3">
+          <a:scrgbClr r="0" g="0" b="0"/>
+        </a:fillRef>
+        <a:effectRef idx="2">
+          <a:scrgbClr r="0" g="0" b="0"/>
+        </a:effectRef>
+        <a:fontRef idx="minor">
+          <a:schemeClr val="lt1"/>
+        </a:fontRef>
+      </dsp:style>
+      <dsp:txBody>
+        <a:bodyPr spcFirstLastPara="0" vert="horz" wrap="square" lIns="76200" tIns="76200" rIns="76200" bIns="76200" numCol="1" spcCol="1270" anchor="ctr" anchorCtr="0">
+          <a:noAutofit/>
+        </a:bodyPr>
+        <a:lstStyle/>
+        <a:p>
+          <a:pPr lvl="0" algn="ctr" defTabSz="889000">
+            <a:lnSpc>
+              <a:spcPct val="90000"/>
+            </a:lnSpc>
+            <a:spcBef>
+              <a:spcPct val="0"/>
+            </a:spcBef>
+            <a:spcAft>
+              <a:spcPct val="35000"/>
+            </a:spcAft>
+          </a:pPr>
+          <a:r>
+            <a:rPr lang="fr-FR" sz="2000" kern="1200" dirty="0" smtClean="0"/>
+            <a:t>Maladies</a:t>
+          </a:r>
+          <a:endParaRPr lang="fr-FR" sz="2000" kern="1200" dirty="0"/>
+        </a:p>
+      </dsp:txBody>
+      <dsp:txXfrm>
+        <a:off x="2373213" y="26471"/>
+        <a:ext cx="1677760" cy="813569"/>
+      </dsp:txXfrm>
+    </dsp:sp>
+    <dsp:sp modelId="{56CCE491-3EB6-7D4A-B464-83DE871235B0}">
+      <dsp:nvSpPr>
+        <dsp:cNvPr id="0" name=""/>
+        <dsp:cNvSpPr/>
+      </dsp:nvSpPr>
+      <dsp:spPr>
+        <a:xfrm rot="3241618">
+          <a:off x="3404871" y="1519035"/>
+          <a:ext cx="1410149" cy="302466"/>
+        </a:xfrm>
+        <a:prstGeom prst="leftArrow">
+          <a:avLst/>
+        </a:prstGeom>
+        <a:gradFill rotWithShape="0">
+          <a:gsLst>
+            <a:gs pos="0">
+              <a:schemeClr val="accent1">
+                <a:shade val="90000"/>
+                <a:hueOff val="0"/>
+                <a:satOff val="0"/>
+                <a:lumOff val="0"/>
+                <a:alphaOff val="0"/>
+                <a:tint val="94000"/>
+                <a:satMod val="103000"/>
+                <a:lumMod val="102000"/>
+              </a:schemeClr>
+            </a:gs>
+            <a:gs pos="50000">
+              <a:schemeClr val="accent1">
+                <a:shade val="90000"/>
+                <a:hueOff val="0"/>
+                <a:satOff val="0"/>
+                <a:lumOff val="0"/>
+                <a:alphaOff val="0"/>
+                <a:shade val="100000"/>
+                <a:satMod val="110000"/>
+                <a:lumMod val="100000"/>
+              </a:schemeClr>
+            </a:gs>
+            <a:gs pos="100000">
+              <a:schemeClr val="accent1">
+                <a:shade val="90000"/>
+                <a:hueOff val="0"/>
+                <a:satOff val="0"/>
+                <a:lumOff val="0"/>
+                <a:alphaOff val="0"/>
+                <a:shade val="78000"/>
+                <a:satMod val="120000"/>
+                <a:lumMod val="99000"/>
+              </a:schemeClr>
+            </a:gs>
+          </a:gsLst>
+          <a:lin ang="5400000" scaled="0"/>
+        </a:gradFill>
+        <a:ln>
+          <a:noFill/>
+        </a:ln>
+        <a:effectLst/>
+      </dsp:spPr>
+      <dsp:style>
+        <a:lnRef idx="0">
+          <a:scrgbClr r="0" g="0" b="0"/>
+        </a:lnRef>
+        <a:fillRef idx="3">
+          <a:scrgbClr r="0" g="0" b="0"/>
+        </a:fillRef>
+        <a:effectRef idx="2">
+          <a:scrgbClr r="0" g="0" b="0"/>
+        </a:effectRef>
+        <a:fontRef idx="minor">
+          <a:schemeClr val="lt1"/>
+        </a:fontRef>
+      </dsp:style>
+      <dsp:txBody>
+        <a:bodyPr spcFirstLastPara="0" vert="horz" wrap="square" lIns="0" tIns="0" rIns="0" bIns="0" numCol="1" spcCol="1270" anchor="ctr" anchorCtr="0">
+          <a:noAutofit/>
+        </a:bodyPr>
+        <a:lstStyle/>
+        <a:p>
+          <a:pPr lvl="0" algn="ctr" defTabSz="622300">
+            <a:lnSpc>
+              <a:spcPct val="90000"/>
+            </a:lnSpc>
+            <a:spcBef>
+              <a:spcPct val="0"/>
+            </a:spcBef>
+            <a:spcAft>
+              <a:spcPct val="35000"/>
+            </a:spcAft>
+          </a:pPr>
+          <a:endParaRPr lang="fr-FR" sz="1400" kern="1200"/>
+        </a:p>
+      </dsp:txBody>
+      <dsp:txXfrm>
+        <a:off x="3495611" y="1579528"/>
+        <a:ext cx="1228669" cy="181480"/>
+      </dsp:txXfrm>
+    </dsp:sp>
+    <dsp:sp modelId="{C5419A7C-CB9F-3C43-842E-E7948FD36EF4}">
+      <dsp:nvSpPr>
+        <dsp:cNvPr id="0" name=""/>
+        <dsp:cNvSpPr/>
+      </dsp:nvSpPr>
+      <dsp:spPr>
+        <a:xfrm>
+          <a:off x="4143608" y="2475185"/>
+          <a:ext cx="1728382" cy="864191"/>
+        </a:xfrm>
+        <a:prstGeom prst="roundRect">
+          <a:avLst>
+            <a:gd name="adj" fmla="val 10000"/>
+          </a:avLst>
+        </a:prstGeom>
+        <a:solidFill>
+          <a:srgbClr val="92D050"/>
+        </a:solidFill>
+        <a:ln>
+          <a:noFill/>
+        </a:ln>
+        <a:effectLst/>
+      </dsp:spPr>
+      <dsp:style>
+        <a:lnRef idx="0">
+          <a:scrgbClr r="0" g="0" b="0"/>
+        </a:lnRef>
+        <a:fillRef idx="3">
+          <a:scrgbClr r="0" g="0" b="0"/>
+        </a:fillRef>
+        <a:effectRef idx="2">
+          <a:scrgbClr r="0" g="0" b="0"/>
+        </a:effectRef>
+        <a:fontRef idx="minor">
+          <a:schemeClr val="lt1"/>
+        </a:fontRef>
+      </dsp:style>
+      <dsp:txBody>
+        <a:bodyPr spcFirstLastPara="0" vert="horz" wrap="square" lIns="76200" tIns="76200" rIns="76200" bIns="76200" numCol="1" spcCol="1270" anchor="ctr" anchorCtr="0">
+          <a:noAutofit/>
+        </a:bodyPr>
+        <a:lstStyle/>
+        <a:p>
+          <a:pPr lvl="0" algn="ctr" defTabSz="889000">
+            <a:lnSpc>
+              <a:spcPct val="90000"/>
+            </a:lnSpc>
+            <a:spcBef>
+              <a:spcPct val="0"/>
+            </a:spcBef>
+            <a:spcAft>
+              <a:spcPct val="35000"/>
+            </a:spcAft>
+          </a:pPr>
+          <a:r>
+            <a:rPr lang="fr-FR" sz="2000" kern="1200" dirty="0" smtClean="0"/>
+            <a:t>Médicaments</a:t>
+          </a:r>
+          <a:endParaRPr lang="fr-FR" sz="2000" kern="1200" dirty="0"/>
+        </a:p>
+      </dsp:txBody>
+      <dsp:txXfrm>
+        <a:off x="4168919" y="2500496"/>
+        <a:ext cx="1677760" cy="813569"/>
+      </dsp:txXfrm>
+    </dsp:sp>
+    <dsp:sp modelId="{53820E69-2A3B-7843-8A6F-2BF547C1B7D1}">
+      <dsp:nvSpPr>
+        <dsp:cNvPr id="0" name=""/>
+        <dsp:cNvSpPr/>
+      </dsp:nvSpPr>
+      <dsp:spPr>
+        <a:xfrm rot="10812125">
+          <a:off x="2557195" y="2590409"/>
+          <a:ext cx="1410149" cy="621430"/>
+        </a:xfrm>
+        <a:prstGeom prst="ellipse">
+          <a:avLst/>
+        </a:prstGeom>
+        <a:gradFill rotWithShape="0">
+          <a:gsLst>
+            <a:gs pos="0">
+              <a:schemeClr val="accent1">
+                <a:shade val="90000"/>
+                <a:hueOff val="4440"/>
+                <a:satOff val="-168"/>
+                <a:lumOff val="10302"/>
+                <a:alphaOff val="0"/>
+                <a:tint val="94000"/>
+                <a:satMod val="103000"/>
+                <a:lumMod val="102000"/>
+              </a:schemeClr>
+            </a:gs>
+            <a:gs pos="50000">
+              <a:schemeClr val="accent1">
+                <a:shade val="90000"/>
+                <a:hueOff val="4440"/>
+                <a:satOff val="-168"/>
+                <a:lumOff val="10302"/>
+                <a:alphaOff val="0"/>
+                <a:shade val="100000"/>
+                <a:satMod val="110000"/>
+                <a:lumMod val="100000"/>
+              </a:schemeClr>
+            </a:gs>
+            <a:gs pos="100000">
+              <a:schemeClr val="accent1">
+                <a:shade val="90000"/>
+                <a:hueOff val="4440"/>
+                <a:satOff val="-168"/>
+                <a:lumOff val="10302"/>
+                <a:alphaOff val="0"/>
+                <a:shade val="78000"/>
+                <a:satMod val="120000"/>
+                <a:lumMod val="99000"/>
+              </a:schemeClr>
+            </a:gs>
+          </a:gsLst>
+          <a:lin ang="5400000" scaled="0"/>
+        </a:gradFill>
+        <a:ln>
+          <a:noFill/>
+        </a:ln>
+        <a:effectLst/>
+      </dsp:spPr>
+      <dsp:style>
+        <a:lnRef idx="0">
+          <a:scrgbClr r="0" g="0" b="0"/>
+        </a:lnRef>
+        <a:fillRef idx="3">
+          <a:scrgbClr r="0" g="0" b="0"/>
+        </a:fillRef>
+        <a:effectRef idx="2">
+          <a:scrgbClr r="0" g="0" b="0"/>
+        </a:effectRef>
+        <a:fontRef idx="minor">
+          <a:schemeClr val="lt1"/>
+        </a:fontRef>
+      </dsp:style>
+      <dsp:txBody>
+        <a:bodyPr spcFirstLastPara="0" vert="horz" wrap="square" lIns="0" tIns="0" rIns="0" bIns="0" numCol="1" spcCol="1270" anchor="ctr" anchorCtr="0">
+          <a:noAutofit/>
+        </a:bodyPr>
+        <a:lstStyle/>
+        <a:p>
+          <a:pPr lvl="0" algn="ctr" defTabSz="711200">
+            <a:lnSpc>
+              <a:spcPct val="90000"/>
+            </a:lnSpc>
+            <a:spcBef>
+              <a:spcPct val="0"/>
+            </a:spcBef>
+            <a:spcAft>
+              <a:spcPct val="35000"/>
+            </a:spcAft>
+          </a:pPr>
+          <a:endParaRPr lang="fr-FR" sz="1600" kern="1200"/>
+        </a:p>
+      </dsp:txBody>
+      <dsp:txXfrm rot="10800000">
+        <a:off x="2743624" y="2714695"/>
+        <a:ext cx="1037291" cy="372858"/>
+      </dsp:txXfrm>
+    </dsp:sp>
+    <dsp:sp modelId="{9C8F8F8D-7937-CA45-B588-ECE13ABD8C33}">
+      <dsp:nvSpPr>
+        <dsp:cNvPr id="0" name=""/>
+        <dsp:cNvSpPr/>
+      </dsp:nvSpPr>
+      <dsp:spPr>
+        <a:xfrm>
+          <a:off x="652550" y="2462872"/>
+          <a:ext cx="1728382" cy="864191"/>
+        </a:xfrm>
+        <a:prstGeom prst="roundRect">
+          <a:avLst>
+            <a:gd name="adj" fmla="val 10000"/>
+          </a:avLst>
+        </a:prstGeom>
+        <a:solidFill>
+          <a:srgbClr val="00B0F0"/>
+        </a:solidFill>
+        <a:ln>
+          <a:noFill/>
+        </a:ln>
+        <a:effectLst/>
+      </dsp:spPr>
+      <dsp:style>
+        <a:lnRef idx="0">
+          <a:scrgbClr r="0" g="0" b="0"/>
+        </a:lnRef>
+        <a:fillRef idx="3">
+          <a:scrgbClr r="0" g="0" b="0"/>
+        </a:fillRef>
+        <a:effectRef idx="2">
+          <a:scrgbClr r="0" g="0" b="0"/>
+        </a:effectRef>
+        <a:fontRef idx="minor">
+          <a:schemeClr val="lt1"/>
+        </a:fontRef>
+      </dsp:style>
+      <dsp:txBody>
+        <a:bodyPr spcFirstLastPara="0" vert="horz" wrap="square" lIns="76200" tIns="76200" rIns="76200" bIns="76200" numCol="1" spcCol="1270" anchor="ctr" anchorCtr="0">
+          <a:noAutofit/>
+        </a:bodyPr>
+        <a:lstStyle/>
+        <a:p>
+          <a:pPr lvl="0" algn="ctr" defTabSz="889000">
+            <a:lnSpc>
+              <a:spcPct val="90000"/>
+            </a:lnSpc>
+            <a:spcBef>
+              <a:spcPct val="0"/>
+            </a:spcBef>
+            <a:spcAft>
+              <a:spcPct val="35000"/>
+            </a:spcAft>
+          </a:pPr>
+          <a:r>
+            <a:rPr lang="fr-FR" sz="2000" kern="1200" dirty="0" smtClean="0"/>
+            <a:t>Gènes</a:t>
+          </a:r>
+          <a:endParaRPr lang="fr-FR" sz="2000" kern="1200" dirty="0"/>
+        </a:p>
+      </dsp:txBody>
+      <dsp:txXfrm>
+        <a:off x="677861" y="2488183"/>
+        <a:ext cx="1677760" cy="813569"/>
+      </dsp:txXfrm>
+    </dsp:sp>
+    <dsp:sp modelId="{6FC15871-EBB1-714D-8C1F-3B78E1DC35AB}">
+      <dsp:nvSpPr>
+        <dsp:cNvPr id="0" name=""/>
+        <dsp:cNvSpPr/>
+      </dsp:nvSpPr>
+      <dsp:spPr>
+        <a:xfrm rot="18273283">
+          <a:off x="1659342" y="1512878"/>
+          <a:ext cx="1410149" cy="302466"/>
+        </a:xfrm>
+        <a:prstGeom prst="rightArrow">
+          <a:avLst/>
+        </a:prstGeom>
+        <a:gradFill rotWithShape="0">
+          <a:gsLst>
+            <a:gs pos="0">
+              <a:schemeClr val="accent1">
+                <a:shade val="90000"/>
+                <a:hueOff val="8880"/>
+                <a:satOff val="-336"/>
+                <a:lumOff val="20604"/>
+                <a:alphaOff val="0"/>
+                <a:tint val="94000"/>
+                <a:satMod val="103000"/>
+                <a:lumMod val="102000"/>
+              </a:schemeClr>
+            </a:gs>
+            <a:gs pos="50000">
+              <a:schemeClr val="accent1">
+                <a:shade val="90000"/>
+                <a:hueOff val="8880"/>
+                <a:satOff val="-336"/>
+                <a:lumOff val="20604"/>
+                <a:alphaOff val="0"/>
+                <a:shade val="100000"/>
+                <a:satMod val="110000"/>
+                <a:lumMod val="100000"/>
+              </a:schemeClr>
+            </a:gs>
+            <a:gs pos="100000">
+              <a:schemeClr val="accent1">
+                <a:shade val="90000"/>
+                <a:hueOff val="8880"/>
+                <a:satOff val="-336"/>
+                <a:lumOff val="20604"/>
+                <a:alphaOff val="0"/>
+                <a:shade val="78000"/>
+                <a:satMod val="120000"/>
+                <a:lumMod val="99000"/>
+              </a:schemeClr>
+            </a:gs>
+          </a:gsLst>
+          <a:lin ang="5400000" scaled="0"/>
+        </a:gradFill>
+        <a:ln>
+          <a:noFill/>
+        </a:ln>
+        <a:effectLst/>
+      </dsp:spPr>
+      <dsp:style>
+        <a:lnRef idx="0">
+          <a:scrgbClr r="0" g="0" b="0"/>
+        </a:lnRef>
+        <a:fillRef idx="3">
+          <a:scrgbClr r="0" g="0" b="0"/>
+        </a:fillRef>
+        <a:effectRef idx="2">
+          <a:scrgbClr r="0" g="0" b="0"/>
+        </a:effectRef>
+        <a:fontRef idx="minor">
+          <a:schemeClr val="lt1"/>
+        </a:fontRef>
+      </dsp:style>
+      <dsp:txBody>
+        <a:bodyPr spcFirstLastPara="0" vert="horz" wrap="square" lIns="0" tIns="0" rIns="0" bIns="0" numCol="1" spcCol="1270" anchor="ctr" anchorCtr="0">
+          <a:noAutofit/>
+        </a:bodyPr>
+        <a:lstStyle/>
+        <a:p>
+          <a:pPr lvl="0" algn="ctr" defTabSz="622300">
+            <a:lnSpc>
+              <a:spcPct val="90000"/>
+            </a:lnSpc>
+            <a:spcBef>
+              <a:spcPct val="0"/>
+            </a:spcBef>
+            <a:spcAft>
+              <a:spcPct val="35000"/>
+            </a:spcAft>
+          </a:pPr>
+          <a:endParaRPr lang="fr-FR" sz="1400" kern="1200"/>
+        </a:p>
+      </dsp:txBody>
+      <dsp:txXfrm>
+        <a:off x="1750082" y="1573371"/>
+        <a:ext cx="1228669" cy="181480"/>
+      </dsp:txXfrm>
+    </dsp:sp>
+  </dsp:spTree>
+</dsp:drawing>
+</file>
+
+<file path=ppt/diagrams/layout1.xml><?xml version="1.0" encoding="utf-8"?>
+<dgm:layoutDef xmlns:dgm="http://schemas.openxmlformats.org/drawingml/2006/diagram" xmlns:a="http://schemas.openxmlformats.org/drawingml/2006/main" uniqueId="urn:microsoft.com/office/officeart/2005/8/layout/cycle7">
+  <dgm:title val=""/>
+  <dgm:desc val=""/>
+  <dgm:catLst>
+    <dgm:cat type="cycle" pri="6000"/>
+  </dgm:catLst>
+  <dgm:sampData>
+    <dgm:dataModel>
+      <dgm:ptLst>
+        <dgm:pt modelId="0" type="doc"/>
+        <dgm:pt modelId="1">
+          <dgm:prSet phldr="1"/>
+        </dgm:pt>
+        <dgm:pt modelId="2">
+          <dgm:prSet phldr="1"/>
+        </dgm:pt>
+        <dgm:pt modelId="3">
+          <dgm:prSet phldr="1"/>
+        </dgm:pt>
+      </dgm:ptLst>
+      <dgm:cxnLst>
+        <dgm:cxn modelId="6" srcId="0" destId="1" srcOrd="0" destOrd="0"/>
+        <dgm:cxn modelId="7" srcId="0" destId="2" srcOrd="1" destOrd="0"/>
+        <dgm:cxn modelId="8" srcId="0" destId="3" srcOrd="2" destOrd="0"/>
+      </dgm:cxnLst>
+      <dgm:bg/>
+      <dgm:whole/>
+    </dgm:dataModel>
+  </dgm:sampData>
+  <dgm:styleData>
+    <dgm:dataModel>
+      <dgm:ptLst>
+        <dgm:pt modelId="0" type="doc"/>
+        <dgm:pt modelId="1"/>
+        <dgm:pt modelId="2"/>
+        <dgm:pt modelId="3"/>
+      </dgm:ptLst>
+      <dgm:cxnLst>
+        <dgm:cxn modelId="4" srcId="0" destId="1" srcOrd="0" destOrd="0"/>
+        <dgm:cxn modelId="5" srcId="0" destId="2" srcOrd="1" destOrd="0"/>
+        <dgm:cxn modelId="6" srcId="0" destId="3" srcOrd="2" destOrd="0"/>
+      </dgm:cxnLst>
+      <dgm:bg/>
+      <dgm:whole/>
+    </dgm:dataModel>
+  </dgm:styleData>
+  <dgm:clrData>
+    <dgm:dataModel>
+      <dgm:ptLst>
+        <dgm:pt modelId="0" type="doc"/>
+        <dgm:pt modelId="1"/>
+        <dgm:pt modelId="2"/>
+        <dgm:pt modelId="3"/>
+        <dgm:pt modelId="4"/>
+        <dgm:pt modelId="5"/>
+        <dgm:pt modelId="6"/>
+      </dgm:ptLst>
+      <dgm:cxnLst>
+        <dgm:cxn modelId="7" srcId="0" destId="1" srcOrd="0" destOrd="0"/>
+        <dgm:cxn modelId="8" srcId="0" destId="2" srcOrd="1" destOrd="0"/>
+        <dgm:cxn modelId="9" srcId="0" destId="3" srcOrd="2" destOrd="0"/>
+        <dgm:cxn modelId="10" srcId="0" destId="4" srcOrd="3" destOrd="0"/>
+        <dgm:cxn modelId="11" srcId="0" destId="5" srcOrd="4" destOrd="0"/>
+        <dgm:cxn modelId="12" srcId="0" destId="6" srcOrd="5" destOrd="0"/>
+      </dgm:cxnLst>
+      <dgm:bg/>
+      <dgm:whole/>
+    </dgm:dataModel>
+  </dgm:clrData>
+  <dgm:layoutNode name="Name0">
+    <dgm:varLst>
+      <dgm:dir/>
+      <dgm:resizeHandles val="exact"/>
+    </dgm:varLst>
+    <dgm:choose name="Name1">
+      <dgm:if name="Name2" func="var" arg="dir" op="equ" val="norm">
+        <dgm:alg type="cycle">
+          <dgm:param type="stAng" val="0"/>
+          <dgm:param type="spanAng" val="360"/>
+        </dgm:alg>
+      </dgm:if>
+      <dgm:else name="Name3">
+        <dgm:alg type="cycle">
+          <dgm:param type="stAng" val="0"/>
+          <dgm:param type="spanAng" val="-360"/>
+        </dgm:alg>
+      </dgm:else>
+    </dgm:choose>
+    <dgm:shape xmlns:r="http://schemas.openxmlformats.org/officeDocument/2006/relationships" r:blip="">
+      <dgm:adjLst/>
+    </dgm:shape>
+    <dgm:presOf/>
+    <dgm:constrLst>
+      <dgm:constr type="diam" refType="w"/>
+      <dgm:constr type="w" for="ch" ptType="node" refType="w"/>
+      <dgm:constr type="primFontSz" for="ch" ptType="node" op="equ" val="65"/>
+      <dgm:constr type="w" for="ch" forName="sibTrans" refType="w" refFor="ch" refPtType="node" op="equ" fact="0.35"/>
+      <dgm:constr type="connDist" for="ch" forName="sibTrans" op="equ"/>
+      <dgm:constr type="primFontSz" for="des" forName="connectorText" op="equ" val="55"/>
+      <dgm:constr type="primFontSz" for="des" forName="connectorText" refType="primFontSz" refFor="ch" refPtType="node" op="lte" fact="0.8"/>
+      <dgm:constr type="sibSp" refType="w" refFor="ch" refPtType="node" op="equ" fact="0.65"/>
+    </dgm:constrLst>
+    <dgm:ruleLst/>
+    <dgm:forEach name="nodesForEach" axis="ch" ptType="node">
+      <dgm:layoutNode name="node">
+        <dgm:varLst>
+          <dgm:bulletEnabled val="1"/>
+        </dgm:varLst>
+        <dgm:alg type="tx"/>
+        <dgm:shape xmlns:r="http://schemas.openxmlformats.org/officeDocument/2006/relationships" type="roundRect" r:blip="">
+          <dgm:adjLst>
+            <dgm:adj idx="1" val="0.1"/>
+          </dgm:adjLst>
+        </dgm:shape>
+        <dgm:presOf axis="desOrSelf" ptType="node"/>
+        <dgm:constrLst>
+          <dgm:constr type="h" refType="w" fact="0.5"/>
+          <dgm:constr type="tMarg" refType="primFontSz" fact="0.3"/>
+          <dgm:constr type="bMarg" refType="primFontSz" fact="0.3"/>
+          <dgm:constr type="lMarg" refType="primFontSz" fact="0.3"/>
+          <dgm:constr type="rMarg" refType="primFontSz" fact="0.3"/>
+        </dgm:constrLst>
+        <dgm:ruleLst>
+          <dgm:rule type="primFontSz" val="5" fact="NaN" max="NaN"/>
+        </dgm:ruleLst>
+      </dgm:layoutNode>
+      <dgm:choose name="Name4">
+        <dgm:if name="Name5" axis="par ch" ptType="doc node" func="cnt" op="gt" val="1">
+          <dgm:forEach name="sibTransForEach" axis="followSib" ptType="sibTrans" hideLastTrans="0" cnt="1">
+            <dgm:layoutNode name="sibTrans">
+              <dgm:choose name="Name6">
+                <dgm:if name="Name7" axis="par ch" ptType="doc node" func="posEven" op="equ" val="1">
+                  <dgm:alg type="conn">
+                    <dgm:param type="begPts" val="radial"/>
+                    <dgm:param type="endPts" val="radial"/>
+                    <dgm:param type="begSty" val="arr"/>
+                    <dgm:param type="endSty" val="arr"/>
+                  </dgm:alg>
+                </dgm:if>
+                <dgm:else name="Name8">
+                  <dgm:alg type="conn">
+                    <dgm:param type="begPts" val="auto"/>
+                    <dgm:param type="endPts" val="auto"/>
+                    <dgm:param type="begSty" val="arr"/>
+                    <dgm:param type="endSty" val="arr"/>
+                  </dgm:alg>
+                </dgm:else>
+              </dgm:choose>
+              <dgm:shape xmlns:r="http://schemas.openxmlformats.org/officeDocument/2006/relationships" type="conn" r:blip="">
+                <dgm:adjLst/>
+              </dgm:shape>
+              <dgm:presOf axis="self"/>
+              <dgm:constrLst>
+                <dgm:constr type="h" refType="w" fact="0.5"/>
+                <dgm:constr type="connDist"/>
+                <dgm:constr type="begPad" refType="connDist" fact="0.1"/>
+                <dgm:constr type="endPad" refType="connDist" fact="0.1"/>
+              </dgm:constrLst>
+              <dgm:ruleLst/>
+              <dgm:layoutNode name="connectorText">
+                <dgm:alg type="tx">
+                  <dgm:param type="autoTxRot" val="grav"/>
+                </dgm:alg>
+                <dgm:shape xmlns:r="http://schemas.openxmlformats.org/officeDocument/2006/relationships" type="conn" r:blip="" hideGeom="1">
+                  <dgm:adjLst/>
+                </dgm:shape>
+                <dgm:presOf axis="self"/>
+                <dgm:constrLst>
+                  <dgm:constr type="lMarg"/>
+                  <dgm:constr type="rMarg"/>
+                  <dgm:constr type="tMarg"/>
+                  <dgm:constr type="bMarg"/>
+                </dgm:constrLst>
+                <dgm:ruleLst>
+                  <dgm:rule type="primFontSz" val="5" fact="NaN" max="NaN"/>
+                </dgm:ruleLst>
+              </dgm:layoutNode>
+            </dgm:layoutNode>
+          </dgm:forEach>
+        </dgm:if>
+        <dgm:else name="Name9"/>
+      </dgm:choose>
+    </dgm:forEach>
+  </dgm:layoutNode>
+</dgm:layoutDef>
+</file>
+
+<file path=ppt/diagrams/quickStyle1.xml><?xml version="1.0" encoding="utf-8"?>
+<dgm:styleDef xmlns:dgm="http://schemas.openxmlformats.org/drawingml/2006/diagram" xmlns:a="http://schemas.openxmlformats.org/drawingml/2006/main" uniqueId="urn:microsoft.com/office/officeart/2005/8/quickstyle/simple4">
+  <dgm:title val=""/>
+  <dgm:desc val=""/>
+  <dgm:catLst>
+    <dgm:cat type="simple" pri="10400"/>
+  </dgm:catLst>
+  <dgm:scene3d>
+    <a:camera prst="orthographicFront"/>
+    <a:lightRig rig="threePt" dir="t"/>
+  </dgm:scene3d>
+  <dgm:styleLbl name="node0">
+    <dgm:scene3d>
+      <a:camera prst="orthographicFront"/>
+      <a:lightRig rig="threePt" dir="t"/>
+    </dgm:scene3d>
+    <dgm:sp3d/>
+    <dgm:txPr/>
+    <dgm:style>
+      <a:lnRef idx="0">
+        <a:scrgbClr r="0" g="0" b="0"/>
+      </a:lnRef>
+      <a:fillRef idx="3">
+        <a:scrgbClr r="0" g="0" b="0"/>
+      </a:fillRef>
+      <a:effectRef idx="2">
+        <a:scrgbClr r="0" g="0" b="0"/>
+      </a:effectRef>
+      <a:fontRef idx="minor">
+        <a:schemeClr val="lt1"/>
+      </a:fontRef>
+    </dgm:style>
+  </dgm:styleLbl>
+  <dgm:styleLbl name="lnNode1">
+    <dgm:scene3d>
+      <a:camera prst="orthographicFront"/>
+      <a:lightRig rig="threePt" dir="t"/>
+    </dgm:scene3d>
+    <dgm:sp3d/>
+    <dgm:txPr/>
+    <dgm:style>
+      <a:lnRef idx="1">
+        <a:scrgbClr r="0" g="0" b="0"/>
+      </a:lnRef>
+      <a:fillRef idx="3">
+        <a:scrgbClr r="0" g="0" b="0"/>
+      </a:fillRef>
+      <a:effectRef idx="2">
+        <a:scrgbClr r="0" g="0" b="0"/>
+      </a:effectRef>
+      <a:fontRef idx="minor">
+        <a:schemeClr val="lt1"/>
+      </a:fontRef>
+    </dgm:style>
+  </dgm:styleLbl>
+  <dgm:styleLbl name="vennNode1">
+    <dgm:scene3d>
+      <a:camera prst="orthographicFront"/>
+      <a:lightRig rig="threePt" dir="t"/>
+    </dgm:scene3d>
+    <dgm:sp3d/>
+    <dgm:txPr/>
+    <dgm:style>
+      <a:lnRef idx="0">
+        <a:scrgbClr r="0" g="0" b="0"/>
+      </a:lnRef>
+      <a:fillRef idx="3">
+        <a:scrgbClr r="0" g="0" b="0"/>
+      </a:fillRef>
+      <a:effectRef idx="0">
+        <a:scrgbClr r="0" g="0" b="0"/>
+      </a:effectRef>
+      <a:fontRef idx="minor">
+        <a:schemeClr val="tx1"/>
+      </a:fontRef>
+    </dgm:style>
+  </dgm:styleLbl>
+  <dgm:styleLbl name="alignNode1">
+    <dgm:scene3d>
+      <a:camera prst="orthographicFront"/>
+      <a:lightRig rig="threePt" dir="t"/>
+    </dgm:scene3d>
+    <dgm:sp3d/>
+    <dgm:txPr/>
+    <dgm:style>
+      <a:lnRef idx="1">
+        <a:scrgbClr r="0" g="0" b="0"/>
+      </a:lnRef>
+      <a:fillRef idx="3">
+        <a:scrgbClr r="0" g="0" b="0"/>
+      </a:fillRef>
+      <a:effectRef idx="2">
+        <a:scrgbClr r="0" g="0" b="0"/>
+      </a:effectRef>
+      <a:fontRef idx="minor">
+        <a:schemeClr val="lt1"/>
+      </a:fontRef>
+    </dgm:style>
+  </dgm:styleLbl>
+  <dgm:styleLbl name="node1">
+    <dgm:scene3d>
+      <a:camera prst="orthographicFront"/>
+      <a:lightRig rig="threePt" dir="t"/>
+    </dgm:scene3d>
+    <dgm:sp3d/>
+    <dgm:txPr/>
+    <dgm:style>
+      <a:lnRef idx="0">
+        <a:scrgbClr r="0" g="0" b="0"/>
+      </a:lnRef>
+      <a:fillRef idx="3">
+        <a:scrgbClr r="0" g="0" b="0"/>
+      </a:fillRef>
+      <a:effectRef idx="2">
+        <a:scrgbClr r="0" g="0" b="0"/>
+      </a:effectRef>
+      <a:fontRef idx="minor">
+        <a:schemeClr val="lt1"/>
+      </a:fontRef>
+    </dgm:style>
+  </dgm:styleLbl>
+  <dgm:styleLbl name="node2">
+    <dgm:scene3d>
+      <a:camera prst="orthographicFront"/>
+      <a:lightRig rig="threePt" dir="t"/>
+    </dgm:scene3d>
+    <dgm:sp3d/>
+    <dgm:txPr/>
+    <dgm:style>
+      <a:lnRef idx="0">
+        <a:scrgbClr r="0" g="0" b="0"/>
+      </a:lnRef>
+      <a:fillRef idx="3">
+        <a:scrgbClr r="0" g="0" b="0"/>
+      </a:fillRef>
+      <a:effectRef idx="2">
+        <a:scrgbClr r="0" g="0" b="0"/>
+      </a:effectRef>
+      <a:fontRef idx="minor">
+        <a:schemeClr val="lt1"/>
+      </a:fontRef>
+    </dgm:style>
+  </dgm:styleLbl>
+  <dgm:styleLbl name="node3">
+    <dgm:scene3d>
+      <a:camera prst="orthographicFront"/>
+      <a:lightRig rig="threePt" dir="t"/>
+    </dgm:scene3d>
+    <dgm:sp3d/>
+    <dgm:txPr/>
+    <dgm:style>
+      <a:lnRef idx="0">
+        <a:scrgbClr r="0" g="0" b="0"/>
+      </a:lnRef>
+      <a:fillRef idx="3">
+        <a:scrgbClr r="0" g="0" b="0"/>
+      </a:fillRef>
+      <a:effectRef idx="2">
+        <a:scrgbClr r="0" g="0" b="0"/>
+      </a:effectRef>
+      <a:fontRef idx="minor">
+        <a:schemeClr val="lt1"/>
+      </a:fontRef>
+    </dgm:style>
+  </dgm:styleLbl>
+  <dgm:styleLbl name="node4">
+    <dgm:scene3d>
+      <a:camera prst="orthographicFront"/>
+      <a:lightRig rig="threePt" dir="t"/>
+    </dgm:scene3d>
+    <dgm:sp3d/>
+    <dgm:txPr/>
+    <dgm:style>
+      <a:lnRef idx="0">
+        <a:scrgbClr r="0" g="0" b="0"/>
+      </a:lnRef>
+      <a:fillRef idx="3">
+        <a:scrgbClr r="0" g="0" b="0"/>
+      </a:fillRef>
+      <a:effectRef idx="2">
+        <a:scrgbClr r="0" g="0" b="0"/>
+      </a:effectRef>
+      <a:fontRef idx="minor">
+        <a:schemeClr val="lt1"/>
+      </a:fontRef>
+    </dgm:style>
+  </dgm:styleLbl>
+  <dgm:styleLbl name="fgImgPlace1">
+    <dgm:scene3d>
+      <a:camera prst="orthographicFront"/>
+      <a:lightRig rig="threePt" dir="t"/>
+    </dgm:scene3d>
+    <dgm:sp3d/>
+    <dgm:txPr/>
+    <dgm:style>
+      <a:lnRef idx="0">
+        <a:scrgbClr r="0" g="0" b="0"/>
+      </a:lnRef>
+      <a:fillRef idx="1">
+        <a:scrgbClr r="0" g="0" b="0"/>
+      </a:fillRef>
+      <a:effectRef idx="2">
+        <a:scrgbClr r="0" g="0" b="0"/>
+      </a:effectRef>
+      <a:fontRef idx="minor"/>
+    </dgm:style>
+  </dgm:styleLbl>
+  <dgm:styleLbl name="alignImgPlace1">
+    <dgm:scene3d>
+      <a:camera prst="orthographicFront"/>
+      <a:lightRig rig="threePt" dir="t"/>
+    </dgm:scene3d>
+    <dgm:sp3d/>
+    <dgm:txPr/>
+    <dgm:style>
+      <a:lnRef idx="0">
+        <a:scrgbClr r="0" g="0" b="0"/>
+      </a:lnRef>
+      <a:fillRef idx="1">
+        <a:scrgbClr r="0" g="0" b="0"/>
+      </a:fillRef>
+      <a:effectRef idx="2">
+        <a:scrgbClr r="0" g="0" b="0"/>
+      </a:effectRef>
+      <a:fontRef idx="minor"/>
+    </dgm:style>
+  </dgm:styleLbl>
+  <dgm:styleLbl name="bgImgPlace1">
+    <dgm:scene3d>
+      <a:camera prst="orthographicFront"/>
+      <a:lightRig rig="threePt" dir="t"/>
+    </dgm:scene3d>
+    <dgm:sp3d/>
+    <dgm:txPr/>
+    <dgm:style>
+      <a:lnRef idx="0">
+        <a:scrgbClr r="0" g="0" b="0"/>
+      </a:lnRef>
+      <a:fillRef idx="1">
+        <a:scrgbClr r="0" g="0" b="0"/>
+      </a:fillRef>
+      <a:effectRef idx="2">
+        <a:scrgbClr r="0" g="0" b="0"/>
+      </a:effectRef>
+      <a:fontRef idx="minor"/>
+    </dgm:style>
+  </dgm:styleLbl>
+  <dgm:styleLbl name="sibTrans2D1">
+    <dgm:scene3d>
+      <a:camera prst="orthographicFront"/>
+      <a:lightRig rig="threePt" dir="t"/>
+    </dgm:scene3d>
+    <dgm:sp3d/>
+    <dgm:txPr/>
+    <dgm:style>
+      <a:lnRef idx="0">
+        <a:scrgbClr r="0" g="0" b="0"/>
+      </a:lnRef>
+      <a:fillRef idx="3">
+        <a:scrgbClr r="0" g="0" b="0"/>
+      </a:fillRef>
+      <a:effectRef idx="2">
+        <a:scrgbClr r="0" g="0" b="0"/>
+      </a:effectRef>
+      <a:fontRef idx="minor">
+        <a:schemeClr val="lt1"/>
+      </a:fontRef>
+    </dgm:style>
+  </dgm:styleLbl>
+  <dgm:styleLbl name="fgSibTrans2D1">
+    <dgm:scene3d>
+      <a:camera prst="orthographicFront"/>
+      <a:lightRig rig="threePt" dir="t"/>
+    </dgm:scene3d>
+    <dgm:sp3d/>
+    <dgm:txPr/>
+    <dgm:style>
+      <a:lnRef idx="0">
+        <a:scrgbClr r="0" g="0" b="0"/>
+      </a:lnRef>
+      <a:fillRef idx="3">
+        <a:scrgbClr r="0" g="0" b="0"/>
+      </a:fillRef>
+      <a:effectRef idx="2">
+        <a:scrgbClr r="0" g="0" b="0"/>
+      </a:effectRef>
+      <a:fontRef idx="minor">
+        <a:schemeClr val="lt1"/>
+      </a:fontRef>
+    </dgm:style>
+  </dgm:styleLbl>
+  <dgm:styleLbl name="bgSibTrans2D1">
+    <dgm:scene3d>
+      <a:camera prst="orthographicFront"/>
+      <a:lightRig rig="threePt" dir="t"/>
+    </dgm:scene3d>
+    <dgm:sp3d/>
+    <dgm:txPr/>
+    <dgm:style>
+      <a:lnRef idx="0">
+        <a:scrgbClr r="0" g="0" b="0"/>
+      </a:lnRef>
+      <a:fillRef idx="3">
+        <a:scrgbClr r="0" g="0" b="0"/>
+      </a:fillRef>
+      <a:effectRef idx="2">
+        <a:scrgbClr r="0" g="0" b="0"/>
+      </a:effectRef>
+      <a:fontRef idx="minor">
+        <a:schemeClr val="lt1"/>
+      </a:fontRef>
+    </dgm:style>
+  </dgm:styleLbl>
+  <dgm:styleLbl name="sibTrans1D1">
+    <dgm:scene3d>
+      <a:camera prst="orthographicFront"/>
+      <a:lightRig rig="threePt" dir="t"/>
+    </dgm:scene3d>
+    <dgm:sp3d/>
+    <dgm:txPr/>
+    <dgm:style>
+      <a:lnRef idx="1">
+        <a:scrgbClr r="0" g="0" b="0"/>
+      </a:lnRef>
+      <a:fillRef idx="0">
+        <a:scrgbClr r="0" g="0" b="0"/>
+      </a:fillRef>
+      <a:effectRef idx="0">
+        <a:scrgbClr r="0" g="0" b="0"/>
+      </a:effectRef>
+      <a:fontRef idx="minor"/>
+    </dgm:style>
+  </dgm:styleLbl>
+  <dgm:styleLbl name="callout">
+    <dgm:scene3d>
+      <a:camera prst="orthographicFront"/>
+      <a:lightRig rig="threePt" dir="t"/>
+    </dgm:scene3d>
+    <dgm:sp3d/>
+    <dgm:txPr/>
+    <dgm:style>
+      <a:lnRef idx="2">
+        <a:scrgbClr r="0" g="0" b="0"/>
+      </a:lnRef>
+      <a:fillRef idx="1">
+        <a:scrgbClr r="0" g="0" b="0"/>
+      </a:fillRef>
+      <a:effectRef idx="1">
+        <a:scrgbClr r="0" g="0" b="0"/>
+      </a:effectRef>
+      <a:fontRef idx="minor"/>
+    </dgm:style>
+  </dgm:styleLbl>
+  <dgm:styleLbl name="asst0">
+    <dgm:scene3d>
+      <a:camera prst="orthographicFront"/>
+      <a:lightRig rig="threePt" dir="t"/>
+    </dgm:scene3d>
+    <dgm:sp3d/>
+    <dgm:txPr/>
+    <dgm:style>
+      <a:lnRef idx="0">
+        <a:scrgbClr r="0" g="0" b="0"/>
+      </a:lnRef>
+      <a:fillRef idx="3">
+        <a:scrgbClr r="0" g="0" b="0"/>
+      </a:fillRef>
+      <a:effectRef idx="2">
+        <a:scrgbClr r="0" g="0" b="0"/>
+      </a:effectRef>
+      <a:fontRef idx="minor">
+        <a:schemeClr val="lt1"/>
+      </a:fontRef>
+    </dgm:style>
+  </dgm:styleLbl>
+  <dgm:styleLbl name="asst1">
+    <dgm:scene3d>
+      <a:camera prst="orthographicFront"/>
+      <a:lightRig rig="threePt" dir="t"/>
+    </dgm:scene3d>
+    <dgm:sp3d/>
+    <dgm:txPr/>
+    <dgm:style>
+      <a:lnRef idx="0">
+        <a:scrgbClr r="0" g="0" b="0"/>
+      </a:lnRef>
+      <a:fillRef idx="3">
+        <a:scrgbClr r="0" g="0" b="0"/>
+      </a:fillRef>
+      <a:effectRef idx="2">
+        <a:scrgbClr r="0" g="0" b="0"/>
+      </a:effectRef>
+      <a:fontRef idx="minor">
+        <a:schemeClr val="lt1"/>
+      </a:fontRef>
+    </dgm:style>
+  </dgm:styleLbl>
+  <dgm:styleLbl name="asst2">
+    <dgm:scene3d>
+      <a:camera prst="orthographicFront"/>
+      <a:lightRig rig="threePt" dir="t"/>
+    </dgm:scene3d>
+    <dgm:sp3d/>
+    <dgm:txPr/>
+    <dgm:style>
+      <a:lnRef idx="0">
+        <a:scrgbClr r="0" g="0" b="0"/>
+      </a:lnRef>
+      <a:fillRef idx="3">
+        <a:scrgbClr r="0" g="0" b="0"/>
+      </a:fillRef>
+      <a:effectRef idx="2">
+        <a:scrgbClr r="0" g="0" b="0"/>
+      </a:effectRef>
+      <a:fontRef idx="minor">
+        <a:schemeClr val="lt1"/>
+      </a:fontRef>
+    </dgm:style>
+  </dgm:styleLbl>
+  <dgm:styleLbl name="asst3">
+    <dgm:scene3d>
+      <a:camera prst="orthographicFront"/>
+      <a:lightRig rig="threePt" dir="t"/>
+    </dgm:scene3d>
+    <dgm:sp3d/>
+    <dgm:txPr/>
+    <dgm:style>
+      <a:lnRef idx="0">
+        <a:scrgbClr r="0" g="0" b="0"/>
+      </a:lnRef>
+      <a:fillRef idx="3">
+        <a:scrgbClr r="0" g="0" b="0"/>
+      </a:fillRef>
+      <a:effectRef idx="2">
+        <a:scrgbClr r="0" g="0" b="0"/>
+      </a:effectRef>
+      <a:fontRef idx="minor">
+        <a:schemeClr val="lt1"/>
+      </a:fontRef>
+    </dgm:style>
+  </dgm:styleLbl>
+  <dgm:styleLbl name="asst4">
+    <dgm:scene3d>
+      <a:camera prst="orthographicFront"/>
+      <a:lightRig rig="threePt" dir="t"/>
+    </dgm:scene3d>
+    <dgm:sp3d/>
+    <dgm:txPr/>
+    <dgm:style>
+      <a:lnRef idx="0">
+        <a:scrgbClr r="0" g="0" b="0"/>
+      </a:lnRef>
+      <a:fillRef idx="3">
+        <a:scrgbClr r="0" g="0" b="0"/>
+      </a:fillRef>
+      <a:effectRef idx="2">
+        <a:scrgbClr r="0" g="0" b="0"/>
+      </a:effectRef>
+      <a:fontRef idx="minor">
+        <a:schemeClr val="lt1"/>
+      </a:fontRef>
+    </dgm:style>
+  </dgm:styleLbl>
+  <dgm:styleLbl name="parChTrans2D1">
+    <dgm:scene3d>
+      <a:camera prst="orthographicFront"/>
+      <a:lightRig rig="threePt" dir="t"/>
+    </dgm:scene3d>
+    <dgm:sp3d/>
+    <dgm:txPr/>
+    <dgm:style>
+      <a:lnRef idx="0">
+        <a:scrgbClr r="0" g="0" b="0"/>
+      </a:lnRef>
+      <a:fillRef idx="3">
+        <a:scrgbClr r="0" g="0" b="0"/>
+      </a:fillRef>
+      <a:effectRef idx="2">
+        <a:scrgbClr r="0" g="0" b="0"/>
+      </a:effectRef>
+      <a:fontRef idx="minor">
+        <a:schemeClr val="lt1"/>
+      </a:fontRef>
+    </dgm:style>
+  </dgm:styleLbl>
+  <dgm:styleLbl name="parChTrans2D2">
+    <dgm:scene3d>
+      <a:camera prst="orthographicFront"/>
+      <a:lightRig rig="threePt" dir="t"/>
+    </dgm:scene3d>
+    <dgm:sp3d/>
+    <dgm:txPr/>
+    <dgm:style>
+      <a:lnRef idx="0">
+        <a:scrgbClr r="0" g="0" b="0"/>
+      </a:lnRef>
+      <a:fillRef idx="3">
+        <a:scrgbClr r="0" g="0" b="0"/>
+      </a:fillRef>
+      <a:effectRef idx="2">
+        <a:scrgbClr r="0" g="0" b="0"/>
+      </a:effectRef>
+      <a:fontRef idx="minor">
+        <a:schemeClr val="lt1"/>
+      </a:fontRef>
+    </dgm:style>
+  </dgm:styleLbl>
+  <dgm:styleLbl name="parChTrans2D3">
+    <dgm:scene3d>
+      <a:camera prst="orthographicFront"/>
+      <a:lightRig rig="threePt" dir="t"/>
+    </dgm:scene3d>
+    <dgm:sp3d/>
+    <dgm:txPr/>
+    <dgm:style>
+      <a:lnRef idx="1">
+        <a:scrgbClr r="0" g="0" b="0"/>
+      </a:lnRef>
+      <a:fillRef idx="3">
+        <a:scrgbClr r="0" g="0" b="0"/>
+      </a:fillRef>
+      <a:effectRef idx="2">
+        <a:scrgbClr r="0" g="0" b="0"/>
+      </a:effectRef>
+      <a:fontRef idx="minor">
+        <a:schemeClr val="lt1"/>
+      </a:fontRef>
+    </dgm:style>
+  </dgm:styleLbl>
+  <dgm:styleLbl name="parChTrans2D4">
+    <dgm:scene3d>
+      <a:camera prst="orthographicFront"/>
+      <a:lightRig rig="threePt" dir="t"/>
+    </dgm:scene3d>
+    <dgm:sp3d/>
+    <dgm:txPr/>
+    <dgm:style>
+      <a:lnRef idx="1">
+        <a:scrgbClr r="0" g="0" b="0"/>
+      </a:lnRef>
+      <a:fillRef idx="3">
+        <a:scrgbClr r="0" g="0" b="0"/>
+      </a:fillRef>
+      <a:effectRef idx="2">
+        <a:scrgbClr r="0" g="0" b="0"/>
+      </a:effectRef>
+      <a:fontRef idx="minor">
+        <a:schemeClr val="lt1"/>
+      </a:fontRef>
+    </dgm:style>
+  </dgm:styleLbl>
+  <dgm:styleLbl name="parChTrans1D1">
+    <dgm:scene3d>
+      <a:camera prst="orthographicFront"/>
+      <a:lightRig rig="threePt" dir="t"/>
+    </dgm:scene3d>
+    <dgm:sp3d/>
+    <dgm:txPr/>
+    <dgm:style>
+      <a:lnRef idx="1">
+        <a:scrgbClr r="0" g="0" b="0"/>
+      </a:lnRef>
+      <a:fillRef idx="0">
+        <a:scrgbClr r="0" g="0" b="0"/>
+      </a:fillRef>
+      <a:effectRef idx="0">
+        <a:scrgbClr r="0" g="0" b="0"/>
+      </a:effectRef>
+      <a:fontRef idx="minor"/>
+    </dgm:style>
+  </dgm:styleLbl>
+  <dgm:styleLbl name="parChTrans1D2">
+    <dgm:scene3d>
+      <a:camera prst="orthographicFront"/>
+      <a:lightRig rig="threePt" dir="t"/>
+    </dgm:scene3d>
+    <dgm:sp3d/>
+    <dgm:txPr/>
+    <dgm:style>
+      <a:lnRef idx="1">
+        <a:scrgbClr r="0" g="0" b="0"/>
+      </a:lnRef>
+      <a:fillRef idx="0">
+        <a:scrgbClr r="0" g="0" b="0"/>
+      </a:fillRef>
+      <a:effectRef idx="0">
+        <a:scrgbClr r="0" g="0" b="0"/>
+      </a:effectRef>
+      <a:fontRef idx="minor"/>
+    </dgm:style>
+  </dgm:styleLbl>
+  <dgm:styleLbl name="parChTrans1D3">
+    <dgm:scene3d>
+      <a:camera prst="orthographicFront"/>
+      <a:lightRig rig="threePt" dir="t"/>
+    </dgm:scene3d>
+    <dgm:sp3d/>
+    <dgm:txPr/>
+    <dgm:style>
+      <a:lnRef idx="1">
+        <a:scrgbClr r="0" g="0" b="0"/>
+      </a:lnRef>
+      <a:fillRef idx="0">
+        <a:scrgbClr r="0" g="0" b="0"/>
+      </a:fillRef>
+      <a:effectRef idx="0">
+        <a:scrgbClr r="0" g="0" b="0"/>
+      </a:effectRef>
+      <a:fontRef idx="minor"/>
+    </dgm:style>
+  </dgm:styleLbl>
+  <dgm:styleLbl name="parChTrans1D4">
+    <dgm:scene3d>
+      <a:camera prst="orthographicFront"/>
+      <a:lightRig rig="threePt" dir="t"/>
+    </dgm:scene3d>
+    <dgm:sp3d/>
+    <dgm:txPr/>
+    <dgm:style>
+      <a:lnRef idx="1">
+        <a:scrgbClr r="0" g="0" b="0"/>
+      </a:lnRef>
+      <a:fillRef idx="0">
+        <a:scrgbClr r="0" g="0" b="0"/>
+      </a:fillRef>
+      <a:effectRef idx="0">
+        <a:scrgbClr r="0" g="0" b="0"/>
+      </a:effectRef>
+      <a:fontRef idx="minor"/>
+    </dgm:style>
+  </dgm:styleLbl>
+  <dgm:styleLbl name="fgAcc1">
+    <dgm:scene3d>
+      <a:camera prst="orthographicFront"/>
+      <a:lightRig rig="threePt" dir="t"/>
+    </dgm:scene3d>
+    <dgm:sp3d/>
+    <dgm:txPr/>
+    <dgm:style>
+      <a:lnRef idx="1">
+        <a:scrgbClr r="0" g="0" b="0"/>
+      </a:lnRef>
+      <a:fillRef idx="1">
+        <a:scrgbClr r="0" g="0" b="0"/>
+      </a:fillRef>
+      <a:effectRef idx="0">
+        <a:scrgbClr r="0" g="0" b="0"/>
+      </a:effectRef>
+      <a:fontRef idx="minor"/>
+    </dgm:style>
+  </dgm:styleLbl>
+  <dgm:styleLbl name="conFgAcc1">
+    <dgm:scene3d>
+      <a:camera prst="orthographicFront"/>
+      <a:lightRig rig="threePt" dir="t"/>
+    </dgm:scene3d>
+    <dgm:sp3d/>
+    <dgm:txPr/>
+    <dgm:style>
+      <a:lnRef idx="1">
+        <a:scrgbClr r="0" g="0" b="0"/>
+      </a:lnRef>
+      <a:fillRef idx="1">
+        <a:scrgbClr r="0" g="0" b="0"/>
+      </a:fillRef>
+      <a:effectRef idx="0">
+        <a:scrgbClr r="0" g="0" b="0"/>
+      </a:effectRef>
+      <a:fontRef idx="minor"/>
+    </dgm:style>
+  </dgm:styleLbl>
+  <dgm:styleLbl name="alignAcc1">
+    <dgm:scene3d>
+      <a:camera prst="orthographicFront"/>
+      <a:lightRig rig="threePt" dir="t"/>
+    </dgm:scene3d>
+    <dgm:sp3d/>
+    <dgm:txPr/>
+    <dgm:style>
+      <a:lnRef idx="1">
+        <a:scrgbClr r="0" g="0" b="0"/>
+      </a:lnRef>
+      <a:fillRef idx="1">
+        <a:scrgbClr r="0" g="0" b="0"/>
+      </a:fillRef>
+      <a:effectRef idx="0">
+        <a:scrgbClr r="0" g="0" b="0"/>
+      </a:effectRef>
+      <a:fontRef idx="minor"/>
+    </dgm:style>
+  </dgm:styleLbl>
+  <dgm:styleLbl name="trAlignAcc1">
+    <dgm:scene3d>
+      <a:camera prst="orthographicFront"/>
+      <a:lightRig rig="threePt" dir="t"/>
+    </dgm:scene3d>
+    <dgm:sp3d/>
+    <dgm:txPr/>
+    <dgm:style>
+      <a:lnRef idx="1">
+        <a:scrgbClr r="0" g="0" b="0"/>
+      </a:lnRef>
+      <a:fillRef idx="1">
+        <a:scrgbClr r="0" g="0" b="0"/>
+      </a:fillRef>
+      <a:effectRef idx="0">
+        <a:scrgbClr r="0" g="0" b="0"/>
+      </a:effectRef>
+      <a:fontRef idx="minor"/>
+    </dgm:style>
+  </dgm:styleLbl>
+  <dgm:styleLbl name="bgAcc1">
+    <dgm:scene3d>
+      <a:camera prst="orthographicFront"/>
+      <a:lightRig rig="threePt" dir="t"/>
+    </dgm:scene3d>
+    <dgm:sp3d/>
+    <dgm:txPr/>
+    <dgm:style>
+      <a:lnRef idx="1">
+        <a:scrgbClr r="0" g="0" b="0"/>
+      </a:lnRef>
+      <a:fillRef idx="1">
+        <a:scrgbClr r="0" g="0" b="0"/>
+      </a:fillRef>
+      <a:effectRef idx="0">
+        <a:scrgbClr r="0" g="0" b="0"/>
+      </a:effectRef>
+      <a:fontRef idx="minor"/>
+    </dgm:style>
+  </dgm:styleLbl>
+  <dgm:styleLbl name="solidFgAcc1">
+    <dgm:scene3d>
+      <a:camera prst="orthographicFront"/>
+      <a:lightRig rig="threePt" dir="t"/>
+    </dgm:scene3d>
+    <dgm:sp3d/>
+    <dgm:txPr/>
+    <dgm:style>
+      <a:lnRef idx="1">
+        <a:scrgbClr r="0" g="0" b="0"/>
+      </a:lnRef>
+      <a:fillRef idx="1">
+        <a:scrgbClr r="0" g="0" b="0"/>
+      </a:fillRef>
+      <a:effectRef idx="0">
+        <a:scrgbClr r="0" g="0" b="0"/>
+      </a:effectRef>
+      <a:fontRef idx="minor"/>
+    </dgm:style>
+  </dgm:styleLbl>
+  <dgm:styleLbl name="solidAlignAcc1">
+    <dgm:scene3d>
+      <a:camera prst="orthographicFront"/>
+      <a:lightRig rig="threePt" dir="t"/>
+    </dgm:scene3d>
+    <dgm:sp3d/>
+    <dgm:txPr/>
+    <dgm:style>
+      <a:lnRef idx="1">
+        <a:scrgbClr r="0" g="0" b="0"/>
+      </a:lnRef>
+      <a:fillRef idx="1">
+        <a:scrgbClr r="0" g="0" b="0"/>
+      </a:fillRef>
+      <a:effectRef idx="0">
+        <a:scrgbClr r="0" g="0" b="0"/>
+      </a:effectRef>
+      <a:fontRef idx="minor"/>
+    </dgm:style>
+  </dgm:styleLbl>
+  <dgm:styleLbl name="solidBgAcc1">
+    <dgm:scene3d>
+      <a:camera prst="orthographicFront"/>
+      <a:lightRig rig="threePt" dir="t"/>
+    </dgm:scene3d>
+    <dgm:sp3d/>
+    <dgm:txPr/>
+    <dgm:style>
+      <a:lnRef idx="1">
+        <a:scrgbClr r="0" g="0" b="0"/>
+      </a:lnRef>
+      <a:fillRef idx="1">
+        <a:scrgbClr r="0" g="0" b="0"/>
+      </a:fillRef>
+      <a:effectRef idx="0">
+        <a:scrgbClr r="0" g="0" b="0"/>
+      </a:effectRef>
+      <a:fontRef idx="minor"/>
+    </dgm:style>
+  </dgm:styleLbl>
+  <dgm:styleLbl name="fgAccFollowNode1">
+    <dgm:scene3d>
+      <a:camera prst="orthographicFront"/>
+      <a:lightRig rig="threePt" dir="t"/>
+    </dgm:scene3d>
+    <dgm:sp3d/>
+    <dgm:txPr/>
+    <dgm:style>
+      <a:lnRef idx="1">
+        <a:scrgbClr r="0" g="0" b="0"/>
+      </a:lnRef>
+      <a:fillRef idx="1">
+        <a:scrgbClr r="0" g="0" b="0"/>
+      </a:fillRef>
+      <a:effectRef idx="0">
+        <a:scrgbClr r="0" g="0" b="0"/>
+      </a:effectRef>
+      <a:fontRef idx="minor"/>
+    </dgm:style>
+  </dgm:styleLbl>
+  <dgm:styleLbl name="alignAccFollowNode1">
+    <dgm:scene3d>
+      <a:camera prst="orthographicFront"/>
+      <a:lightRig rig="threePt" dir="t"/>
+    </dgm:scene3d>
+    <dgm:sp3d/>
+    <dgm:txPr/>
+    <dgm:style>
+      <a:lnRef idx="1">
+        <a:scrgbClr r="0" g="0" b="0"/>
+      </a:lnRef>
+      <a:fillRef idx="1">
+        <a:scrgbClr r="0" g="0" b="0"/>
+      </a:fillRef>
+      <a:effectRef idx="0">
+        <a:scrgbClr r="0" g="0" b="0"/>
+      </a:effectRef>
+      <a:fontRef idx="minor"/>
+    </dgm:style>
+  </dgm:styleLbl>
+  <dgm:styleLbl name="bgAccFollowNode1">
+    <dgm:scene3d>
+      <a:camera prst="orthographicFront"/>
+      <a:lightRig rig="threePt" dir="t"/>
+    </dgm:scene3d>
+    <dgm:sp3d/>
+    <dgm:txPr/>
+    <dgm:style>
+      <a:lnRef idx="1">
+        <a:scrgbClr r="0" g="0" b="0"/>
+      </a:lnRef>
+      <a:fillRef idx="1">
+        <a:scrgbClr r="0" g="0" b="0"/>
+      </a:fillRef>
+      <a:effectRef idx="0">
+        <a:scrgbClr r="0" g="0" b="0"/>
+      </a:effectRef>
+      <a:fontRef idx="minor"/>
+    </dgm:style>
+  </dgm:styleLbl>
+  <dgm:styleLbl name="fgAcc0">
+    <dgm:scene3d>
+      <a:camera prst="orthographicFront"/>
+      <a:lightRig rig="threePt" dir="t"/>
+    </dgm:scene3d>
+    <dgm:sp3d/>
+    <dgm:txPr/>
+    <dgm:style>
+      <a:lnRef idx="1">
+        <a:scrgbClr r="0" g="0" b="0"/>
+      </a:lnRef>
+      <a:fillRef idx="1">
+        <a:scrgbClr r="0" g="0" b="0"/>
+      </a:fillRef>
+      <a:effectRef idx="0">
+        <a:scrgbClr r="0" g="0" b="0"/>
+      </a:effectRef>
+      <a:fontRef idx="minor"/>
+    </dgm:style>
+  </dgm:styleLbl>
+  <dgm:styleLbl name="fgAcc2">
+    <dgm:scene3d>
+      <a:camera prst="orthographicFront"/>
+      <a:lightRig rig="threePt" dir="t"/>
+    </dgm:scene3d>
+    <dgm:sp3d/>
+    <dgm:txPr/>
+    <dgm:style>
+      <a:lnRef idx="1">
+        <a:scrgbClr r="0" g="0" b="0"/>
+      </a:lnRef>
+      <a:fillRef idx="1">
+        <a:scrgbClr r="0" g="0" b="0"/>
+      </a:fillRef>
+      <a:effectRef idx="0">
+        <a:scrgbClr r="0" g="0" b="0"/>
+      </a:effectRef>
+      <a:fontRef idx="minor"/>
+    </dgm:style>
+  </dgm:styleLbl>
+  <dgm:styleLbl name="fgAcc3">
+    <dgm:scene3d>
+      <a:camera prst="orthographicFront"/>
+      <a:lightRig rig="threePt" dir="t"/>
+    </dgm:scene3d>
+    <dgm:sp3d/>
+    <dgm:txPr/>
+    <dgm:style>
+      <a:lnRef idx="1">
+        <a:scrgbClr r="0" g="0" b="0"/>
+      </a:lnRef>
+      <a:fillRef idx="1">
+        <a:scrgbClr r="0" g="0" b="0"/>
+      </a:fillRef>
+      <a:effectRef idx="0">
+        <a:scrgbClr r="0" g="0" b="0"/>
+      </a:effectRef>
+      <a:fontRef idx="minor"/>
+    </dgm:style>
+  </dgm:styleLbl>
+  <dgm:styleLbl name="fgAcc4">
+    <dgm:scene3d>
+      <a:camera prst="orthographicFront"/>
+      <a:lightRig rig="threePt" dir="t"/>
+    </dgm:scene3d>
+    <dgm:sp3d/>
+    <dgm:txPr/>
+    <dgm:style>
+      <a:lnRef idx="1">
+        <a:scrgbClr r="0" g="0" b="0"/>
+      </a:lnRef>
+      <a:fillRef idx="1">
+        <a:scrgbClr r="0" g="0" b="0"/>
+      </a:fillRef>
+      <a:effectRef idx="0">
+        <a:scrgbClr r="0" g="0" b="0"/>
+      </a:effectRef>
+      <a:fontRef idx="minor"/>
+    </dgm:style>
+  </dgm:styleLbl>
+  <dgm:styleLbl name="bgShp">
+    <dgm:scene3d>
+      <a:camera prst="orthographicFront"/>
+      <a:lightRig rig="threePt" dir="t"/>
+    </dgm:scene3d>
+    <dgm:sp3d/>
+    <dgm:txPr/>
+    <dgm:style>
+      <a:lnRef idx="0">
+        <a:scrgbClr r="0" g="0" b="0"/>
+      </a:lnRef>
+      <a:fillRef idx="1">
+        <a:scrgbClr r="0" g="0" b="0"/>
+      </a:fillRef>
+      <a:effectRef idx="2">
+        <a:scrgbClr r="0" g="0" b="0"/>
+      </a:effectRef>
+      <a:fontRef idx="minor"/>
+    </dgm:style>
+  </dgm:styleLbl>
+  <dgm:styleLbl name="dkBgShp">
+    <dgm:scene3d>
+      <a:camera prst="orthographicFront"/>
+      <a:lightRig rig="threePt" dir="t"/>
+    </dgm:scene3d>
+    <dgm:sp3d/>
+    <dgm:txPr/>
+    <dgm:style>
+      <a:lnRef idx="0">
+        <a:scrgbClr r="0" g="0" b="0"/>
+      </a:lnRef>
+      <a:fillRef idx="1">
+        <a:scrgbClr r="0" g="0" b="0"/>
+      </a:fillRef>
+      <a:effectRef idx="2">
+        <a:scrgbClr r="0" g="0" b="0"/>
+      </a:effectRef>
+      <a:fontRef idx="minor"/>
+    </dgm:style>
+  </dgm:styleLbl>
+  <dgm:styleLbl name="trBgShp">
+    <dgm:scene3d>
+      <a:camera prst="orthographicFront"/>
+      <a:lightRig rig="threePt" dir="t"/>
+    </dgm:scene3d>
+    <dgm:sp3d/>
+    <dgm:txPr/>
+    <dgm:style>
+      <a:lnRef idx="0">
+        <a:scrgbClr r="0" g="0" b="0"/>
+      </a:lnRef>
+      <a:fillRef idx="1">
+        <a:scrgbClr r="0" g="0" b="0"/>
+      </a:fillRef>
+      <a:effectRef idx="0">
+        <a:scrgbClr r="0" g="0" b="0"/>
+      </a:effectRef>
+      <a:fontRef idx="minor"/>
+    </dgm:style>
+  </dgm:styleLbl>
+  <dgm:styleLbl name="fgShp">
+    <dgm:scene3d>
+      <a:camera prst="orthographicFront"/>
+      <a:lightRig rig="threePt" dir="t"/>
+    </dgm:scene3d>
+    <dgm:sp3d/>
+    <dgm:txPr/>
+    <dgm:style>
+      <a:lnRef idx="0">
+        <a:scrgbClr r="0" g="0" b="0"/>
+      </a:lnRef>
+      <a:fillRef idx="3">
+        <a:scrgbClr r="0" g="0" b="0"/>
+      </a:fillRef>
+      <a:effectRef idx="2">
+        <a:scrgbClr r="0" g="0" b="0"/>
+      </a:effectRef>
+      <a:fontRef idx="minor"/>
+    </dgm:style>
+  </dgm:styleLbl>
+  <dgm:styleLbl name="revTx">
+    <dgm:scene3d>
+      <a:camera prst="orthographicFront"/>
+      <a:lightRig rig="threePt" dir="t"/>
+    </dgm:scene3d>
+    <dgm:sp3d/>
+    <dgm:txPr/>
+    <dgm:style>
+      <a:lnRef idx="0">
+        <a:scrgbClr r="0" g="0" b="0"/>
+      </a:lnRef>
+      <a:fillRef idx="0">
+        <a:scrgbClr r="0" g="0" b="0"/>
+      </a:fillRef>
+      <a:effectRef idx="0">
+        <a:scrgbClr r="0" g="0" b="0"/>
+      </a:effectRef>
+      <a:fontRef idx="minor"/>
+    </dgm:style>
+  </dgm:styleLbl>
+</dgm:styleDef>
+</file>
+
 <file path=ppt/notesMasters/notesMaster1.xml><?xml version="1.0" encoding="utf-8"?>
 <p:notesMaster xmlns:a="http://schemas.openxmlformats.org/drawingml/2006/main" xmlns:r="http://schemas.openxmlformats.org/officeDocument/2006/relationships" xmlns:p="http://schemas.openxmlformats.org/presentationml/2006/main">
   <p:cSld>
@@ -204,7 +3050,7 @@
           <a:p>
             <a:fld id="{C7A7391B-EC9B-E34A-AB17-C3CA95479573}" type="datetimeFigureOut">
               <a:rPr lang="fr-FR" smtClean="0"/>
-              <a:t>14/03/2017</a:t>
+              <a:t>15/03/2017</a:t>
             </a:fld>
             <a:endParaRPr lang="fr-FR"/>
           </a:p>
@@ -556,6 +3402,94 @@
 </p:notes>
 </file>
 
+<file path=ppt/notesSlides/notesSlide10.xml><?xml version="1.0" encoding="utf-8"?>
+<p:notes xmlns:a="http://schemas.openxmlformats.org/drawingml/2006/main" xmlns:r="http://schemas.openxmlformats.org/officeDocument/2006/relationships" xmlns:p="http://schemas.openxmlformats.org/presentationml/2006/main">
+  <p:cSld>
+    <p:spTree>
+      <p:nvGrpSpPr>
+        <p:cNvPr id="1" name=""/>
+        <p:cNvGrpSpPr/>
+        <p:nvPr/>
+      </p:nvGrpSpPr>
+      <p:grpSpPr>
+        <a:xfrm>
+          <a:off x="0" y="0"/>
+          <a:ext cx="0" cy="0"/>
+          <a:chOff x="0" y="0"/>
+          <a:chExt cx="0" cy="0"/>
+        </a:xfrm>
+      </p:grpSpPr>
+      <p:sp>
+        <p:nvSpPr>
+          <p:cNvPr id="2" name="Espace réservé de l’image des diapositives 1"/>
+          <p:cNvSpPr>
+            <a:spLocks noGrp="1" noRot="1" noChangeAspect="1"/>
+          </p:cNvSpPr>
+          <p:nvPr>
+            <p:ph type="sldImg"/>
+          </p:nvPr>
+        </p:nvSpPr>
+        <p:spPr/>
+      </p:sp>
+      <p:sp>
+        <p:nvSpPr>
+          <p:cNvPr id="3" name="Espace réservé des commentaires 2"/>
+          <p:cNvSpPr>
+            <a:spLocks noGrp="1"/>
+          </p:cNvSpPr>
+          <p:nvPr>
+            <p:ph type="body" idx="1"/>
+          </p:nvPr>
+        </p:nvSpPr>
+        <p:spPr/>
+        <p:txBody>
+          <a:bodyPr/>
+          <a:lstStyle/>
+          <a:p>
+            <a:r>
+              <a:rPr lang="fr-FR" dirty="0" smtClean="0"/>
+              <a:t>Gui</a:t>
+            </a:r>
+            <a:endParaRPr lang="fr-FR" dirty="0"/>
+          </a:p>
+        </p:txBody>
+      </p:sp>
+      <p:sp>
+        <p:nvSpPr>
+          <p:cNvPr id="4" name="Espace réservé du numéro de diapositive 3"/>
+          <p:cNvSpPr>
+            <a:spLocks noGrp="1"/>
+          </p:cNvSpPr>
+          <p:nvPr>
+            <p:ph type="sldNum" sz="quarter" idx="10"/>
+          </p:nvPr>
+        </p:nvSpPr>
+        <p:spPr/>
+        <p:txBody>
+          <a:bodyPr/>
+          <a:lstStyle/>
+          <a:p>
+            <a:fld id="{CF559C05-A87C-F441-927D-D6E226742086}" type="slidenum">
+              <a:rPr lang="fr-FR" smtClean="0"/>
+              <a:t>11</a:t>
+            </a:fld>
+            <a:endParaRPr lang="fr-FR"/>
+          </a:p>
+        </p:txBody>
+      </p:sp>
+    </p:spTree>
+    <p:extLst>
+      <p:ext uri="{BB962C8B-B14F-4D97-AF65-F5344CB8AC3E}">
+        <p14:creationId xmlns:p14="http://schemas.microsoft.com/office/powerpoint/2010/main" val="1914430360"/>
+      </p:ext>
+    </p:extLst>
+  </p:cSld>
+  <p:clrMapOvr>
+    <a:masterClrMapping/>
+  </p:clrMapOvr>
+</p:notes>
+</file>
+
 <file path=ppt/notesSlides/notesSlide2.xml><?xml version="1.0" encoding="utf-8"?>
 <p:notes xmlns:a="http://schemas.openxmlformats.org/drawingml/2006/main" xmlns:r="http://schemas.openxmlformats.org/officeDocument/2006/relationships" xmlns:p="http://schemas.openxmlformats.org/presentationml/2006/main">
   <p:cSld>
@@ -600,7 +3534,11 @@
           <a:bodyPr/>
           <a:lstStyle/>
           <a:p>
-            <a:endParaRPr lang="fr-FR"/>
+            <a:r>
+              <a:rPr lang="fr-FR" dirty="0" smtClean="0"/>
+              <a:t>Théophile</a:t>
+            </a:r>
+            <a:endParaRPr lang="fr-FR" dirty="0"/>
           </a:p>
         </p:txBody>
       </p:sp>
@@ -684,7 +3622,27 @@
           <a:bodyPr/>
           <a:lstStyle/>
           <a:p>
-            <a:endParaRPr lang="fr-FR" dirty="0"/>
+            <a:pPr marL="0" marR="0" indent="0" algn="l" defTabSz="914400" rtl="0" eaLnBrk="1" fontAlgn="auto" latinLnBrk="0" hangingPunct="1">
+              <a:lnSpc>
+                <a:spcPct val="100000"/>
+              </a:lnSpc>
+              <a:spcBef>
+                <a:spcPts val="0"/>
+              </a:spcBef>
+              <a:spcAft>
+                <a:spcPts val="0"/>
+              </a:spcAft>
+              <a:buClrTx/>
+              <a:buSzTx/>
+              <a:buFontTx/>
+              <a:buNone/>
+              <a:tabLst/>
+              <a:defRPr/>
+            </a:pPr>
+            <a:r>
+              <a:rPr lang="fr-FR" dirty="0" smtClean="0"/>
+              <a:t>Théophile</a:t>
+            </a:r>
           </a:p>
         </p:txBody>
       </p:sp>
@@ -705,7 +3663,7 @@
           <a:p>
             <a:fld id="{CF559C05-A87C-F441-927D-D6E226742086}" type="slidenum">
               <a:rPr lang="fr-FR" smtClean="0"/>
-              <a:t>5</a:t>
+              <a:t>4</a:t>
             </a:fld>
             <a:endParaRPr lang="fr-FR"/>
           </a:p>
@@ -714,7 +3672,7 @@
     </p:spTree>
     <p:extLst>
       <p:ext uri="{BB962C8B-B14F-4D97-AF65-F5344CB8AC3E}">
-        <p14:creationId xmlns:p14="http://schemas.microsoft.com/office/powerpoint/2010/main" val="141101932"/>
+        <p14:creationId xmlns:p14="http://schemas.microsoft.com/office/powerpoint/2010/main" val="954328512"/>
       </p:ext>
     </p:extLst>
   </p:cSld>
@@ -770,7 +3728,108 @@
           <a:p>
             <a:r>
               <a:rPr lang="fr-FR" dirty="0" smtClean="0"/>
-              <a:t>Les RBM sont g ́en ́</a:t>
+              <a:t>Kiki</a:t>
+            </a:r>
+            <a:endParaRPr lang="fr-FR" dirty="0"/>
+          </a:p>
+        </p:txBody>
+      </p:sp>
+      <p:sp>
+        <p:nvSpPr>
+          <p:cNvPr id="4" name="Espace réservé du numéro de diapositive 3"/>
+          <p:cNvSpPr>
+            <a:spLocks noGrp="1"/>
+          </p:cNvSpPr>
+          <p:nvPr>
+            <p:ph type="sldNum" sz="quarter" idx="10"/>
+          </p:nvPr>
+        </p:nvSpPr>
+        <p:spPr/>
+        <p:txBody>
+          <a:bodyPr/>
+          <a:lstStyle/>
+          <a:p>
+            <a:fld id="{CF559C05-A87C-F441-927D-D6E226742086}" type="slidenum">
+              <a:rPr lang="fr-FR" smtClean="0"/>
+              <a:t>5</a:t>
+            </a:fld>
+            <a:endParaRPr lang="fr-FR"/>
+          </a:p>
+        </p:txBody>
+      </p:sp>
+    </p:spTree>
+    <p:extLst>
+      <p:ext uri="{BB962C8B-B14F-4D97-AF65-F5344CB8AC3E}">
+        <p14:creationId xmlns:p14="http://schemas.microsoft.com/office/powerpoint/2010/main" val="141101932"/>
+      </p:ext>
+    </p:extLst>
+  </p:cSld>
+  <p:clrMapOvr>
+    <a:masterClrMapping/>
+  </p:clrMapOvr>
+</p:notes>
+</file>
+
+<file path=ppt/notesSlides/notesSlide5.xml><?xml version="1.0" encoding="utf-8"?>
+<p:notes xmlns:a="http://schemas.openxmlformats.org/drawingml/2006/main" xmlns:r="http://schemas.openxmlformats.org/officeDocument/2006/relationships" xmlns:p="http://schemas.openxmlformats.org/presentationml/2006/main">
+  <p:cSld>
+    <p:spTree>
+      <p:nvGrpSpPr>
+        <p:cNvPr id="1" name=""/>
+        <p:cNvGrpSpPr/>
+        <p:nvPr/>
+      </p:nvGrpSpPr>
+      <p:grpSpPr>
+        <a:xfrm>
+          <a:off x="0" y="0"/>
+          <a:ext cx="0" cy="0"/>
+          <a:chOff x="0" y="0"/>
+          <a:chExt cx="0" cy="0"/>
+        </a:xfrm>
+      </p:grpSpPr>
+      <p:sp>
+        <p:nvSpPr>
+          <p:cNvPr id="2" name="Espace réservé de l’image des diapositives 1"/>
+          <p:cNvSpPr>
+            <a:spLocks noGrp="1" noRot="1" noChangeAspect="1"/>
+          </p:cNvSpPr>
+          <p:nvPr>
+            <p:ph type="sldImg"/>
+          </p:nvPr>
+        </p:nvSpPr>
+        <p:spPr/>
+      </p:sp>
+      <p:sp>
+        <p:nvSpPr>
+          <p:cNvPr id="3" name="Espace réservé des commentaires 2"/>
+          <p:cNvSpPr>
+            <a:spLocks noGrp="1"/>
+          </p:cNvSpPr>
+          <p:nvPr>
+            <p:ph type="body" idx="1"/>
+          </p:nvPr>
+        </p:nvSpPr>
+        <p:spPr/>
+        <p:txBody>
+          <a:bodyPr/>
+          <a:lstStyle/>
+          <a:p>
+            <a:r>
+              <a:rPr lang="fr-FR" dirty="0" smtClean="0"/>
+              <a:t>Kiki</a:t>
+            </a:r>
+          </a:p>
+          <a:p>
+            <a:endParaRPr lang="fr-FR" dirty="0" smtClean="0"/>
+          </a:p>
+          <a:p>
+            <a:r>
+              <a:rPr lang="fr-FR" dirty="0" smtClean="0"/>
+              <a:t>Les </a:t>
+            </a:r>
+            <a:r>
+              <a:rPr lang="fr-FR" dirty="0" smtClean="0"/>
+              <a:t>RBM sont g ́en ́</a:t>
             </a:r>
             <a:r>
               <a:rPr lang="fr-FR" dirty="0" err="1" smtClean="0"/>
@@ -915,6 +3974,358 @@
     <p:extLst>
       <p:ext uri="{BB962C8B-B14F-4D97-AF65-F5344CB8AC3E}">
         <p14:creationId xmlns:p14="http://schemas.microsoft.com/office/powerpoint/2010/main" val="1037446689"/>
+      </p:ext>
+    </p:extLst>
+  </p:cSld>
+  <p:clrMapOvr>
+    <a:masterClrMapping/>
+  </p:clrMapOvr>
+</p:notes>
+</file>
+
+<file path=ppt/notesSlides/notesSlide6.xml><?xml version="1.0" encoding="utf-8"?>
+<p:notes xmlns:a="http://schemas.openxmlformats.org/drawingml/2006/main" xmlns:r="http://schemas.openxmlformats.org/officeDocument/2006/relationships" xmlns:p="http://schemas.openxmlformats.org/presentationml/2006/main">
+  <p:cSld>
+    <p:spTree>
+      <p:nvGrpSpPr>
+        <p:cNvPr id="1" name=""/>
+        <p:cNvGrpSpPr/>
+        <p:nvPr/>
+      </p:nvGrpSpPr>
+      <p:grpSpPr>
+        <a:xfrm>
+          <a:off x="0" y="0"/>
+          <a:ext cx="0" cy="0"/>
+          <a:chOff x="0" y="0"/>
+          <a:chExt cx="0" cy="0"/>
+        </a:xfrm>
+      </p:grpSpPr>
+      <p:sp>
+        <p:nvSpPr>
+          <p:cNvPr id="2" name="Espace réservé de l’image des diapositives 1"/>
+          <p:cNvSpPr>
+            <a:spLocks noGrp="1" noRot="1" noChangeAspect="1"/>
+          </p:cNvSpPr>
+          <p:nvPr>
+            <p:ph type="sldImg"/>
+          </p:nvPr>
+        </p:nvSpPr>
+        <p:spPr/>
+      </p:sp>
+      <p:sp>
+        <p:nvSpPr>
+          <p:cNvPr id="3" name="Espace réservé des commentaires 2"/>
+          <p:cNvSpPr>
+            <a:spLocks noGrp="1"/>
+          </p:cNvSpPr>
+          <p:nvPr>
+            <p:ph type="body" idx="1"/>
+          </p:nvPr>
+        </p:nvSpPr>
+        <p:spPr/>
+        <p:txBody>
+          <a:bodyPr/>
+          <a:lstStyle/>
+          <a:p>
+            <a:r>
+              <a:rPr lang="fr-FR" dirty="0" err="1" smtClean="0"/>
+              <a:t>Maxou</a:t>
+            </a:r>
+            <a:endParaRPr lang="fr-FR" dirty="0"/>
+          </a:p>
+        </p:txBody>
+      </p:sp>
+      <p:sp>
+        <p:nvSpPr>
+          <p:cNvPr id="4" name="Espace réservé du numéro de diapositive 3"/>
+          <p:cNvSpPr>
+            <a:spLocks noGrp="1"/>
+          </p:cNvSpPr>
+          <p:nvPr>
+            <p:ph type="sldNum" sz="quarter" idx="10"/>
+          </p:nvPr>
+        </p:nvSpPr>
+        <p:spPr/>
+        <p:txBody>
+          <a:bodyPr/>
+          <a:lstStyle/>
+          <a:p>
+            <a:fld id="{CF559C05-A87C-F441-927D-D6E226742086}" type="slidenum">
+              <a:rPr lang="fr-FR" smtClean="0"/>
+              <a:t>7</a:t>
+            </a:fld>
+            <a:endParaRPr lang="fr-FR"/>
+          </a:p>
+        </p:txBody>
+      </p:sp>
+    </p:spTree>
+    <p:extLst>
+      <p:ext uri="{BB962C8B-B14F-4D97-AF65-F5344CB8AC3E}">
+        <p14:creationId xmlns:p14="http://schemas.microsoft.com/office/powerpoint/2010/main" val="1271274342"/>
+      </p:ext>
+    </p:extLst>
+  </p:cSld>
+  <p:clrMapOvr>
+    <a:masterClrMapping/>
+  </p:clrMapOvr>
+</p:notes>
+</file>
+
+<file path=ppt/notesSlides/notesSlide7.xml><?xml version="1.0" encoding="utf-8"?>
+<p:notes xmlns:a="http://schemas.openxmlformats.org/drawingml/2006/main" xmlns:r="http://schemas.openxmlformats.org/officeDocument/2006/relationships" xmlns:p="http://schemas.openxmlformats.org/presentationml/2006/main">
+  <p:cSld>
+    <p:spTree>
+      <p:nvGrpSpPr>
+        <p:cNvPr id="1" name=""/>
+        <p:cNvGrpSpPr/>
+        <p:nvPr/>
+      </p:nvGrpSpPr>
+      <p:grpSpPr>
+        <a:xfrm>
+          <a:off x="0" y="0"/>
+          <a:ext cx="0" cy="0"/>
+          <a:chOff x="0" y="0"/>
+          <a:chExt cx="0" cy="0"/>
+        </a:xfrm>
+      </p:grpSpPr>
+      <p:sp>
+        <p:nvSpPr>
+          <p:cNvPr id="2" name="Espace réservé de l’image des diapositives 1"/>
+          <p:cNvSpPr>
+            <a:spLocks noGrp="1" noRot="1" noChangeAspect="1"/>
+          </p:cNvSpPr>
+          <p:nvPr>
+            <p:ph type="sldImg"/>
+          </p:nvPr>
+        </p:nvSpPr>
+        <p:spPr/>
+      </p:sp>
+      <p:sp>
+        <p:nvSpPr>
+          <p:cNvPr id="3" name="Espace réservé des commentaires 2"/>
+          <p:cNvSpPr>
+            <a:spLocks noGrp="1"/>
+          </p:cNvSpPr>
+          <p:nvPr>
+            <p:ph type="body" idx="1"/>
+          </p:nvPr>
+        </p:nvSpPr>
+        <p:spPr/>
+        <p:txBody>
+          <a:bodyPr/>
+          <a:lstStyle/>
+          <a:p>
+            <a:r>
+              <a:rPr lang="fr-FR" dirty="0" err="1" smtClean="0"/>
+              <a:t>Maxou</a:t>
+            </a:r>
+            <a:endParaRPr lang="fr-FR" dirty="0"/>
+          </a:p>
+        </p:txBody>
+      </p:sp>
+      <p:sp>
+        <p:nvSpPr>
+          <p:cNvPr id="4" name="Espace réservé du numéro de diapositive 3"/>
+          <p:cNvSpPr>
+            <a:spLocks noGrp="1"/>
+          </p:cNvSpPr>
+          <p:nvPr>
+            <p:ph type="sldNum" sz="quarter" idx="10"/>
+          </p:nvPr>
+        </p:nvSpPr>
+        <p:spPr/>
+        <p:txBody>
+          <a:bodyPr/>
+          <a:lstStyle/>
+          <a:p>
+            <a:fld id="{CF559C05-A87C-F441-927D-D6E226742086}" type="slidenum">
+              <a:rPr lang="fr-FR" smtClean="0"/>
+              <a:t>8</a:t>
+            </a:fld>
+            <a:endParaRPr lang="fr-FR"/>
+          </a:p>
+        </p:txBody>
+      </p:sp>
+    </p:spTree>
+    <p:extLst>
+      <p:ext uri="{BB962C8B-B14F-4D97-AF65-F5344CB8AC3E}">
+        <p14:creationId xmlns:p14="http://schemas.microsoft.com/office/powerpoint/2010/main" val="1125492859"/>
+      </p:ext>
+    </p:extLst>
+  </p:cSld>
+  <p:clrMapOvr>
+    <a:masterClrMapping/>
+  </p:clrMapOvr>
+</p:notes>
+</file>
+
+<file path=ppt/notesSlides/notesSlide8.xml><?xml version="1.0" encoding="utf-8"?>
+<p:notes xmlns:a="http://schemas.openxmlformats.org/drawingml/2006/main" xmlns:r="http://schemas.openxmlformats.org/officeDocument/2006/relationships" xmlns:p="http://schemas.openxmlformats.org/presentationml/2006/main">
+  <p:cSld>
+    <p:spTree>
+      <p:nvGrpSpPr>
+        <p:cNvPr id="1" name=""/>
+        <p:cNvGrpSpPr/>
+        <p:nvPr/>
+      </p:nvGrpSpPr>
+      <p:grpSpPr>
+        <a:xfrm>
+          <a:off x="0" y="0"/>
+          <a:ext cx="0" cy="0"/>
+          <a:chOff x="0" y="0"/>
+          <a:chExt cx="0" cy="0"/>
+        </a:xfrm>
+      </p:grpSpPr>
+      <p:sp>
+        <p:nvSpPr>
+          <p:cNvPr id="2" name="Espace réservé de l’image des diapositives 1"/>
+          <p:cNvSpPr>
+            <a:spLocks noGrp="1" noRot="1" noChangeAspect="1"/>
+          </p:cNvSpPr>
+          <p:nvPr>
+            <p:ph type="sldImg"/>
+          </p:nvPr>
+        </p:nvSpPr>
+        <p:spPr/>
+      </p:sp>
+      <p:sp>
+        <p:nvSpPr>
+          <p:cNvPr id="3" name="Espace réservé des commentaires 2"/>
+          <p:cNvSpPr>
+            <a:spLocks noGrp="1"/>
+          </p:cNvSpPr>
+          <p:nvPr>
+            <p:ph type="body" idx="1"/>
+          </p:nvPr>
+        </p:nvSpPr>
+        <p:spPr/>
+        <p:txBody>
+          <a:bodyPr/>
+          <a:lstStyle/>
+          <a:p>
+            <a:r>
+              <a:rPr lang="fr-FR" dirty="0" smtClean="0"/>
+              <a:t>Gui</a:t>
+            </a:r>
+            <a:endParaRPr lang="fr-FR" dirty="0"/>
+          </a:p>
+        </p:txBody>
+      </p:sp>
+      <p:sp>
+        <p:nvSpPr>
+          <p:cNvPr id="4" name="Espace réservé du numéro de diapositive 3"/>
+          <p:cNvSpPr>
+            <a:spLocks noGrp="1"/>
+          </p:cNvSpPr>
+          <p:nvPr>
+            <p:ph type="sldNum" sz="quarter" idx="10"/>
+          </p:nvPr>
+        </p:nvSpPr>
+        <p:spPr/>
+        <p:txBody>
+          <a:bodyPr/>
+          <a:lstStyle/>
+          <a:p>
+            <a:fld id="{CF559C05-A87C-F441-927D-D6E226742086}" type="slidenum">
+              <a:rPr lang="fr-FR" smtClean="0"/>
+              <a:t>9</a:t>
+            </a:fld>
+            <a:endParaRPr lang="fr-FR"/>
+          </a:p>
+        </p:txBody>
+      </p:sp>
+    </p:spTree>
+    <p:extLst>
+      <p:ext uri="{BB962C8B-B14F-4D97-AF65-F5344CB8AC3E}">
+        <p14:creationId xmlns:p14="http://schemas.microsoft.com/office/powerpoint/2010/main" val="1232753166"/>
+      </p:ext>
+    </p:extLst>
+  </p:cSld>
+  <p:clrMapOvr>
+    <a:masterClrMapping/>
+  </p:clrMapOvr>
+</p:notes>
+</file>
+
+<file path=ppt/notesSlides/notesSlide9.xml><?xml version="1.0" encoding="utf-8"?>
+<p:notes xmlns:a="http://schemas.openxmlformats.org/drawingml/2006/main" xmlns:r="http://schemas.openxmlformats.org/officeDocument/2006/relationships" xmlns:p="http://schemas.openxmlformats.org/presentationml/2006/main">
+  <p:cSld>
+    <p:spTree>
+      <p:nvGrpSpPr>
+        <p:cNvPr id="1" name=""/>
+        <p:cNvGrpSpPr/>
+        <p:nvPr/>
+      </p:nvGrpSpPr>
+      <p:grpSpPr>
+        <a:xfrm>
+          <a:off x="0" y="0"/>
+          <a:ext cx="0" cy="0"/>
+          <a:chOff x="0" y="0"/>
+          <a:chExt cx="0" cy="0"/>
+        </a:xfrm>
+      </p:grpSpPr>
+      <p:sp>
+        <p:nvSpPr>
+          <p:cNvPr id="2" name="Espace réservé de l’image des diapositives 1"/>
+          <p:cNvSpPr>
+            <a:spLocks noGrp="1" noRot="1" noChangeAspect="1"/>
+          </p:cNvSpPr>
+          <p:nvPr>
+            <p:ph type="sldImg"/>
+          </p:nvPr>
+        </p:nvSpPr>
+        <p:spPr/>
+      </p:sp>
+      <p:sp>
+        <p:nvSpPr>
+          <p:cNvPr id="3" name="Espace réservé des commentaires 2"/>
+          <p:cNvSpPr>
+            <a:spLocks noGrp="1"/>
+          </p:cNvSpPr>
+          <p:nvPr>
+            <p:ph type="body" idx="1"/>
+          </p:nvPr>
+        </p:nvSpPr>
+        <p:spPr/>
+        <p:txBody>
+          <a:bodyPr/>
+          <a:lstStyle/>
+          <a:p>
+            <a:r>
+              <a:rPr lang="fr-FR" dirty="0" err="1" smtClean="0"/>
+              <a:t>Déoux</a:t>
+            </a:r>
+            <a:endParaRPr lang="fr-FR" dirty="0"/>
+          </a:p>
+        </p:txBody>
+      </p:sp>
+      <p:sp>
+        <p:nvSpPr>
+          <p:cNvPr id="4" name="Espace réservé du numéro de diapositive 3"/>
+          <p:cNvSpPr>
+            <a:spLocks noGrp="1"/>
+          </p:cNvSpPr>
+          <p:nvPr>
+            <p:ph type="sldNum" sz="quarter" idx="10"/>
+          </p:nvPr>
+        </p:nvSpPr>
+        <p:spPr/>
+        <p:txBody>
+          <a:bodyPr/>
+          <a:lstStyle/>
+          <a:p>
+            <a:fld id="{CF559C05-A87C-F441-927D-D6E226742086}" type="slidenum">
+              <a:rPr lang="fr-FR" smtClean="0"/>
+              <a:t>10</a:t>
+            </a:fld>
+            <a:endParaRPr lang="fr-FR"/>
+          </a:p>
+        </p:txBody>
+      </p:sp>
+    </p:spTree>
+    <p:extLst>
+      <p:ext uri="{BB962C8B-B14F-4D97-AF65-F5344CB8AC3E}">
+        <p14:creationId xmlns:p14="http://schemas.microsoft.com/office/powerpoint/2010/main" val="1130274323"/>
       </p:ext>
     </p:extLst>
   </p:cSld>
@@ -1093,7 +4504,7 @@
           <a:p>
             <a:fld id="{1C4F65FC-FBD5-4A45-9B2C-ED94E561F496}" type="datetime1">
               <a:rPr lang="fr-FR" smtClean="0"/>
-              <a:t>14/03/2017</a:t>
+              <a:t>15/03/2017</a:t>
             </a:fld>
             <a:endParaRPr lang="en-US" dirty="0"/>
           </a:p>
@@ -1423,7 +4834,7 @@
           <a:p>
             <a:fld id="{B1912589-C01A-A841-A5CA-C95744636C98}" type="datetime1">
               <a:rPr lang="fr-FR" smtClean="0"/>
-              <a:t>14/03/2017</a:t>
+              <a:t>15/03/2017</a:t>
             </a:fld>
             <a:endParaRPr lang="en-US" dirty="0"/>
           </a:p>
@@ -1602,7 +5013,7 @@
           <a:p>
             <a:fld id="{92E90604-7615-614A-B435-4738D95F9EE8}" type="datetime1">
               <a:rPr lang="fr-FR" smtClean="0"/>
-              <a:t>14/03/2017</a:t>
+              <a:t>15/03/2017</a:t>
             </a:fld>
             <a:endParaRPr lang="en-US" dirty="0"/>
           </a:p>
@@ -1771,7 +5182,7 @@
           <a:p>
             <a:fld id="{CF039C75-7D78-BA4B-8813-2D75045743F0}" type="datetime1">
               <a:rPr lang="fr-FR" smtClean="0"/>
-              <a:t>14/03/2017</a:t>
+              <a:t>15/03/2017</a:t>
             </a:fld>
             <a:endParaRPr lang="en-US" dirty="0"/>
           </a:p>
@@ -2047,7 +5458,7 @@
           <a:p>
             <a:fld id="{167CF20B-E998-F849-A047-AD56EFC6BDD2}" type="datetime1">
               <a:rPr lang="fr-FR" smtClean="0"/>
-              <a:t>14/03/2017</a:t>
+              <a:t>15/03/2017</a:t>
             </a:fld>
             <a:endParaRPr lang="en-US" dirty="0"/>
           </a:p>
@@ -2441,7 +5852,7 @@
           <a:p>
             <a:fld id="{FB02247F-739F-9B42-AEEE-268800D21F88}" type="datetime1">
               <a:rPr lang="fr-FR" smtClean="0"/>
-              <a:t>14/03/2017</a:t>
+              <a:t>15/03/2017</a:t>
             </a:fld>
             <a:endParaRPr lang="en-US" dirty="0"/>
           </a:p>
@@ -2917,7 +6328,7 @@
           <a:p>
             <a:fld id="{D86547FC-700A-E94A-80DD-FD7CC83ADB65}" type="datetime1">
               <a:rPr lang="fr-FR" smtClean="0"/>
-              <a:t>14/03/2017</a:t>
+              <a:t>15/03/2017</a:t>
             </a:fld>
             <a:endParaRPr lang="en-US" dirty="0"/>
           </a:p>
@@ -3034,7 +6445,7 @@
           <a:p>
             <a:fld id="{6A6923DE-AC77-DB43-895E-3CE8962BC8C2}" type="datetime1">
               <a:rPr lang="fr-FR" smtClean="0"/>
-              <a:t>14/03/2017</a:t>
+              <a:t>15/03/2017</a:t>
             </a:fld>
             <a:endParaRPr lang="en-US" dirty="0"/>
           </a:p>
@@ -3128,7 +6539,7 @@
           <a:p>
             <a:fld id="{7F015093-6829-2E4C-BFAC-88DB2A6DF9E1}" type="datetime1">
               <a:rPr lang="fr-FR" smtClean="0"/>
-              <a:t>14/03/2017</a:t>
+              <a:t>15/03/2017</a:t>
             </a:fld>
             <a:endParaRPr lang="en-US" dirty="0"/>
           </a:p>
@@ -3473,7 +6884,7 @@
           <a:p>
             <a:fld id="{36604A9D-7004-D846-8985-0777EB138BDB}" type="datetime1">
               <a:rPr lang="fr-FR" smtClean="0"/>
-              <a:t>14/03/2017</a:t>
+              <a:t>15/03/2017</a:t>
             </a:fld>
             <a:endParaRPr lang="en-US" dirty="0"/>
           </a:p>
@@ -3861,7 +7272,7 @@
           <a:p>
             <a:fld id="{BEF65131-66BA-1142-BC55-A3B5387B9AF2}" type="datetime1">
               <a:rPr lang="fr-FR" smtClean="0"/>
-              <a:t>14/03/2017</a:t>
+              <a:t>15/03/2017</a:t>
             </a:fld>
             <a:endParaRPr lang="en-US" dirty="0"/>
           </a:p>
@@ -4139,7 +7550,7 @@
           <a:p>
             <a:fld id="{1595C94F-ED9A-5A4A-81E2-31251D940700}" type="datetime1">
               <a:rPr lang="fr-FR" smtClean="0"/>
-              <a:t>14/03/2017</a:t>
+              <a:t>15/03/2017</a:t>
             </a:fld>
             <a:endParaRPr lang="en-US" dirty="0"/>
           </a:p>
@@ -4752,15 +8163,11 @@
             </a:r>
             <a:r>
               <a:rPr lang="fr-FR" dirty="0" smtClean="0"/>
-              <a:t> (</a:t>
-            </a:r>
-            <a:r>
-              <a:rPr lang="fr-FR" dirty="0" err="1" smtClean="0"/>
-              <a:t>Théohpile</a:t>
+              <a:t> </a:t>
             </a:r>
             <a:r>
               <a:rPr lang="fr-FR" dirty="0" smtClean="0"/>
-              <a:t> Lambert)</a:t>
+              <a:t>Théophile Lambert</a:t>
             </a:r>
             <a:endParaRPr lang="fr-FR" dirty="0"/>
           </a:p>
@@ -4776,6 +8183,18 @@
   <p:clrMapOvr>
     <a:masterClrMapping/>
   </p:clrMapOvr>
+  <mc:AlternateContent xmlns:mc="http://schemas.openxmlformats.org/markup-compatibility/2006">
+    <mc:Choice xmlns:p14="http://schemas.microsoft.com/office/powerpoint/2010/main" Requires="p14">
+      <p:transition spd="med" p14:dur="700">
+        <p:fade/>
+      </p:transition>
+    </mc:Choice>
+    <mc:Fallback>
+      <p:transition spd="med">
+        <p:fade/>
+      </p:transition>
+    </mc:Fallback>
+  </mc:AlternateContent>
   <p:timing>
     <p:tnLst>
       <p:par>
@@ -4783,6 +8202,851 @@
       </p:par>
     </p:tnLst>
   </p:timing>
+</p:sld>
+</file>
+
+<file path=ppt/slides/slide10.xml><?xml version="1.0" encoding="utf-8"?>
+<p:sld xmlns:a="http://schemas.openxmlformats.org/drawingml/2006/main" xmlns:r="http://schemas.openxmlformats.org/officeDocument/2006/relationships" xmlns:p="http://schemas.openxmlformats.org/presentationml/2006/main">
+  <p:cSld>
+    <p:spTree>
+      <p:nvGrpSpPr>
+        <p:cNvPr id="1" name=""/>
+        <p:cNvGrpSpPr/>
+        <p:nvPr/>
+      </p:nvGrpSpPr>
+      <p:grpSpPr>
+        <a:xfrm>
+          <a:off x="0" y="0"/>
+          <a:ext cx="0" cy="0"/>
+          <a:chOff x="0" y="0"/>
+          <a:chExt cx="0" cy="0"/>
+        </a:xfrm>
+      </p:grpSpPr>
+      <p:sp>
+        <p:nvSpPr>
+          <p:cNvPr id="2" name="Titre 1"/>
+          <p:cNvSpPr>
+            <a:spLocks noGrp="1"/>
+          </p:cNvSpPr>
+          <p:nvPr>
+            <p:ph type="title"/>
+          </p:nvPr>
+        </p:nvSpPr>
+        <p:spPr/>
+        <p:txBody>
+          <a:bodyPr/>
+          <a:lstStyle/>
+          <a:p>
+            <a:r>
+              <a:rPr lang="fr-FR" dirty="0" smtClean="0"/>
+              <a:t>Conclusion</a:t>
+            </a:r>
+            <a:endParaRPr lang="fr-FR" dirty="0"/>
+          </a:p>
+        </p:txBody>
+      </p:sp>
+      <p:sp>
+        <p:nvSpPr>
+          <p:cNvPr id="3" name="Espace réservé du contenu 2"/>
+          <p:cNvSpPr>
+            <a:spLocks noGrp="1"/>
+          </p:cNvSpPr>
+          <p:nvPr>
+            <p:ph idx="1"/>
+          </p:nvPr>
+        </p:nvSpPr>
+        <p:spPr/>
+        <p:txBody>
+          <a:bodyPr/>
+          <a:lstStyle/>
+          <a:p>
+            <a:r>
+              <a:rPr lang="fr-FR" dirty="0" smtClean="0"/>
+              <a:t>Recherche sur une nouvelle méthode d’apprentissage</a:t>
+            </a:r>
+          </a:p>
+          <a:p>
+            <a:r>
+              <a:rPr lang="fr-FR" dirty="0" smtClean="0"/>
+              <a:t>Installation et création d’un serveur local avec </a:t>
+            </a:r>
+            <a:r>
+              <a:rPr lang="fr-FR" dirty="0" err="1" smtClean="0"/>
+              <a:t>Blazegraph</a:t>
+            </a:r>
+            <a:endParaRPr lang="fr-FR" dirty="0" smtClean="0"/>
+          </a:p>
+          <a:p>
+            <a:r>
+              <a:rPr lang="fr-FR" dirty="0" smtClean="0"/>
+              <a:t>Projet intra-disciplinaire</a:t>
+            </a:r>
+          </a:p>
+          <a:p>
+            <a:endParaRPr lang="fr-FR" dirty="0"/>
+          </a:p>
+        </p:txBody>
+      </p:sp>
+      <p:sp>
+        <p:nvSpPr>
+          <p:cNvPr id="4" name="Espace réservé de la date 3"/>
+          <p:cNvSpPr>
+            <a:spLocks noGrp="1"/>
+          </p:cNvSpPr>
+          <p:nvPr>
+            <p:ph type="dt" sz="half" idx="10"/>
+          </p:nvPr>
+        </p:nvSpPr>
+        <p:spPr/>
+        <p:txBody>
+          <a:bodyPr/>
+          <a:lstStyle/>
+          <a:p>
+            <a:fld id="{0E09EBE9-D78D-6148-BF1A-099D0D63F715}" type="datetime1">
+              <a:rPr lang="fr-FR" smtClean="0"/>
+              <a:t>15/03/2017</a:t>
+            </a:fld>
+            <a:endParaRPr lang="en-US" dirty="0"/>
+          </a:p>
+        </p:txBody>
+      </p:sp>
+      <p:sp>
+        <p:nvSpPr>
+          <p:cNvPr id="5" name="Espace réservé du pied de page 4"/>
+          <p:cNvSpPr>
+            <a:spLocks noGrp="1"/>
+          </p:cNvSpPr>
+          <p:nvPr>
+            <p:ph type="ftr" sz="quarter" idx="11"/>
+          </p:nvPr>
+        </p:nvSpPr>
+        <p:spPr/>
+        <p:txBody>
+          <a:bodyPr/>
+          <a:lstStyle/>
+          <a:p>
+            <a:pPr algn="ctr"/>
+            <a:r>
+              <a:rPr lang="en-US" smtClean="0"/>
+              <a:t>Projet Système à Base de Connaissance - 2017</a:t>
+            </a:r>
+            <a:endParaRPr lang="en-US" dirty="0"/>
+          </a:p>
+        </p:txBody>
+      </p:sp>
+      <p:sp>
+        <p:nvSpPr>
+          <p:cNvPr id="6" name="Espace réservé du numéro de diapositive 5"/>
+          <p:cNvSpPr>
+            <a:spLocks noGrp="1"/>
+          </p:cNvSpPr>
+          <p:nvPr>
+            <p:ph type="sldNum" sz="quarter" idx="12"/>
+          </p:nvPr>
+        </p:nvSpPr>
+        <p:spPr/>
+        <p:txBody>
+          <a:bodyPr/>
+          <a:lstStyle/>
+          <a:p>
+            <a:fld id="{69E57DC2-970A-4B3E-BB1C-7A09969E49DF}" type="slidenum">
+              <a:rPr lang="en-US" smtClean="0"/>
+              <a:t>11</a:t>
+            </a:fld>
+            <a:endParaRPr lang="en-US" dirty="0"/>
+          </a:p>
+        </p:txBody>
+      </p:sp>
+    </p:spTree>
+    <p:extLst>
+      <p:ext uri="{BB962C8B-B14F-4D97-AF65-F5344CB8AC3E}">
+        <p14:creationId xmlns:p14="http://schemas.microsoft.com/office/powerpoint/2010/main" val="1036345078"/>
+      </p:ext>
+    </p:extLst>
+  </p:cSld>
+  <p:clrMapOvr>
+    <a:masterClrMapping/>
+  </p:clrMapOvr>
+  <mc:AlternateContent xmlns:mc="http://schemas.openxmlformats.org/markup-compatibility/2006">
+    <mc:Choice xmlns:p14="http://schemas.microsoft.com/office/powerpoint/2010/main" Requires="p14">
+      <p:transition spd="med" p14:dur="700">
+        <p:fade/>
+      </p:transition>
+    </mc:Choice>
+    <mc:Fallback>
+      <p:transition spd="med">
+        <p:fade/>
+      </p:transition>
+    </mc:Fallback>
+  </mc:AlternateContent>
+  <p:timing>
+    <p:tnLst>
+      <p:par>
+        <p:cTn id="1" dur="indefinite" restart="never" nodeType="tmRoot"/>
+      </p:par>
+    </p:tnLst>
+  </p:timing>
+</p:sld>
+</file>
+
+<file path=ppt/slides/slide11.xml><?xml version="1.0" encoding="utf-8"?>
+<p:sld xmlns:a="http://schemas.openxmlformats.org/drawingml/2006/main" xmlns:r="http://schemas.openxmlformats.org/officeDocument/2006/relationships" xmlns:p="http://schemas.openxmlformats.org/presentationml/2006/main">
+  <p:cSld>
+    <p:spTree>
+      <p:nvGrpSpPr>
+        <p:cNvPr id="1" name=""/>
+        <p:cNvGrpSpPr/>
+        <p:nvPr/>
+      </p:nvGrpSpPr>
+      <p:grpSpPr>
+        <a:xfrm>
+          <a:off x="0" y="0"/>
+          <a:ext cx="0" cy="0"/>
+          <a:chOff x="0" y="0"/>
+          <a:chExt cx="0" cy="0"/>
+        </a:xfrm>
+      </p:grpSpPr>
+      <p:sp>
+        <p:nvSpPr>
+          <p:cNvPr id="2" name="Titre 1"/>
+          <p:cNvSpPr>
+            <a:spLocks noGrp="1"/>
+          </p:cNvSpPr>
+          <p:nvPr>
+            <p:ph type="title"/>
+          </p:nvPr>
+        </p:nvSpPr>
+        <p:spPr>
+          <a:xfrm>
+            <a:off x="765025" y="2226521"/>
+            <a:ext cx="9612971" cy="2852737"/>
+          </a:xfrm>
+        </p:spPr>
+        <p:txBody>
+          <a:bodyPr/>
+          <a:lstStyle/>
+          <a:p>
+            <a:r>
+              <a:rPr lang="fr-FR" smtClean="0"/>
+              <a:t>Merci de votre attention</a:t>
+            </a:r>
+            <a:endParaRPr lang="fr-FR"/>
+          </a:p>
+        </p:txBody>
+      </p:sp>
+      <p:sp>
+        <p:nvSpPr>
+          <p:cNvPr id="4" name="Espace réservé de la date 3"/>
+          <p:cNvSpPr>
+            <a:spLocks noGrp="1"/>
+          </p:cNvSpPr>
+          <p:nvPr>
+            <p:ph type="dt" sz="half" idx="10"/>
+          </p:nvPr>
+        </p:nvSpPr>
+        <p:spPr/>
+        <p:txBody>
+          <a:bodyPr/>
+          <a:lstStyle/>
+          <a:p>
+            <a:fld id="{08C09134-D069-6D44-B753-D53DD2C1F1C1}" type="datetime1">
+              <a:rPr lang="fr-FR" smtClean="0"/>
+              <a:t>15/03/2017</a:t>
+            </a:fld>
+            <a:endParaRPr lang="en-US" dirty="0"/>
+          </a:p>
+        </p:txBody>
+      </p:sp>
+      <p:sp>
+        <p:nvSpPr>
+          <p:cNvPr id="5" name="Espace réservé du pied de page 4"/>
+          <p:cNvSpPr>
+            <a:spLocks noGrp="1"/>
+          </p:cNvSpPr>
+          <p:nvPr>
+            <p:ph type="ftr" sz="quarter" idx="11"/>
+          </p:nvPr>
+        </p:nvSpPr>
+        <p:spPr/>
+        <p:txBody>
+          <a:bodyPr/>
+          <a:lstStyle/>
+          <a:p>
+            <a:r>
+              <a:rPr lang="en-US" smtClean="0"/>
+              <a:t>Projet Système à Base de Connaissance - 2017</a:t>
+            </a:r>
+            <a:endParaRPr lang="en-US" dirty="0"/>
+          </a:p>
+        </p:txBody>
+      </p:sp>
+      <p:sp>
+        <p:nvSpPr>
+          <p:cNvPr id="6" name="Espace réservé du numéro de diapositive 5"/>
+          <p:cNvSpPr>
+            <a:spLocks noGrp="1"/>
+          </p:cNvSpPr>
+          <p:nvPr>
+            <p:ph type="sldNum" sz="quarter" idx="12"/>
+          </p:nvPr>
+        </p:nvSpPr>
+        <p:spPr/>
+        <p:txBody>
+          <a:bodyPr/>
+          <a:lstStyle/>
+          <a:p>
+            <a:fld id="{69E57DC2-970A-4B3E-BB1C-7A09969E49DF}" type="slidenum">
+              <a:rPr lang="en-US" smtClean="0"/>
+              <a:pPr/>
+              <a:t>12</a:t>
+            </a:fld>
+            <a:endParaRPr lang="en-US" dirty="0"/>
+          </a:p>
+        </p:txBody>
+      </p:sp>
+      <p:sp>
+        <p:nvSpPr>
+          <p:cNvPr id="7" name="Rectangle 6"/>
+          <p:cNvSpPr/>
+          <p:nvPr/>
+        </p:nvSpPr>
+        <p:spPr>
+          <a:xfrm>
+            <a:off x="441064" y="6368527"/>
+            <a:ext cx="11499924" cy="489473"/>
+          </a:xfrm>
+          <a:prstGeom prst="rect">
+            <a:avLst/>
+          </a:prstGeom>
+          <a:solidFill>
+            <a:srgbClr val="191B0E"/>
+          </a:solidFill>
+          <a:ln>
+            <a:noFill/>
+          </a:ln>
+        </p:spPr>
+        <p:style>
+          <a:lnRef idx="2">
+            <a:schemeClr val="dk1">
+              <a:shade val="50000"/>
+            </a:schemeClr>
+          </a:lnRef>
+          <a:fillRef idx="1">
+            <a:schemeClr val="dk1"/>
+          </a:fillRef>
+          <a:effectRef idx="0">
+            <a:schemeClr val="dk1"/>
+          </a:effectRef>
+          <a:fontRef idx="minor">
+            <a:schemeClr val="lt1"/>
+          </a:fontRef>
+        </p:style>
+        <p:txBody>
+          <a:bodyPr rtlCol="0" anchor="ctr"/>
+          <a:lstStyle/>
+          <a:p>
+            <a:pPr algn="ctr"/>
+            <a:endParaRPr lang="fr-FR"/>
+          </a:p>
+        </p:txBody>
+      </p:sp>
+    </p:spTree>
+    <p:extLst>
+      <p:ext uri="{BB962C8B-B14F-4D97-AF65-F5344CB8AC3E}">
+        <p14:creationId xmlns:p14="http://schemas.microsoft.com/office/powerpoint/2010/main" val="577025628"/>
+      </p:ext>
+    </p:extLst>
+  </p:cSld>
+  <p:clrMapOvr>
+    <a:masterClrMapping/>
+  </p:clrMapOvr>
+  <mc:AlternateContent xmlns:mc="http://schemas.openxmlformats.org/markup-compatibility/2006">
+    <mc:Choice xmlns:p14="http://schemas.microsoft.com/office/powerpoint/2010/main" Requires="p14">
+      <p:transition spd="med" p14:dur="700">
+        <p:fade/>
+      </p:transition>
+    </mc:Choice>
+    <mc:Fallback>
+      <p:transition spd="med">
+        <p:fade/>
+      </p:transition>
+    </mc:Fallback>
+  </mc:AlternateContent>
+  <p:timing>
+    <p:tnLst>
+      <p:par>
+        <p:cTn id="1" dur="indefinite" restart="never" nodeType="tmRoot"/>
+      </p:par>
+    </p:tnLst>
+  </p:timing>
+</p:sld>
+</file>
+
+<file path=ppt/slides/slide12.xml><?xml version="1.0" encoding="utf-8"?>
+<p:sld xmlns:a="http://schemas.openxmlformats.org/drawingml/2006/main" xmlns:r="http://schemas.openxmlformats.org/officeDocument/2006/relationships" xmlns:p="http://schemas.openxmlformats.org/presentationml/2006/main">
+  <p:cSld>
+    <p:spTree>
+      <p:nvGrpSpPr>
+        <p:cNvPr id="1" name=""/>
+        <p:cNvGrpSpPr/>
+        <p:nvPr/>
+      </p:nvGrpSpPr>
+      <p:grpSpPr>
+        <a:xfrm>
+          <a:off x="0" y="0"/>
+          <a:ext cx="0" cy="0"/>
+          <a:chOff x="0" y="0"/>
+          <a:chExt cx="0" cy="0"/>
+        </a:xfrm>
+      </p:grpSpPr>
+      <p:sp>
+        <p:nvSpPr>
+          <p:cNvPr id="2" name="Titre 1"/>
+          <p:cNvSpPr>
+            <a:spLocks noGrp="1"/>
+          </p:cNvSpPr>
+          <p:nvPr>
+            <p:ph type="title"/>
+          </p:nvPr>
+        </p:nvSpPr>
+        <p:spPr/>
+        <p:txBody>
+          <a:bodyPr/>
+          <a:lstStyle/>
+          <a:p>
+            <a:r>
+              <a:rPr lang="fr-FR" dirty="0" smtClean="0"/>
+              <a:t>Sources </a:t>
+            </a:r>
+            <a:r>
+              <a:rPr lang="fr-FR" dirty="0" smtClean="0"/>
+              <a:t>de lecture</a:t>
+            </a:r>
+            <a:endParaRPr lang="fr-FR" dirty="0"/>
+          </a:p>
+        </p:txBody>
+      </p:sp>
+      <p:sp>
+        <p:nvSpPr>
+          <p:cNvPr id="3" name="Espace réservé du contenu 2"/>
+          <p:cNvSpPr>
+            <a:spLocks noGrp="1"/>
+          </p:cNvSpPr>
+          <p:nvPr>
+            <p:ph idx="1"/>
+          </p:nvPr>
+        </p:nvSpPr>
+        <p:spPr/>
+        <p:txBody>
+          <a:bodyPr/>
+          <a:lstStyle/>
+          <a:p>
+            <a:pPr marL="0" marR="0" lvl="0" indent="0" defTabSz="914400" eaLnBrk="1" fontAlgn="auto" latinLnBrk="0" hangingPunct="1">
+              <a:lnSpc>
+                <a:spcPct val="100000"/>
+              </a:lnSpc>
+              <a:spcBef>
+                <a:spcPts val="0"/>
+              </a:spcBef>
+              <a:spcAft>
+                <a:spcPts val="0"/>
+              </a:spcAft>
+              <a:buClrTx/>
+              <a:buSzTx/>
+              <a:buFontTx/>
+              <a:buNone/>
+              <a:tabLst/>
+              <a:defRPr/>
+            </a:pPr>
+            <a:r>
+              <a:rPr lang="fr-FR" dirty="0" smtClean="0"/>
+              <a:t>« Amélioration des machines de Boltzmann restreintes </a:t>
+            </a:r>
+            <a:r>
+              <a:rPr lang="mr-IN" dirty="0" smtClean="0"/>
+              <a:t>–</a:t>
+            </a:r>
+            <a:r>
+              <a:rPr lang="fr-FR" dirty="0" smtClean="0"/>
+              <a:t> Mémoire de Robin </a:t>
+            </a:r>
+            <a:r>
+              <a:rPr lang="fr-FR" dirty="0" err="1" smtClean="0"/>
+              <a:t>Allesiardo</a:t>
+            </a:r>
+            <a:endParaRPr lang="fr-FR" dirty="0" smtClean="0"/>
+          </a:p>
+          <a:p>
+            <a:pPr marL="0" marR="0" lvl="0" indent="0" defTabSz="914400" eaLnBrk="1" fontAlgn="auto" latinLnBrk="0" hangingPunct="1">
+              <a:lnSpc>
+                <a:spcPct val="100000"/>
+              </a:lnSpc>
+              <a:spcBef>
+                <a:spcPts val="0"/>
+              </a:spcBef>
+              <a:spcAft>
+                <a:spcPts val="0"/>
+              </a:spcAft>
+              <a:buClrTx/>
+              <a:buSzTx/>
+              <a:buFontTx/>
+              <a:buNone/>
+              <a:tabLst/>
+              <a:defRPr/>
+            </a:pPr>
+            <a:endParaRPr lang="fr-FR" dirty="0" smtClean="0"/>
+          </a:p>
+          <a:p>
+            <a:pPr marL="0" marR="0" lvl="0" indent="0" defTabSz="914400" eaLnBrk="1" fontAlgn="auto" latinLnBrk="0" hangingPunct="1">
+              <a:lnSpc>
+                <a:spcPct val="100000"/>
+              </a:lnSpc>
+              <a:spcBef>
+                <a:spcPts val="0"/>
+              </a:spcBef>
+              <a:spcAft>
+                <a:spcPts val="0"/>
+              </a:spcAft>
+              <a:buClrTx/>
+              <a:buSzTx/>
+              <a:buFontTx/>
+              <a:buNone/>
+              <a:tabLst/>
+              <a:defRPr/>
+            </a:pPr>
+            <a:r>
+              <a:rPr lang="fr-FR" dirty="0" smtClean="0"/>
+              <a:t>« Au</a:t>
+            </a:r>
+            <a:r>
+              <a:rPr lang="mr-IN" dirty="0" smtClean="0"/>
+              <a:t>-</a:t>
+            </a:r>
+            <a:r>
+              <a:rPr lang="fr-FR" dirty="0" smtClean="0"/>
+              <a:t>delà de la RBM » - Hugo </a:t>
+            </a:r>
+            <a:r>
+              <a:rPr lang="fr-FR" dirty="0" err="1" smtClean="0"/>
+              <a:t>Larochelle</a:t>
+            </a:r>
+            <a:r>
+              <a:rPr lang="fr-FR" dirty="0" smtClean="0"/>
+              <a:t> </a:t>
+            </a:r>
+            <a:r>
+              <a:rPr lang="mr-IN" dirty="0" smtClean="0"/>
+              <a:t>–</a:t>
+            </a:r>
+            <a:r>
+              <a:rPr lang="fr-FR" dirty="0" smtClean="0"/>
+              <a:t> Université de </a:t>
+            </a:r>
+            <a:r>
+              <a:rPr lang="fr-FR" dirty="0" smtClean="0"/>
+              <a:t>Toronto</a:t>
+            </a:r>
+          </a:p>
+          <a:p>
+            <a:pPr marL="0" marR="0" lvl="0" indent="0" defTabSz="914400" eaLnBrk="1" fontAlgn="auto" latinLnBrk="0" hangingPunct="1">
+              <a:lnSpc>
+                <a:spcPct val="100000"/>
+              </a:lnSpc>
+              <a:spcBef>
+                <a:spcPts val="0"/>
+              </a:spcBef>
+              <a:spcAft>
+                <a:spcPts val="0"/>
+              </a:spcAft>
+              <a:buClrTx/>
+              <a:buSzTx/>
+              <a:buFontTx/>
+              <a:buNone/>
+              <a:tabLst/>
+              <a:defRPr/>
+            </a:pPr>
+            <a:endParaRPr lang="fr-FR" dirty="0"/>
+          </a:p>
+          <a:p>
+            <a:pPr marL="0" lvl="0" indent="0">
+              <a:lnSpc>
+                <a:spcPct val="100000"/>
+              </a:lnSpc>
+              <a:spcBef>
+                <a:spcPts val="0"/>
+              </a:spcBef>
+              <a:spcAft>
+                <a:spcPts val="0"/>
+              </a:spcAft>
+              <a:buNone/>
+              <a:defRPr/>
+            </a:pPr>
+            <a:r>
+              <a:rPr lang="fr-FR" dirty="0" smtClean="0"/>
+              <a:t>Librairies : </a:t>
+            </a:r>
+          </a:p>
+          <a:p>
+            <a:pPr marL="0" lvl="0" indent="0">
+              <a:lnSpc>
+                <a:spcPct val="100000"/>
+              </a:lnSpc>
+              <a:spcBef>
+                <a:spcPts val="0"/>
+              </a:spcBef>
+              <a:spcAft>
+                <a:spcPts val="0"/>
+              </a:spcAft>
+              <a:buNone/>
+              <a:defRPr/>
+            </a:pPr>
+            <a:r>
+              <a:rPr lang="fr-FR" u="sng" dirty="0" smtClean="0">
+                <a:hlinkClick r:id="rId2"/>
+              </a:rPr>
+              <a:t>https</a:t>
+            </a:r>
+            <a:r>
+              <a:rPr lang="fr-FR" u="sng" dirty="0">
+                <a:hlinkClick r:id="rId2"/>
+              </a:rPr>
+              <a:t>://</a:t>
+            </a:r>
+            <a:r>
+              <a:rPr lang="fr-FR" u="sng" dirty="0" smtClean="0">
+                <a:hlinkClick r:id="rId2"/>
+              </a:rPr>
+              <a:t>github.com/echen/restricted-boltzmann-machines</a:t>
+            </a:r>
+            <a:endParaRPr lang="fr-FR" u="sng" dirty="0" smtClean="0"/>
+          </a:p>
+          <a:p>
+            <a:pPr marL="0" lvl="0" indent="0">
+              <a:lnSpc>
+                <a:spcPct val="100000"/>
+              </a:lnSpc>
+              <a:spcBef>
+                <a:spcPts val="0"/>
+              </a:spcBef>
+              <a:spcAft>
+                <a:spcPts val="0"/>
+              </a:spcAft>
+              <a:buNone/>
+              <a:defRPr/>
+            </a:pPr>
+            <a:endParaRPr lang="fr-FR" u="sng" dirty="0" smtClean="0"/>
+          </a:p>
+          <a:p>
+            <a:pPr marL="0" lvl="0" indent="0">
+              <a:lnSpc>
+                <a:spcPct val="100000"/>
+              </a:lnSpc>
+              <a:spcBef>
+                <a:spcPts val="0"/>
+              </a:spcBef>
+              <a:spcAft>
+                <a:spcPts val="0"/>
+              </a:spcAft>
+              <a:buNone/>
+              <a:defRPr/>
+            </a:pPr>
+            <a:r>
+              <a:rPr lang="fr-FR" dirty="0" smtClean="0"/>
+              <a:t>Client :</a:t>
+            </a:r>
+          </a:p>
+          <a:p>
+            <a:pPr marL="0" lvl="0" indent="0">
+              <a:lnSpc>
+                <a:spcPct val="100000"/>
+              </a:lnSpc>
+              <a:spcBef>
+                <a:spcPts val="0"/>
+              </a:spcBef>
+              <a:spcAft>
+                <a:spcPts val="0"/>
+              </a:spcAft>
+              <a:buNone/>
+              <a:defRPr/>
+            </a:pPr>
+            <a:r>
+              <a:rPr lang="fr-FR" u="sng" dirty="0" smtClean="0">
+                <a:hlinkClick r:id="rId3"/>
+              </a:rPr>
+              <a:t>https</a:t>
+            </a:r>
+            <a:r>
+              <a:rPr lang="fr-FR" u="sng" dirty="0">
+                <a:hlinkClick r:id="rId3"/>
+              </a:rPr>
+              <a:t>://</a:t>
+            </a:r>
+            <a:r>
+              <a:rPr lang="fr-FR" u="sng" dirty="0" smtClean="0">
+                <a:hlinkClick r:id="rId3"/>
+              </a:rPr>
+              <a:t>github.com/blazegraph/blazegraph-python</a:t>
+            </a:r>
+            <a:endParaRPr lang="fr-FR" u="sng" dirty="0" smtClean="0"/>
+          </a:p>
+          <a:p>
+            <a:pPr marL="0" lvl="0" indent="0">
+              <a:lnSpc>
+                <a:spcPct val="100000"/>
+              </a:lnSpc>
+              <a:spcBef>
+                <a:spcPts val="0"/>
+              </a:spcBef>
+              <a:spcAft>
+                <a:spcPts val="0"/>
+              </a:spcAft>
+              <a:buNone/>
+              <a:defRPr/>
+            </a:pPr>
+            <a:endParaRPr lang="fr-FR" u="sng" dirty="0" smtClean="0"/>
+          </a:p>
+          <a:p>
+            <a:pPr marL="0" marR="0" lvl="0" indent="0" defTabSz="914400" eaLnBrk="1" fontAlgn="auto" latinLnBrk="0" hangingPunct="1">
+              <a:lnSpc>
+                <a:spcPct val="100000"/>
+              </a:lnSpc>
+              <a:spcBef>
+                <a:spcPts val="0"/>
+              </a:spcBef>
+              <a:spcAft>
+                <a:spcPts val="0"/>
+              </a:spcAft>
+              <a:buClrTx/>
+              <a:buSzTx/>
+              <a:buFontTx/>
+              <a:buNone/>
+              <a:tabLst/>
+              <a:defRPr/>
+            </a:pPr>
+            <a:endParaRPr lang="fr-FR" dirty="0"/>
+          </a:p>
+        </p:txBody>
+      </p:sp>
+      <p:sp>
+        <p:nvSpPr>
+          <p:cNvPr id="4" name="Espace réservé de la date 3"/>
+          <p:cNvSpPr>
+            <a:spLocks noGrp="1"/>
+          </p:cNvSpPr>
+          <p:nvPr>
+            <p:ph type="dt" sz="half" idx="10"/>
+          </p:nvPr>
+        </p:nvSpPr>
+        <p:spPr/>
+        <p:txBody>
+          <a:bodyPr/>
+          <a:lstStyle/>
+          <a:p>
+            <a:fld id="{CF039C75-7D78-BA4B-8813-2D75045743F0}" type="datetime1">
+              <a:rPr lang="fr-FR" smtClean="0"/>
+              <a:t>15/03/2017</a:t>
+            </a:fld>
+            <a:endParaRPr lang="en-US" dirty="0"/>
+          </a:p>
+        </p:txBody>
+      </p:sp>
+      <p:sp>
+        <p:nvSpPr>
+          <p:cNvPr id="5" name="Espace réservé du pied de page 4"/>
+          <p:cNvSpPr>
+            <a:spLocks noGrp="1"/>
+          </p:cNvSpPr>
+          <p:nvPr>
+            <p:ph type="ftr" sz="quarter" idx="11"/>
+          </p:nvPr>
+        </p:nvSpPr>
+        <p:spPr/>
+        <p:txBody>
+          <a:bodyPr/>
+          <a:lstStyle/>
+          <a:p>
+            <a:pPr algn="ctr"/>
+            <a:r>
+              <a:rPr lang="en-US" dirty="0" err="1" smtClean="0"/>
+              <a:t>Projet</a:t>
+            </a:r>
+            <a:r>
+              <a:rPr lang="en-US" dirty="0" smtClean="0"/>
+              <a:t> </a:t>
+            </a:r>
+            <a:r>
+              <a:rPr lang="en-US" dirty="0" err="1" smtClean="0"/>
+              <a:t>Système</a:t>
+            </a:r>
+            <a:r>
+              <a:rPr lang="en-US" dirty="0" smtClean="0"/>
+              <a:t> </a:t>
+            </a:r>
+            <a:r>
+              <a:rPr lang="en-US" dirty="0" err="1" smtClean="0"/>
+              <a:t>à</a:t>
+            </a:r>
+            <a:r>
+              <a:rPr lang="en-US" dirty="0" smtClean="0"/>
+              <a:t> Base de </a:t>
+            </a:r>
+            <a:r>
+              <a:rPr lang="en-US" dirty="0" err="1" smtClean="0"/>
+              <a:t>Connaissance</a:t>
+            </a:r>
+            <a:r>
+              <a:rPr lang="en-US" dirty="0" smtClean="0"/>
+              <a:t> - 2017</a:t>
+            </a:r>
+            <a:endParaRPr lang="en-US" dirty="0"/>
+          </a:p>
+        </p:txBody>
+      </p:sp>
+      <p:sp>
+        <p:nvSpPr>
+          <p:cNvPr id="6" name="Espace réservé du numéro de diapositive 5"/>
+          <p:cNvSpPr>
+            <a:spLocks noGrp="1"/>
+          </p:cNvSpPr>
+          <p:nvPr>
+            <p:ph type="sldNum" sz="quarter" idx="12"/>
+          </p:nvPr>
+        </p:nvSpPr>
+        <p:spPr/>
+        <p:txBody>
+          <a:bodyPr/>
+          <a:lstStyle/>
+          <a:p>
+            <a:fld id="{69E57DC2-970A-4B3E-BB1C-7A09969E49DF}" type="slidenum">
+              <a:rPr lang="en-US" smtClean="0"/>
+              <a:t>13</a:t>
+            </a:fld>
+            <a:endParaRPr lang="en-US" dirty="0"/>
+          </a:p>
+        </p:txBody>
+      </p:sp>
+    </p:spTree>
+    <p:extLst>
+      <p:ext uri="{BB962C8B-B14F-4D97-AF65-F5344CB8AC3E}">
+        <p14:creationId xmlns:p14="http://schemas.microsoft.com/office/powerpoint/2010/main" val="1702069012"/>
+      </p:ext>
+    </p:extLst>
+  </p:cSld>
+  <p:clrMapOvr>
+    <a:masterClrMapping/>
+  </p:clrMapOvr>
+  <mc:AlternateContent xmlns:mc="http://schemas.openxmlformats.org/markup-compatibility/2006">
+    <mc:Choice xmlns:p14="http://schemas.microsoft.com/office/powerpoint/2010/main" Requires="p14">
+      <p:transition spd="med" p14:dur="700">
+        <p:fade/>
+      </p:transition>
+    </mc:Choice>
+    <mc:Fallback>
+      <p:transition spd="med">
+        <p:fade/>
+      </p:transition>
+    </mc:Fallback>
+  </mc:AlternateContent>
 </p:sld>
 </file>
 
@@ -4853,8 +9117,34 @@
           </a:p>
           <a:p>
             <a:r>
+              <a:rPr lang="fr-FR" dirty="0" err="1" smtClean="0"/>
+              <a:t>Restricted</a:t>
+            </a:r>
+            <a:r>
               <a:rPr lang="fr-FR" dirty="0" smtClean="0"/>
-              <a:t>Développement</a:t>
+              <a:t> Boltzmann Machine</a:t>
+            </a:r>
+          </a:p>
+          <a:p>
+            <a:r>
+              <a:rPr lang="fr-FR" dirty="0" smtClean="0"/>
+              <a:t>Exemple d’utilisation</a:t>
+            </a:r>
+          </a:p>
+          <a:p>
+            <a:r>
+              <a:rPr lang="fr-FR" dirty="0" smtClean="0"/>
+              <a:t>Nos </a:t>
+            </a:r>
+            <a:r>
+              <a:rPr lang="fr-FR" dirty="0" smtClean="0"/>
+              <a:t>travaux</a:t>
+            </a:r>
+          </a:p>
+          <a:p>
+            <a:r>
+              <a:rPr lang="fr-FR" dirty="0" smtClean="0"/>
+              <a:t>Notre modèle</a:t>
             </a:r>
           </a:p>
           <a:p>
@@ -4883,7 +9173,7 @@
           <a:p>
             <a:fld id="{4CFA16B2-7876-244C-A60E-7C6F11578E61}" type="datetime1">
               <a:rPr lang="fr-FR" smtClean="0"/>
-              <a:t>14/03/2017</a:t>
+              <a:t>15/03/2017</a:t>
             </a:fld>
             <a:endParaRPr lang="en-US" dirty="0"/>
           </a:p>
@@ -4974,6 +9264,18 @@
   <p:clrMapOvr>
     <a:masterClrMapping/>
   </p:clrMapOvr>
+  <mc:AlternateContent xmlns:mc="http://schemas.openxmlformats.org/markup-compatibility/2006">
+    <mc:Choice xmlns:p14="http://schemas.microsoft.com/office/powerpoint/2010/main" Requires="p14">
+      <p:transition spd="med" p14:dur="700">
+        <p:fade/>
+      </p:transition>
+    </mc:Choice>
+    <mc:Fallback>
+      <p:transition spd="med">
+        <p:fade/>
+      </p:transition>
+    </mc:Fallback>
+  </mc:AlternateContent>
   <p:timing>
     <p:tnLst>
       <p:par>
@@ -5036,7 +9338,7 @@
         </p:nvSpPr>
         <p:spPr>
           <a:xfrm>
-            <a:off x="1371600" y="2002222"/>
+            <a:off x="1371600" y="2102237"/>
             <a:ext cx="9601200" cy="3581400"/>
           </a:xfrm>
         </p:spPr>
@@ -5050,7 +9352,19 @@
             </a:r>
             <a:r>
               <a:rPr lang="fr-FR" dirty="0" smtClean="0"/>
-              <a:t> : Trouver des liens entre les gènes et les effets des médicaments</a:t>
+              <a:t> : </a:t>
+            </a:r>
+            <a:r>
+              <a:rPr lang="fr-FR" dirty="0" smtClean="0"/>
+              <a:t>Prédire</a:t>
+            </a:r>
+            <a:r>
+              <a:rPr lang="fr-FR" dirty="0" smtClean="0"/>
+              <a:t> </a:t>
+            </a:r>
+            <a:r>
+              <a:rPr lang="fr-FR" dirty="0" smtClean="0"/>
+              <a:t>des liens entre les gènes et les effets des médicaments</a:t>
             </a:r>
           </a:p>
           <a:p>
@@ -5063,7 +9377,15 @@
             </a:r>
             <a:r>
               <a:rPr lang="fr-FR" dirty="0" smtClean="0"/>
-              <a:t> : 2,5 millions de triplet RDF</a:t>
+              <a:t> : 2,5 millions de </a:t>
+            </a:r>
+            <a:r>
+              <a:rPr lang="fr-FR" dirty="0" smtClean="0"/>
+              <a:t>triplets </a:t>
+            </a:r>
+            <a:r>
+              <a:rPr lang="fr-FR" dirty="0" smtClean="0"/>
+              <a:t>RDF</a:t>
             </a:r>
             <a:endParaRPr lang="fr-FR" dirty="0"/>
           </a:p>
@@ -5084,8 +9406,13 @@
             <a:pPr lvl="1"/>
             <a:r>
               <a:rPr lang="fr-FR" dirty="0" smtClean="0"/>
-              <a:t>Recherche sur la technologie RBM</a:t>
-            </a:r>
+              <a:t>Recherche sur la </a:t>
+            </a:r>
+            <a:r>
+              <a:rPr lang="fr-FR" dirty="0" smtClean="0"/>
+              <a:t>méthode RBM</a:t>
+            </a:r>
+            <a:endParaRPr lang="fr-FR" dirty="0" smtClean="0"/>
           </a:p>
           <a:p>
             <a:pPr lvl="1"/>
@@ -5100,6 +9427,14 @@
             <a:endParaRPr lang="fr-FR" dirty="0" smtClean="0"/>
           </a:p>
           <a:p>
+            <a:pPr lvl="1"/>
+            <a:r>
+              <a:rPr lang="fr-FR" dirty="0" smtClean="0"/>
+              <a:t>Librairie Python</a:t>
+            </a:r>
+            <a:endParaRPr lang="fr-FR" dirty="0" smtClean="0"/>
+          </a:p>
+          <a:p>
             <a:pPr lvl="2"/>
             <a:endParaRPr lang="fr-FR" dirty="0" smtClean="0"/>
           </a:p>
@@ -5125,7 +9460,7 @@
           <a:p>
             <a:fld id="{AFBA22BE-EAA2-3247-B700-BAB43E4A8895}" type="datetime1">
               <a:rPr lang="fr-FR" smtClean="0"/>
-              <a:t>14/03/2017</a:t>
+              <a:t>15/03/2017</a:t>
             </a:fld>
             <a:endParaRPr lang="en-US" dirty="0"/>
           </a:p>
@@ -5188,6 +9523,18 @@
   <p:clrMapOvr>
     <a:masterClrMapping/>
   </p:clrMapOvr>
+  <mc:AlternateContent xmlns:mc="http://schemas.openxmlformats.org/markup-compatibility/2006">
+    <mc:Choice xmlns:p14="http://schemas.microsoft.com/office/powerpoint/2010/main" Requires="p14">
+      <p:transition spd="med" p14:dur="700">
+        <p:fade/>
+      </p:transition>
+    </mc:Choice>
+    <mc:Fallback>
+      <p:transition spd="med">
+        <p:fade/>
+      </p:transition>
+    </mc:Fallback>
+  </mc:AlternateContent>
   <p:timing>
     <p:tnLst>
       <p:par>
@@ -5308,7 +9655,7 @@
           <a:p>
             <a:fld id="{26EFB730-0993-B94D-998F-7091EAD05D6C}" type="datetime1">
               <a:rPr lang="fr-FR" smtClean="0"/>
-              <a:t>14/03/2017</a:t>
+              <a:t>15/03/2017</a:t>
             </a:fld>
             <a:endParaRPr lang="en-US" dirty="0"/>
           </a:p>
@@ -5818,8 +10165,8 @@
         </p:nvSpPr>
         <p:spPr>
           <a:xfrm>
-            <a:off x="8928538" y="4708512"/>
-            <a:ext cx="1839305" cy="369332"/>
+            <a:off x="8845693" y="4502443"/>
+            <a:ext cx="2850378" cy="646331"/>
           </a:xfrm>
           <a:prstGeom prst="rect">
             <a:avLst/>
@@ -5834,9 +10181,16 @@
           <a:p>
             <a:r>
               <a:rPr lang="fr-FR" dirty="0" smtClean="0"/>
-              <a:t>Couche cachée</a:t>
+              <a:t>		</a:t>
             </a:r>
             <a:endParaRPr lang="fr-FR" dirty="0"/>
+          </a:p>
+          <a:p>
+            <a:r>
+              <a:rPr lang="fr-FR" dirty="0" smtClean="0"/>
+              <a:t>+ biais</a:t>
+            </a:r>
+            <a:endParaRPr lang="fr-FR" dirty="0" smtClean="0"/>
           </a:p>
         </p:txBody>
       </p:sp>
@@ -5933,6 +10287,34 @@
           </a:p>
         </p:txBody>
       </p:sp>
+      <p:sp>
+        <p:nvSpPr>
+          <p:cNvPr id="10" name="Rectangle 9"/>
+          <p:cNvSpPr/>
+          <p:nvPr/>
+        </p:nvSpPr>
+        <p:spPr>
+          <a:xfrm>
+            <a:off x="8166533" y="3836030"/>
+            <a:ext cx="1675459" cy="369332"/>
+          </a:xfrm>
+          <a:prstGeom prst="rect">
+            <a:avLst/>
+          </a:prstGeom>
+        </p:spPr>
+        <p:txBody>
+          <a:bodyPr wrap="none">
+            <a:spAutoFit/>
+          </a:bodyPr>
+          <a:lstStyle/>
+          <a:p>
+            <a:r>
+              <a:rPr lang="fr-FR"/>
+              <a:t>Couche cachée</a:t>
+            </a:r>
+          </a:p>
+        </p:txBody>
+      </p:sp>
     </p:spTree>
     <p:extLst>
       <p:ext uri="{BB962C8B-B14F-4D97-AF65-F5344CB8AC3E}">
@@ -5943,6 +10325,18 @@
   <p:clrMapOvr>
     <a:masterClrMapping/>
   </p:clrMapOvr>
+  <mc:AlternateContent xmlns:mc="http://schemas.openxmlformats.org/markup-compatibility/2006">
+    <mc:Choice xmlns:p14="http://schemas.microsoft.com/office/powerpoint/2010/main" Requires="p14">
+      <p:transition spd="med" p14:dur="700">
+        <p:fade/>
+      </p:transition>
+    </mc:Choice>
+    <mc:Fallback>
+      <p:transition spd="med">
+        <p:fade/>
+      </p:transition>
+    </mc:Fallback>
+  </mc:AlternateContent>
   <p:timing>
     <p:tnLst>
       <p:par>
@@ -6062,7 +10456,7 @@
           <a:p>
             <a:fld id="{CF039C75-7D78-BA4B-8813-2D75045743F0}" type="datetime1">
               <a:rPr lang="fr-FR" smtClean="0"/>
-              <a:t>14/03/2017</a:t>
+              <a:t>15/03/2017</a:t>
             </a:fld>
             <a:endParaRPr lang="en-US" dirty="0"/>
           </a:p>
@@ -6083,9 +10477,38 @@
           <a:bodyPr/>
           <a:lstStyle/>
           <a:p>
-            <a:r>
-              <a:rPr lang="en-US" smtClean="0"/>
-              <a:t>Projet Système à Base de Connaissance - 2017</a:t>
+            <a:pPr algn="ctr"/>
+            <a:r>
+              <a:rPr lang="en-US" dirty="0" err="1" smtClean="0"/>
+              <a:t>Projet</a:t>
+            </a:r>
+            <a:r>
+              <a:rPr lang="en-US" dirty="0" smtClean="0"/>
+              <a:t> </a:t>
+            </a:r>
+            <a:r>
+              <a:rPr lang="en-US" dirty="0" err="1" smtClean="0"/>
+              <a:t>Système</a:t>
+            </a:r>
+            <a:r>
+              <a:rPr lang="en-US" dirty="0" smtClean="0"/>
+              <a:t> </a:t>
+            </a:r>
+            <a:r>
+              <a:rPr lang="en-US" dirty="0" err="1" smtClean="0"/>
+              <a:t>à</a:t>
+            </a:r>
+            <a:r>
+              <a:rPr lang="en-US" dirty="0" smtClean="0"/>
+              <a:t> Base de </a:t>
+            </a:r>
+            <a:r>
+              <a:rPr lang="en-US" dirty="0" err="1" smtClean="0"/>
+              <a:t>Connaissance</a:t>
+            </a:r>
+            <a:r>
+              <a:rPr lang="en-US" dirty="0" smtClean="0"/>
+              <a:t> - 2017</a:t>
             </a:r>
             <a:endParaRPr lang="en-US" dirty="0"/>
           </a:p>
@@ -6111,231 +10534,6 @@
               <a:t>6</a:t>
             </a:fld>
             <a:endParaRPr lang="en-US" dirty="0"/>
-          </a:p>
-        </p:txBody>
-      </p:sp>
-      <p:sp>
-        <p:nvSpPr>
-          <p:cNvPr id="7" name="Espace réservé du contenu 2"/>
-          <p:cNvSpPr txBox="1">
-            <a:spLocks/>
-          </p:cNvSpPr>
-          <p:nvPr/>
-        </p:nvSpPr>
-        <p:spPr>
-          <a:xfrm>
-            <a:off x="1371599" y="4120055"/>
-            <a:ext cx="10042635" cy="1939159"/>
-          </a:xfrm>
-          <a:prstGeom prst="rect">
-            <a:avLst/>
-          </a:prstGeom>
-        </p:spPr>
-        <p:txBody>
-          <a:bodyPr vert="horz" lIns="91440" tIns="45720" rIns="91440" bIns="45720" rtlCol="0">
-            <a:normAutofit/>
-          </a:bodyPr>
-          <a:lstStyle>
-            <a:lvl1pPr marL="384048" indent="-384048" algn="l" defTabSz="914400" rtl="0" eaLnBrk="1" latinLnBrk="0" hangingPunct="1">
-              <a:lnSpc>
-                <a:spcPct val="94000"/>
-              </a:lnSpc>
-              <a:spcBef>
-                <a:spcPts val="1000"/>
-              </a:spcBef>
-              <a:spcAft>
-                <a:spcPts val="200"/>
-              </a:spcAft>
-              <a:buFont typeface="Franklin Gothic Book" panose="020B0503020102020204" pitchFamily="34" charset="0"/>
-              <a:buChar char="■"/>
-              <a:defRPr sz="2000" kern="1200" baseline="0">
-                <a:solidFill>
-                  <a:schemeClr val="tx2"/>
-                </a:solidFill>
-                <a:latin typeface="+mn-lt"/>
-                <a:ea typeface="+mn-ea"/>
-                <a:cs typeface="+mn-cs"/>
-              </a:defRPr>
-            </a:lvl1pPr>
-            <a:lvl2pPr marL="914400" indent="-384048" algn="l" defTabSz="914400" rtl="0" eaLnBrk="1" latinLnBrk="0" hangingPunct="1">
-              <a:lnSpc>
-                <a:spcPct val="94000"/>
-              </a:lnSpc>
-              <a:spcBef>
-                <a:spcPts val="500"/>
-              </a:spcBef>
-              <a:spcAft>
-                <a:spcPts val="200"/>
-              </a:spcAft>
-              <a:buFont typeface="Franklin Gothic Book" panose="020B0503020102020204" pitchFamily="34" charset="0"/>
-              <a:buChar char="–"/>
-              <a:defRPr sz="2000" i="1" kern="1200" baseline="0">
-                <a:solidFill>
-                  <a:schemeClr val="tx2"/>
-                </a:solidFill>
-                <a:latin typeface="+mn-lt"/>
-                <a:ea typeface="+mn-ea"/>
-                <a:cs typeface="+mn-cs"/>
-              </a:defRPr>
-            </a:lvl2pPr>
-            <a:lvl3pPr marL="1371600" indent="-384048" algn="l" defTabSz="914400" rtl="0" eaLnBrk="1" latinLnBrk="0" hangingPunct="1">
-              <a:lnSpc>
-                <a:spcPct val="94000"/>
-              </a:lnSpc>
-              <a:spcBef>
-                <a:spcPts val="500"/>
-              </a:spcBef>
-              <a:spcAft>
-                <a:spcPts val="200"/>
-              </a:spcAft>
-              <a:buFont typeface="Franklin Gothic Book" panose="020B0503020102020204" pitchFamily="34" charset="0"/>
-              <a:buChar char="■"/>
-              <a:defRPr sz="1800" kern="1200" baseline="0">
-                <a:solidFill>
-                  <a:schemeClr val="tx2"/>
-                </a:solidFill>
-                <a:latin typeface="+mn-lt"/>
-                <a:ea typeface="+mn-ea"/>
-                <a:cs typeface="+mn-cs"/>
-              </a:defRPr>
-            </a:lvl3pPr>
-            <a:lvl4pPr marL="1828800" indent="-384048" algn="l" defTabSz="914400" rtl="0" eaLnBrk="1" latinLnBrk="0" hangingPunct="1">
-              <a:lnSpc>
-                <a:spcPct val="94000"/>
-              </a:lnSpc>
-              <a:spcBef>
-                <a:spcPts val="500"/>
-              </a:spcBef>
-              <a:spcAft>
-                <a:spcPts val="200"/>
-              </a:spcAft>
-              <a:buFont typeface="Franklin Gothic Book" panose="020B0503020102020204" pitchFamily="34" charset="0"/>
-              <a:buChar char="–"/>
-              <a:defRPr sz="1800" i="1" kern="1200" baseline="0">
-                <a:solidFill>
-                  <a:schemeClr val="tx2"/>
-                </a:solidFill>
-                <a:latin typeface="+mn-lt"/>
-                <a:ea typeface="+mn-ea"/>
-                <a:cs typeface="+mn-cs"/>
-              </a:defRPr>
-            </a:lvl4pPr>
-            <a:lvl5pPr marL="2286000" indent="-384048" algn="l" defTabSz="914400" rtl="0" eaLnBrk="1" latinLnBrk="0" hangingPunct="1">
-              <a:lnSpc>
-                <a:spcPct val="94000"/>
-              </a:lnSpc>
-              <a:spcBef>
-                <a:spcPts val="500"/>
-              </a:spcBef>
-              <a:spcAft>
-                <a:spcPts val="200"/>
-              </a:spcAft>
-              <a:buFont typeface="Franklin Gothic Book" panose="020B0503020102020204" pitchFamily="34" charset="0"/>
-              <a:buChar char="■"/>
-              <a:defRPr sz="1600" kern="1200" baseline="0">
-                <a:solidFill>
-                  <a:schemeClr val="tx2"/>
-                </a:solidFill>
-                <a:latin typeface="+mn-lt"/>
-                <a:ea typeface="+mn-ea"/>
-                <a:cs typeface="+mn-cs"/>
-              </a:defRPr>
-            </a:lvl5pPr>
-            <a:lvl6pPr marL="2743200" indent="-384048" algn="l" defTabSz="914400" rtl="0" eaLnBrk="1" latinLnBrk="0" hangingPunct="1">
-              <a:lnSpc>
-                <a:spcPct val="94000"/>
-              </a:lnSpc>
-              <a:spcBef>
-                <a:spcPts val="500"/>
-              </a:spcBef>
-              <a:spcAft>
-                <a:spcPts val="200"/>
-              </a:spcAft>
-              <a:buFont typeface="Franklin Gothic Book" panose="020B0503020102020204" pitchFamily="34" charset="0"/>
-              <a:buChar char="–"/>
-              <a:defRPr sz="1600" i="1" kern="1200" baseline="0">
-                <a:solidFill>
-                  <a:schemeClr val="tx2"/>
-                </a:solidFill>
-                <a:latin typeface="+mn-lt"/>
-                <a:ea typeface="+mn-ea"/>
-                <a:cs typeface="+mn-cs"/>
-              </a:defRPr>
-            </a:lvl6pPr>
-            <a:lvl7pPr marL="3200400" indent="-384048" algn="l" defTabSz="914400" rtl="0" eaLnBrk="1" latinLnBrk="0" hangingPunct="1">
-              <a:lnSpc>
-                <a:spcPct val="94000"/>
-              </a:lnSpc>
-              <a:spcBef>
-                <a:spcPts val="500"/>
-              </a:spcBef>
-              <a:spcAft>
-                <a:spcPts val="200"/>
-              </a:spcAft>
-              <a:buFont typeface="Franklin Gothic Book" panose="020B0503020102020204" pitchFamily="34" charset="0"/>
-              <a:buChar char="■"/>
-              <a:defRPr sz="1400" kern="1200" baseline="0">
-                <a:solidFill>
-                  <a:schemeClr val="tx2"/>
-                </a:solidFill>
-                <a:latin typeface="+mn-lt"/>
-                <a:ea typeface="+mn-ea"/>
-                <a:cs typeface="+mn-cs"/>
-              </a:defRPr>
-            </a:lvl7pPr>
-            <a:lvl8pPr marL="3657600" indent="-384048" algn="l" defTabSz="914400" rtl="0" eaLnBrk="1" latinLnBrk="0" hangingPunct="1">
-              <a:lnSpc>
-                <a:spcPct val="94000"/>
-              </a:lnSpc>
-              <a:spcBef>
-                <a:spcPts val="500"/>
-              </a:spcBef>
-              <a:spcAft>
-                <a:spcPts val="200"/>
-              </a:spcAft>
-              <a:buFont typeface="Franklin Gothic Book" panose="020B0503020102020204" pitchFamily="34" charset="0"/>
-              <a:buChar char="–"/>
-              <a:defRPr sz="1400" i="1" kern="1200" baseline="0">
-                <a:solidFill>
-                  <a:schemeClr val="tx2"/>
-                </a:solidFill>
-                <a:latin typeface="+mn-lt"/>
-                <a:ea typeface="+mn-ea"/>
-                <a:cs typeface="+mn-cs"/>
-              </a:defRPr>
-            </a:lvl8pPr>
-            <a:lvl9pPr marL="4114800" indent="-384048" algn="l" defTabSz="914400" rtl="0" eaLnBrk="1" latinLnBrk="0" hangingPunct="1">
-              <a:lnSpc>
-                <a:spcPct val="94000"/>
-              </a:lnSpc>
-              <a:spcBef>
-                <a:spcPts val="500"/>
-              </a:spcBef>
-              <a:spcAft>
-                <a:spcPts val="200"/>
-              </a:spcAft>
-              <a:buFont typeface="Franklin Gothic Book" panose="020B0503020102020204" pitchFamily="34" charset="0"/>
-              <a:buChar char="■"/>
-              <a:defRPr sz="1400" kern="1200" baseline="0">
-                <a:solidFill>
-                  <a:schemeClr val="tx2"/>
-                </a:solidFill>
-                <a:latin typeface="+mn-lt"/>
-                <a:ea typeface="+mn-ea"/>
-                <a:cs typeface="+mn-cs"/>
-              </a:defRPr>
-            </a:lvl9pPr>
-          </a:lstStyle>
-          <a:p>
-            <a:r>
-              <a:rPr lang="fr-FR" u="sng" dirty="0" smtClean="0"/>
-              <a:t>Utilisation</a:t>
-            </a:r>
-            <a:r>
-              <a:rPr lang="fr-FR" dirty="0" smtClean="0"/>
-              <a:t> : Modélisation d’une distribution de probabilité représentant différents types de données</a:t>
-            </a:r>
-            <a:endParaRPr lang="fr-FR" dirty="0"/>
           </a:p>
         </p:txBody>
       </p:sp>
@@ -6349,6 +10547,25 @@
   <p:clrMapOvr>
     <a:masterClrMapping/>
   </p:clrMapOvr>
+  <mc:AlternateContent xmlns:mc="http://schemas.openxmlformats.org/markup-compatibility/2006">
+    <mc:Choice xmlns:p14="http://schemas.microsoft.com/office/powerpoint/2010/main" Requires="p14">
+      <p:transition spd="med" p14:dur="700">
+        <p:fade/>
+      </p:transition>
+    </mc:Choice>
+    <mc:Fallback>
+      <p:transition spd="med">
+        <p:fade/>
+      </p:transition>
+    </mc:Fallback>
+  </mc:AlternateContent>
+  <p:timing>
+    <p:tnLst>
+      <p:par>
+        <p:cTn id="1" dur="indefinite" restart="never" nodeType="tmRoot"/>
+      </p:par>
+    </p:tnLst>
+  </p:timing>
 </p:sld>
 </file>
 
@@ -6386,7 +10603,7 @@
           <a:p>
             <a:r>
               <a:rPr lang="fr-FR" dirty="0" smtClean="0"/>
-              <a:t>Conclusion</a:t>
+              <a:t>Exemple d’utilisation</a:t>
             </a:r>
             <a:endParaRPr lang="fr-FR" dirty="0"/>
           </a:p>
@@ -6402,33 +10619,50 @@
             <p:ph idx="1"/>
           </p:nvPr>
         </p:nvSpPr>
+        <p:spPr>
+          <a:xfrm>
+            <a:off x="1371600" y="2286000"/>
+            <a:ext cx="9601200" cy="1660358"/>
+          </a:xfrm>
+        </p:spPr>
+        <p:txBody>
+          <a:bodyPr/>
+          <a:lstStyle/>
+          <a:p>
+            <a:r>
+              <a:rPr lang="fr-FR" dirty="0" smtClean="0"/>
+              <a:t>En fonction des préférences de films de 6 personnes, en déduire si les films sont de type science fiction ou des films oscarisés</a:t>
+            </a:r>
+          </a:p>
+          <a:p>
+            <a:endParaRPr lang="fr-FR" dirty="0"/>
+          </a:p>
+          <a:p>
+            <a:r>
+              <a:rPr lang="fr-FR" dirty="0" smtClean="0"/>
+              <a:t>Données en entrée : </a:t>
+            </a:r>
+          </a:p>
+        </p:txBody>
+      </p:sp>
+      <p:sp>
+        <p:nvSpPr>
+          <p:cNvPr id="4" name="Espace réservé de la date 3"/>
+          <p:cNvSpPr>
+            <a:spLocks noGrp="1"/>
+          </p:cNvSpPr>
+          <p:nvPr>
+            <p:ph type="dt" sz="half" idx="10"/>
+          </p:nvPr>
+        </p:nvSpPr>
         <p:spPr/>
         <p:txBody>
           <a:bodyPr/>
           <a:lstStyle/>
           <a:p>
-            <a:endParaRPr lang="fr-FR"/>
-          </a:p>
-        </p:txBody>
-      </p:sp>
-      <p:sp>
-        <p:nvSpPr>
-          <p:cNvPr id="4" name="Espace réservé de la date 3"/>
-          <p:cNvSpPr>
-            <a:spLocks noGrp="1"/>
-          </p:cNvSpPr>
-          <p:nvPr>
-            <p:ph type="dt" sz="half" idx="10"/>
-          </p:nvPr>
-        </p:nvSpPr>
-        <p:spPr/>
-        <p:txBody>
-          <a:bodyPr/>
-          <a:lstStyle/>
-          <a:p>
-            <a:fld id="{0E09EBE9-D78D-6148-BF1A-099D0D63F715}" type="datetime1">
+            <a:fld id="{CF039C75-7D78-BA4B-8813-2D75045743F0}" type="datetime1">
               <a:rPr lang="fr-FR" smtClean="0"/>
-              <a:t>14/03/2017</a:t>
+              <a:t>15/03/2017</a:t>
             </a:fld>
             <a:endParaRPr lang="en-US" dirty="0"/>
           </a:p>
@@ -6481,16 +10715,95 @@
           </a:p>
         </p:txBody>
       </p:sp>
+      <p:sp>
+        <p:nvSpPr>
+          <p:cNvPr id="7" name="Rectangle 6"/>
+          <p:cNvSpPr/>
+          <p:nvPr/>
+        </p:nvSpPr>
+        <p:spPr>
+          <a:xfrm>
+            <a:off x="2985978" y="3946358"/>
+            <a:ext cx="8528243" cy="646331"/>
+          </a:xfrm>
+          <a:prstGeom prst="rect">
+            <a:avLst/>
+          </a:prstGeom>
+        </p:spPr>
+        <p:txBody>
+          <a:bodyPr wrap="square">
+            <a:spAutoFit/>
+          </a:bodyPr>
+          <a:lstStyle/>
+          <a:p>
+            <a:r>
+              <a:rPr lang="fr-FR" dirty="0"/>
+              <a:t>Fred: (Harry Potter = 0, Avatar = 0, LOTR 3 = 1, </a:t>
+            </a:r>
+            <a:r>
+              <a:rPr lang="fr-FR" dirty="0" err="1"/>
+              <a:t>Gladiator</a:t>
+            </a:r>
+            <a:r>
+              <a:rPr lang="fr-FR" dirty="0"/>
+              <a:t> = 1, Titanic = 1, </a:t>
+            </a:r>
+            <a:r>
+              <a:rPr lang="fr-FR" dirty="0" err="1"/>
+              <a:t>Glitter</a:t>
+            </a:r>
+            <a:r>
+              <a:rPr lang="fr-FR" dirty="0"/>
+              <a:t> = </a:t>
+            </a:r>
+            <a:r>
+              <a:rPr lang="fr-FR" dirty="0" smtClean="0"/>
+              <a:t>0)</a:t>
+            </a:r>
+          </a:p>
+          <a:p>
+            <a:r>
+              <a:rPr lang="fr-FR" dirty="0" smtClean="0"/>
+              <a:t>	</a:t>
+            </a:r>
+            <a:r>
+              <a:rPr lang="fr-FR" dirty="0" err="1" smtClean="0"/>
+              <a:t>Big</a:t>
+            </a:r>
+            <a:r>
+              <a:rPr lang="fr-FR" dirty="0" smtClean="0"/>
+              <a:t> </a:t>
+            </a:r>
+            <a:r>
+              <a:rPr lang="fr-FR" dirty="0"/>
+              <a:t>Oscar winners fan.</a:t>
+            </a:r>
+            <a:endParaRPr lang="fr-FR" dirty="0"/>
+          </a:p>
+        </p:txBody>
+      </p:sp>
     </p:spTree>
     <p:extLst>
       <p:ext uri="{BB962C8B-B14F-4D97-AF65-F5344CB8AC3E}">
-        <p14:creationId xmlns:p14="http://schemas.microsoft.com/office/powerpoint/2010/main" val="1036345078"/>
+        <p14:creationId xmlns:p14="http://schemas.microsoft.com/office/powerpoint/2010/main" val="1342214434"/>
       </p:ext>
     </p:extLst>
   </p:cSld>
   <p:clrMapOvr>
     <a:masterClrMapping/>
   </p:clrMapOvr>
+  <mc:AlternateContent xmlns:mc="http://schemas.openxmlformats.org/markup-compatibility/2006">
+    <mc:Choice xmlns:p14="http://schemas.microsoft.com/office/powerpoint/2010/main" Requires="p14">
+      <p:transition spd="med" p14:dur="700">
+        <p:fade/>
+      </p:transition>
+    </mc:Choice>
+    <mc:Fallback>
+      <p:transition spd="med">
+        <p:fade/>
+      </p:transition>
+    </mc:Fallback>
+  </mc:AlternateContent>
   <p:timing>
     <p:tnLst>
       <p:par>
@@ -6520,168 +10833,6 @@
       </p:grpSpPr>
       <p:sp>
         <p:nvSpPr>
-          <p:cNvPr id="2" name="Titre 1"/>
-          <p:cNvSpPr>
-            <a:spLocks noGrp="1"/>
-          </p:cNvSpPr>
-          <p:nvPr>
-            <p:ph type="title"/>
-          </p:nvPr>
-        </p:nvSpPr>
-        <p:spPr/>
-        <p:txBody>
-          <a:bodyPr/>
-          <a:lstStyle/>
-          <a:p>
-            <a:r>
-              <a:rPr lang="fr-FR" dirty="0" smtClean="0"/>
-              <a:t>Source de lecture</a:t>
-            </a:r>
-            <a:endParaRPr lang="fr-FR" dirty="0"/>
-          </a:p>
-        </p:txBody>
-      </p:sp>
-      <p:sp>
-        <p:nvSpPr>
-          <p:cNvPr id="3" name="Espace réservé du contenu 2"/>
-          <p:cNvSpPr>
-            <a:spLocks noGrp="1"/>
-          </p:cNvSpPr>
-          <p:nvPr>
-            <p:ph idx="1"/>
-          </p:nvPr>
-        </p:nvSpPr>
-        <p:spPr/>
-        <p:txBody>
-          <a:bodyPr/>
-          <a:lstStyle/>
-          <a:p>
-            <a:pPr marL="0" marR="0" lvl="0" indent="0" defTabSz="914400" eaLnBrk="1" fontAlgn="auto" latinLnBrk="0" hangingPunct="1">
-              <a:lnSpc>
-                <a:spcPct val="100000"/>
-              </a:lnSpc>
-              <a:spcBef>
-                <a:spcPts val="0"/>
-              </a:spcBef>
-              <a:spcAft>
-                <a:spcPts val="0"/>
-              </a:spcAft>
-              <a:buClrTx/>
-              <a:buSzTx/>
-              <a:buFontTx/>
-              <a:buNone/>
-              <a:tabLst/>
-              <a:defRPr/>
-            </a:pPr>
-            <a:r>
-              <a:rPr lang="fr-FR" dirty="0" smtClean="0"/>
-              <a:t>« Amélioration des machines de Boltzmann restreintes </a:t>
-            </a:r>
-            <a:r>
-              <a:rPr lang="mr-IN" dirty="0" smtClean="0"/>
-              <a:t>–</a:t>
-            </a:r>
-            <a:r>
-              <a:rPr lang="fr-FR" dirty="0" smtClean="0"/>
-              <a:t> Mémoire de Robin </a:t>
-            </a:r>
-            <a:r>
-              <a:rPr lang="fr-FR" dirty="0" err="1" smtClean="0"/>
-              <a:t>Allesiardo</a:t>
-            </a:r>
-            <a:endParaRPr lang="fr-FR" dirty="0" smtClean="0"/>
-          </a:p>
-          <a:p>
-            <a:pPr marL="0" marR="0" lvl="0" indent="0" defTabSz="914400" eaLnBrk="1" fontAlgn="auto" latinLnBrk="0" hangingPunct="1">
-              <a:lnSpc>
-                <a:spcPct val="100000"/>
-              </a:lnSpc>
-              <a:spcBef>
-                <a:spcPts val="0"/>
-              </a:spcBef>
-              <a:spcAft>
-                <a:spcPts val="0"/>
-              </a:spcAft>
-              <a:buClrTx/>
-              <a:buSzTx/>
-              <a:buFontTx/>
-              <a:buNone/>
-              <a:tabLst/>
-              <a:defRPr/>
-            </a:pPr>
-            <a:endParaRPr lang="fr-FR" dirty="0" smtClean="0"/>
-          </a:p>
-          <a:p>
-            <a:pPr marL="0" marR="0" lvl="0" indent="0" defTabSz="914400" eaLnBrk="1" fontAlgn="auto" latinLnBrk="0" hangingPunct="1">
-              <a:lnSpc>
-                <a:spcPct val="100000"/>
-              </a:lnSpc>
-              <a:spcBef>
-                <a:spcPts val="0"/>
-              </a:spcBef>
-              <a:spcAft>
-                <a:spcPts val="0"/>
-              </a:spcAft>
-              <a:buClrTx/>
-              <a:buSzTx/>
-              <a:buFontTx/>
-              <a:buNone/>
-              <a:tabLst/>
-              <a:defRPr/>
-            </a:pPr>
-            <a:r>
-              <a:rPr lang="fr-FR" dirty="0" smtClean="0"/>
-              <a:t>« Au</a:t>
-            </a:r>
-            <a:r>
-              <a:rPr lang="mr-IN" dirty="0" smtClean="0"/>
-              <a:t>-</a:t>
-            </a:r>
-            <a:r>
-              <a:rPr lang="fr-FR" dirty="0" smtClean="0"/>
-              <a:t>delà de la RBM » - Hugo </a:t>
-            </a:r>
-            <a:r>
-              <a:rPr lang="fr-FR" dirty="0" err="1" smtClean="0"/>
-              <a:t>Larochelle</a:t>
-            </a:r>
-            <a:r>
-              <a:rPr lang="fr-FR" dirty="0" smtClean="0"/>
-              <a:t> </a:t>
-            </a:r>
-            <a:r>
-              <a:rPr lang="mr-IN" dirty="0" smtClean="0"/>
-              <a:t>–</a:t>
-            </a:r>
-            <a:r>
-              <a:rPr lang="fr-FR" dirty="0" smtClean="0"/>
-              <a:t> Université de Toronto</a:t>
-            </a:r>
-          </a:p>
-          <a:p>
-            <a:pPr marL="0" marR="0" lvl="0" indent="0" defTabSz="914400" eaLnBrk="1" fontAlgn="auto" latinLnBrk="0" hangingPunct="1">
-              <a:lnSpc>
-                <a:spcPct val="100000"/>
-              </a:lnSpc>
-              <a:spcBef>
-                <a:spcPts val="0"/>
-              </a:spcBef>
-              <a:spcAft>
-                <a:spcPts val="0"/>
-              </a:spcAft>
-              <a:buClrTx/>
-              <a:buSzTx/>
-              <a:buFontTx/>
-              <a:buNone/>
-              <a:tabLst/>
-              <a:defRPr/>
-            </a:pPr>
-            <a:endParaRPr lang="fr-FR" dirty="0"/>
-          </a:p>
-        </p:txBody>
-      </p:sp>
-      <p:sp>
-        <p:nvSpPr>
           <p:cNvPr id="4" name="Espace réservé de la date 3"/>
           <p:cNvSpPr>
             <a:spLocks noGrp="1"/>
@@ -6697,7 +10848,7 @@
           <a:p>
             <a:fld id="{CF039C75-7D78-BA4B-8813-2D75045743F0}" type="datetime1">
               <a:rPr lang="fr-FR" smtClean="0"/>
-              <a:t>14/03/2017</a:t>
+              <a:t>15/03/2017</a:t>
             </a:fld>
             <a:endParaRPr lang="en-US" dirty="0"/>
           </a:p>
@@ -6718,6 +10869,7 @@
           <a:bodyPr/>
           <a:lstStyle/>
           <a:p>
+            <a:pPr algn="ctr"/>
             <a:r>
               <a:rPr lang="en-US" smtClean="0"/>
               <a:t>Projet Système à Base de Connaissance - 2017</a:t>
@@ -6749,16 +10901,119 @@
           </a:p>
         </p:txBody>
       </p:sp>
+      <p:pic>
+        <p:nvPicPr>
+          <p:cNvPr id="10" name="Image 9"/>
+          <p:cNvPicPr>
+            <a:picLocks noChangeAspect="1"/>
+          </p:cNvPicPr>
+          <p:nvPr/>
+        </p:nvPicPr>
+        <p:blipFill>
+          <a:blip r:embed="rId3">
+            <a:extLst>
+              <a:ext uri="{28A0092B-C50C-407E-A947-70E740481C1C}">
+                <a14:useLocalDpi xmlns:a14="http://schemas.microsoft.com/office/drawing/2010/main" val="0"/>
+              </a:ext>
+            </a:extLst>
+          </a:blip>
+          <a:stretch>
+            <a:fillRect/>
+          </a:stretch>
+        </p:blipFill>
+        <p:spPr>
+          <a:xfrm>
+            <a:off x="2965922" y="585064"/>
+            <a:ext cx="6412547" cy="2825108"/>
+          </a:xfrm>
+          <a:prstGeom prst="rect">
+            <a:avLst/>
+          </a:prstGeom>
+        </p:spPr>
+      </p:pic>
+      <p:pic>
+        <p:nvPicPr>
+          <p:cNvPr id="11" name="Image 10"/>
+          <p:cNvPicPr>
+            <a:picLocks noChangeAspect="1"/>
+          </p:cNvPicPr>
+          <p:nvPr/>
+        </p:nvPicPr>
+        <p:blipFill>
+          <a:blip r:embed="rId4"/>
+          <a:stretch>
+            <a:fillRect/>
+          </a:stretch>
+        </p:blipFill>
+        <p:spPr>
+          <a:xfrm>
+            <a:off x="3714078" y="4370608"/>
+            <a:ext cx="4916237" cy="1727080"/>
+          </a:xfrm>
+          <a:prstGeom prst="rect">
+            <a:avLst/>
+          </a:prstGeom>
+        </p:spPr>
+      </p:pic>
+      <p:sp>
+        <p:nvSpPr>
+          <p:cNvPr id="13" name="ZoneTexte 12"/>
+          <p:cNvSpPr txBox="1"/>
+          <p:nvPr/>
+        </p:nvSpPr>
+        <p:spPr>
+          <a:xfrm>
+            <a:off x="5425479" y="3705724"/>
+            <a:ext cx="1217000" cy="369332"/>
+          </a:xfrm>
+          <a:prstGeom prst="rect">
+            <a:avLst/>
+          </a:prstGeom>
+          <a:noFill/>
+        </p:spPr>
+        <p:txBody>
+          <a:bodyPr wrap="none" rtlCol="0">
+            <a:spAutoFit/>
+          </a:bodyPr>
+          <a:lstStyle/>
+          <a:p>
+            <a:r>
+              <a:rPr lang="fr-FR" dirty="0" smtClean="0"/>
+              <a:t>Résultats :</a:t>
+            </a:r>
+            <a:endParaRPr lang="fr-FR" dirty="0"/>
+          </a:p>
+        </p:txBody>
+      </p:sp>
     </p:spTree>
     <p:extLst>
       <p:ext uri="{BB962C8B-B14F-4D97-AF65-F5344CB8AC3E}">
-        <p14:creationId xmlns:p14="http://schemas.microsoft.com/office/powerpoint/2010/main" val="1702069012"/>
+        <p14:creationId xmlns:p14="http://schemas.microsoft.com/office/powerpoint/2010/main" val="1496729640"/>
       </p:ext>
     </p:extLst>
   </p:cSld>
   <p:clrMapOvr>
     <a:masterClrMapping/>
   </p:clrMapOvr>
+  <mc:AlternateContent xmlns:mc="http://schemas.openxmlformats.org/markup-compatibility/2006">
+    <mc:Choice xmlns:p14="http://schemas.microsoft.com/office/powerpoint/2010/main" Requires="p14">
+      <p:transition spd="med" p14:dur="700">
+        <p:fade/>
+      </p:transition>
+    </mc:Choice>
+    <mc:Fallback>
+      <p:transition spd="med">
+        <p:fade/>
+      </p:transition>
+    </mc:Fallback>
+  </mc:AlternateContent>
+  <p:timing>
+    <p:tnLst>
+      <p:par>
+        <p:cTn id="1" dur="indefinite" restart="never" nodeType="tmRoot"/>
+      </p:par>
+    </p:tnLst>
+  </p:timing>
 </p:sld>
 </file>
 
@@ -6791,8 +11046,8 @@
         </p:nvSpPr>
         <p:spPr>
           <a:xfrm>
-            <a:off x="765025" y="2226521"/>
-            <a:ext cx="9612971" cy="2852737"/>
+            <a:off x="1371600" y="709864"/>
+            <a:ext cx="9601200" cy="1485900"/>
           </a:xfrm>
         </p:spPr>
         <p:txBody>
@@ -6800,31 +11055,31 @@
           <a:lstStyle/>
           <a:p>
             <a:r>
+              <a:rPr lang="fr-FR" dirty="0" smtClean="0"/>
+              <a:t>Nos travaux</a:t>
+            </a:r>
+            <a:endParaRPr lang="fr-FR" dirty="0"/>
+          </a:p>
+        </p:txBody>
+      </p:sp>
+      <p:sp>
+        <p:nvSpPr>
+          <p:cNvPr id="4" name="Espace réservé de la date 3"/>
+          <p:cNvSpPr>
+            <a:spLocks noGrp="1"/>
+          </p:cNvSpPr>
+          <p:nvPr>
+            <p:ph type="dt" sz="half" idx="10"/>
+          </p:nvPr>
+        </p:nvSpPr>
+        <p:spPr/>
+        <p:txBody>
+          <a:bodyPr/>
+          <a:lstStyle/>
+          <a:p>
+            <a:fld id="{CF039C75-7D78-BA4B-8813-2D75045743F0}" type="datetime1">
               <a:rPr lang="fr-FR" smtClean="0"/>
-              <a:t>Merci de votre attention</a:t>
-            </a:r>
-            <a:endParaRPr lang="fr-FR"/>
-          </a:p>
-        </p:txBody>
-      </p:sp>
-      <p:sp>
-        <p:nvSpPr>
-          <p:cNvPr id="4" name="Espace réservé de la date 3"/>
-          <p:cNvSpPr>
-            <a:spLocks noGrp="1"/>
-          </p:cNvSpPr>
-          <p:nvPr>
-            <p:ph type="dt" sz="half" idx="10"/>
-          </p:nvPr>
-        </p:nvSpPr>
-        <p:spPr/>
-        <p:txBody>
-          <a:bodyPr/>
-          <a:lstStyle/>
-          <a:p>
-            <a:fld id="{08C09134-D069-6D44-B753-D53DD2C1F1C1}" type="datetime1">
-              <a:rPr lang="fr-FR" smtClean="0"/>
-              <a:t>14/03/2017</a:t>
+              <a:t>15/03/2017</a:t>
             </a:fld>
             <a:endParaRPr lang="en-US" dirty="0"/>
           </a:p>
@@ -6845,9 +11100,38 @@
           <a:bodyPr/>
           <a:lstStyle/>
           <a:p>
-            <a:r>
-              <a:rPr lang="en-US" smtClean="0"/>
-              <a:t>Projet Système à Base de Connaissance - 2017</a:t>
+            <a:pPr algn="ctr"/>
+            <a:r>
+              <a:rPr lang="en-US" dirty="0" err="1" smtClean="0"/>
+              <a:t>Projet</a:t>
+            </a:r>
+            <a:r>
+              <a:rPr lang="en-US" dirty="0" smtClean="0"/>
+              <a:t> </a:t>
+            </a:r>
+            <a:r>
+              <a:rPr lang="en-US" dirty="0" err="1" smtClean="0"/>
+              <a:t>Système</a:t>
+            </a:r>
+            <a:r>
+              <a:rPr lang="en-US" dirty="0" smtClean="0"/>
+              <a:t> </a:t>
+            </a:r>
+            <a:r>
+              <a:rPr lang="en-US" dirty="0" err="1" smtClean="0"/>
+              <a:t>à</a:t>
+            </a:r>
+            <a:r>
+              <a:rPr lang="en-US" dirty="0" smtClean="0"/>
+              <a:t> Base de </a:t>
+            </a:r>
+            <a:r>
+              <a:rPr lang="en-US" dirty="0" err="1" smtClean="0"/>
+              <a:t>Connaissance</a:t>
+            </a:r>
+            <a:r>
+              <a:rPr lang="en-US" dirty="0" smtClean="0"/>
+              <a:t> - 2017</a:t>
             </a:r>
             <a:endParaRPr lang="en-US" dirty="0"/>
           </a:p>
@@ -6870,7 +11154,6 @@
           <a:p>
             <a:fld id="{69E57DC2-970A-4B3E-BB1C-7A09969E49DF}" type="slidenum">
               <a:rPr lang="en-US" smtClean="0"/>
-              <a:pPr/>
               <a:t>9</a:t>
             </a:fld>
             <a:endParaRPr lang="en-US" dirty="0"/>
@@ -6879,60 +11162,95 @@
       </p:sp>
       <p:sp>
         <p:nvSpPr>
-          <p:cNvPr id="7" name="Rectangle 6"/>
-          <p:cNvSpPr/>
-          <p:nvPr/>
+          <p:cNvPr id="11" name="Espace réservé du contenu 2"/>
+          <p:cNvSpPr>
+            <a:spLocks noGrp="1"/>
+          </p:cNvSpPr>
+          <p:nvPr>
+            <p:ph idx="1"/>
+          </p:nvPr>
         </p:nvSpPr>
         <p:spPr>
           <a:xfrm>
-            <a:off x="441064" y="6368527"/>
-            <a:ext cx="11499924" cy="489473"/>
+            <a:off x="1371600" y="2286000"/>
+            <a:ext cx="9601200" cy="3581400"/>
           </a:xfrm>
-          <a:prstGeom prst="rect">
-            <a:avLst/>
-          </a:prstGeom>
-          <a:solidFill>
-            <a:srgbClr val="191B0E"/>
-          </a:solidFill>
-          <a:ln>
-            <a:noFill/>
-          </a:ln>
         </p:spPr>
-        <p:style>
-          <a:lnRef idx="2">
-            <a:schemeClr val="dk1">
-              <a:shade val="50000"/>
-            </a:schemeClr>
-          </a:lnRef>
-          <a:fillRef idx="1">
-            <a:schemeClr val="dk1"/>
-          </a:fillRef>
-          <a:effectRef idx="0">
-            <a:schemeClr val="dk1"/>
-          </a:effectRef>
-          <a:fontRef idx="minor">
-            <a:schemeClr val="lt1"/>
-          </a:fontRef>
-        </p:style>
-        <p:txBody>
-          <a:bodyPr rtlCol="0" anchor="ctr"/>
-          <a:lstStyle/>
-          <a:p>
-            <a:pPr algn="ctr"/>
-            <a:endParaRPr lang="fr-FR"/>
+        <p:txBody>
+          <a:bodyPr/>
+          <a:lstStyle/>
+          <a:p>
+            <a:r>
+              <a:rPr lang="fr-FR" dirty="0" smtClean="0"/>
+              <a:t>Installation d’un serveur local avec </a:t>
+            </a:r>
+            <a:r>
+              <a:rPr lang="fr-FR" dirty="0" err="1" smtClean="0"/>
+              <a:t>Blazegraph</a:t>
+            </a:r>
+            <a:endParaRPr lang="fr-FR" dirty="0" smtClean="0"/>
+          </a:p>
+          <a:p>
+            <a:r>
+              <a:rPr lang="fr-FR" dirty="0" smtClean="0"/>
+              <a:t>Ajout des données au serveur</a:t>
+            </a:r>
+          </a:p>
+          <a:p>
+            <a:r>
+              <a:rPr lang="fr-FR" dirty="0" smtClean="0"/>
+              <a:t>Requêtes vers l’API</a:t>
+            </a:r>
+          </a:p>
+          <a:p>
+            <a:r>
+              <a:rPr lang="fr-FR" dirty="0" smtClean="0"/>
+              <a:t>Traitement des réponses (parseur python)</a:t>
+            </a:r>
+          </a:p>
+          <a:p>
+            <a:r>
+              <a:rPr lang="fr-FR" dirty="0" smtClean="0"/>
+              <a:t>Recherche sur les RBM</a:t>
+            </a:r>
+          </a:p>
+          <a:p>
+            <a:r>
+              <a:rPr lang="fr-FR" dirty="0" smtClean="0"/>
+              <a:t>Modélisation d’une solution adaptée</a:t>
+            </a:r>
+          </a:p>
+          <a:p>
+            <a:r>
+              <a:rPr lang="fr-FR" dirty="0" smtClean="0"/>
+              <a:t>Présentation de nos résultats</a:t>
+            </a:r>
+            <a:endParaRPr lang="fr-FR" dirty="0"/>
           </a:p>
         </p:txBody>
       </p:sp>
     </p:spTree>
     <p:extLst>
       <p:ext uri="{BB962C8B-B14F-4D97-AF65-F5344CB8AC3E}">
-        <p14:creationId xmlns:p14="http://schemas.microsoft.com/office/powerpoint/2010/main" val="577025628"/>
+        <p14:creationId xmlns:p14="http://schemas.microsoft.com/office/powerpoint/2010/main" val="817438478"/>
       </p:ext>
     </p:extLst>
   </p:cSld>
   <p:clrMapOvr>
     <a:masterClrMapping/>
   </p:clrMapOvr>
+  <mc:AlternateContent xmlns:mc="http://schemas.openxmlformats.org/markup-compatibility/2006">
+    <mc:Choice xmlns:p14="http://schemas.microsoft.com/office/powerpoint/2010/main" Requires="p14">
+      <p:transition spd="med" p14:dur="700">
+        <p:fade/>
+      </p:transition>
+    </mc:Choice>
+    <mc:Fallback>
+      <p:transition spd="med">
+        <p:fade/>
+      </p:transition>
+    </mc:Fallback>
+  </mc:AlternateContent>
   <p:timing>
     <p:tnLst>
       <p:par>
@@ -6940,6 +11258,357 @@
       </p:par>
     </p:tnLst>
   </p:timing>
+</p:sld>
+</file>
+
+<file path=ppt/slides/slide9.xml><?xml version="1.0" encoding="utf-8"?>
+<p:sld xmlns:a="http://schemas.openxmlformats.org/drawingml/2006/main" xmlns:r="http://schemas.openxmlformats.org/officeDocument/2006/relationships" xmlns:p="http://schemas.openxmlformats.org/presentationml/2006/main">
+  <p:cSld>
+    <p:spTree>
+      <p:nvGrpSpPr>
+        <p:cNvPr id="1" name=""/>
+        <p:cNvGrpSpPr/>
+        <p:nvPr/>
+      </p:nvGrpSpPr>
+      <p:grpSpPr>
+        <a:xfrm>
+          <a:off x="0" y="0"/>
+          <a:ext cx="0" cy="0"/>
+          <a:chOff x="0" y="0"/>
+          <a:chExt cx="0" cy="0"/>
+        </a:xfrm>
+      </p:grpSpPr>
+      <p:sp>
+        <p:nvSpPr>
+          <p:cNvPr id="2" name="Titre 1"/>
+          <p:cNvSpPr>
+            <a:spLocks noGrp="1"/>
+          </p:cNvSpPr>
+          <p:nvPr>
+            <p:ph type="title"/>
+          </p:nvPr>
+        </p:nvSpPr>
+        <p:spPr>
+          <a:xfrm>
+            <a:off x="1371600" y="709864"/>
+            <a:ext cx="9601200" cy="1485900"/>
+          </a:xfrm>
+        </p:spPr>
+        <p:txBody>
+          <a:bodyPr/>
+          <a:lstStyle/>
+          <a:p>
+            <a:r>
+              <a:rPr lang="fr-FR" dirty="0" smtClean="0"/>
+              <a:t>Notre modèle</a:t>
+            </a:r>
+            <a:endParaRPr lang="fr-FR" dirty="0"/>
+          </a:p>
+        </p:txBody>
+      </p:sp>
+      <p:sp>
+        <p:nvSpPr>
+          <p:cNvPr id="4" name="Espace réservé de la date 3"/>
+          <p:cNvSpPr>
+            <a:spLocks noGrp="1"/>
+          </p:cNvSpPr>
+          <p:nvPr>
+            <p:ph type="dt" sz="half" idx="10"/>
+          </p:nvPr>
+        </p:nvSpPr>
+        <p:spPr/>
+        <p:txBody>
+          <a:bodyPr/>
+          <a:lstStyle/>
+          <a:p>
+            <a:fld id="{CF039C75-7D78-BA4B-8813-2D75045743F0}" type="datetime1">
+              <a:rPr lang="fr-FR" smtClean="0"/>
+              <a:t>15/03/2017</a:t>
+            </a:fld>
+            <a:endParaRPr lang="en-US" dirty="0"/>
+          </a:p>
+        </p:txBody>
+      </p:sp>
+      <p:sp>
+        <p:nvSpPr>
+          <p:cNvPr id="5" name="Espace réservé du pied de page 4"/>
+          <p:cNvSpPr>
+            <a:spLocks noGrp="1"/>
+          </p:cNvSpPr>
+          <p:nvPr>
+            <p:ph type="ftr" sz="quarter" idx="11"/>
+          </p:nvPr>
+        </p:nvSpPr>
+        <p:spPr/>
+        <p:txBody>
+          <a:bodyPr/>
+          <a:lstStyle/>
+          <a:p>
+            <a:pPr algn="ctr"/>
+            <a:r>
+              <a:rPr lang="en-US" smtClean="0"/>
+              <a:t>Projet Système à Base de Connaissance - 2017</a:t>
+            </a:r>
+            <a:endParaRPr lang="en-US" dirty="0"/>
+          </a:p>
+        </p:txBody>
+      </p:sp>
+      <p:sp>
+        <p:nvSpPr>
+          <p:cNvPr id="6" name="Espace réservé du numéro de diapositive 5"/>
+          <p:cNvSpPr>
+            <a:spLocks noGrp="1"/>
+          </p:cNvSpPr>
+          <p:nvPr>
+            <p:ph type="sldNum" sz="quarter" idx="12"/>
+          </p:nvPr>
+        </p:nvSpPr>
+        <p:spPr/>
+        <p:txBody>
+          <a:bodyPr/>
+          <a:lstStyle/>
+          <a:p>
+            <a:fld id="{69E57DC2-970A-4B3E-BB1C-7A09969E49DF}" type="slidenum">
+              <a:rPr lang="en-US" smtClean="0"/>
+              <a:t>10</a:t>
+            </a:fld>
+            <a:endParaRPr lang="en-US" dirty="0"/>
+          </a:p>
+        </p:txBody>
+      </p:sp>
+      <p:sp>
+        <p:nvSpPr>
+          <p:cNvPr id="7" name="Rectangle 6"/>
+          <p:cNvSpPr/>
+          <p:nvPr/>
+        </p:nvSpPr>
+        <p:spPr>
+          <a:xfrm>
+            <a:off x="1390650" y="1697992"/>
+            <a:ext cx="8528243" cy="369332"/>
+          </a:xfrm>
+          <a:prstGeom prst="rect">
+            <a:avLst/>
+          </a:prstGeom>
+        </p:spPr>
+        <p:txBody>
+          <a:bodyPr wrap="square">
+            <a:spAutoFit/>
+          </a:bodyPr>
+          <a:lstStyle/>
+          <a:p>
+            <a:r>
+              <a:rPr lang="fr-FR" dirty="0" smtClean="0"/>
+              <a:t>Chaque neurone de la couche visible : une paire Prédicat - Maladie</a:t>
+            </a:r>
+            <a:endParaRPr lang="fr-FR" dirty="0"/>
+          </a:p>
+        </p:txBody>
+      </p:sp>
+      <p:graphicFrame>
+        <p:nvGraphicFramePr>
+          <p:cNvPr id="3" name="Diagramme 2"/>
+          <p:cNvGraphicFramePr/>
+          <p:nvPr>
+            <p:extLst>
+              <p:ext uri="{D42A27DB-BD31-4B8C-83A1-F6EECF244321}">
+                <p14:modId xmlns:p14="http://schemas.microsoft.com/office/powerpoint/2010/main" val="1448403521"/>
+              </p:ext>
+            </p:extLst>
+          </p:nvPr>
+        </p:nvGraphicFramePr>
+        <p:xfrm>
+          <a:off x="2960106" y="2395952"/>
+          <a:ext cx="6424187" cy="3339377"/>
+        </p:xfrm>
+        <a:graphic>
+          <a:graphicData uri="http://schemas.openxmlformats.org/drawingml/2006/diagram">
+            <dgm:relIds xmlns:dgm="http://schemas.openxmlformats.org/drawingml/2006/diagram" xmlns:r="http://schemas.openxmlformats.org/officeDocument/2006/relationships" r:dm="rId3" r:lo="rId4" r:qs="rId5" r:cs="rId6"/>
+          </a:graphicData>
+        </a:graphic>
+      </p:graphicFrame>
+      <p:sp>
+        <p:nvSpPr>
+          <p:cNvPr id="8" name="ZoneTexte 7"/>
+          <p:cNvSpPr txBox="1"/>
+          <p:nvPr/>
+        </p:nvSpPr>
+        <p:spPr>
+          <a:xfrm>
+            <a:off x="7359805" y="3748941"/>
+            <a:ext cx="746679" cy="369332"/>
+          </a:xfrm>
+          <a:prstGeom prst="rect">
+            <a:avLst/>
+          </a:prstGeom>
+          <a:noFill/>
+        </p:spPr>
+        <p:txBody>
+          <a:bodyPr wrap="none" rtlCol="0">
+            <a:spAutoFit/>
+          </a:bodyPr>
+          <a:lstStyle/>
+          <a:p>
+            <a:r>
+              <a:rPr lang="fr-FR" smtClean="0"/>
+              <a:t>Effets</a:t>
+            </a:r>
+            <a:endParaRPr lang="fr-FR"/>
+          </a:p>
+        </p:txBody>
+      </p:sp>
+      <p:sp>
+        <p:nvSpPr>
+          <p:cNvPr id="9" name="ZoneTexte 8"/>
+          <p:cNvSpPr txBox="1"/>
+          <p:nvPr/>
+        </p:nvSpPr>
+        <p:spPr>
+          <a:xfrm>
+            <a:off x="4322956" y="3748941"/>
+            <a:ext cx="746679" cy="369332"/>
+          </a:xfrm>
+          <a:prstGeom prst="rect">
+            <a:avLst/>
+          </a:prstGeom>
+          <a:noFill/>
+        </p:spPr>
+        <p:txBody>
+          <a:bodyPr wrap="none" rtlCol="0">
+            <a:spAutoFit/>
+          </a:bodyPr>
+          <a:lstStyle/>
+          <a:p>
+            <a:r>
+              <a:rPr lang="fr-FR" smtClean="0"/>
+              <a:t>Effets</a:t>
+            </a:r>
+            <a:endParaRPr lang="fr-FR"/>
+          </a:p>
+        </p:txBody>
+      </p:sp>
+      <p:sp>
+        <p:nvSpPr>
+          <p:cNvPr id="11" name="ZoneTexte 10"/>
+          <p:cNvSpPr txBox="1"/>
+          <p:nvPr/>
+        </p:nvSpPr>
+        <p:spPr>
+          <a:xfrm>
+            <a:off x="5744488" y="5085952"/>
+            <a:ext cx="985463" cy="369332"/>
+          </a:xfrm>
+          <a:prstGeom prst="rect">
+            <a:avLst/>
+          </a:prstGeom>
+          <a:noFill/>
+        </p:spPr>
+        <p:txBody>
+          <a:bodyPr wrap="none" rtlCol="0">
+            <a:spAutoFit/>
+          </a:bodyPr>
+          <a:lstStyle/>
+          <a:p>
+            <a:r>
+              <a:rPr lang="fr-FR" dirty="0" smtClean="0"/>
+              <a:t>Relation</a:t>
+            </a:r>
+            <a:endParaRPr lang="fr-FR" dirty="0"/>
+          </a:p>
+        </p:txBody>
+      </p:sp>
+      <p:sp>
+        <p:nvSpPr>
+          <p:cNvPr id="12" name="ZoneTexte 11"/>
+          <p:cNvSpPr txBox="1"/>
+          <p:nvPr/>
+        </p:nvSpPr>
+        <p:spPr>
+          <a:xfrm>
+            <a:off x="5838186" y="5909691"/>
+            <a:ext cx="782330" cy="369332"/>
+          </a:xfrm>
+          <a:prstGeom prst="rect">
+            <a:avLst/>
+          </a:prstGeom>
+          <a:noFill/>
+        </p:spPr>
+        <p:txBody>
+          <a:bodyPr wrap="none" rtlCol="0">
+            <a:spAutoFit/>
+          </a:bodyPr>
+          <a:lstStyle/>
+          <a:p>
+            <a:r>
+              <a:rPr lang="fr-FR" dirty="0" smtClean="0"/>
+              <a:t>Action</a:t>
+            </a:r>
+            <a:endParaRPr lang="fr-FR" dirty="0"/>
+          </a:p>
+        </p:txBody>
+      </p:sp>
+      <p:sp>
+        <p:nvSpPr>
+          <p:cNvPr id="17" name="Flèche vers le bas 16"/>
+          <p:cNvSpPr/>
+          <p:nvPr/>
+        </p:nvSpPr>
+        <p:spPr>
+          <a:xfrm>
+            <a:off x="6131960" y="5542277"/>
+            <a:ext cx="194782" cy="393240"/>
+          </a:xfrm>
+          <a:prstGeom prst="downArrow">
+            <a:avLst/>
+          </a:prstGeom>
+        </p:spPr>
+        <p:style>
+          <a:lnRef idx="2">
+            <a:schemeClr val="accent1">
+              <a:shade val="50000"/>
+            </a:schemeClr>
+          </a:lnRef>
+          <a:fillRef idx="1">
+            <a:schemeClr val="accent1"/>
+          </a:fillRef>
+          <a:effectRef idx="0">
+            <a:schemeClr val="accent1"/>
+          </a:effectRef>
+          <a:fontRef idx="minor">
+            <a:schemeClr val="lt1"/>
+          </a:fontRef>
+        </p:style>
+        <p:txBody>
+          <a:bodyPr rtlCol="0" anchor="ctr"/>
+          <a:lstStyle/>
+          <a:p>
+            <a:pPr algn="ctr"/>
+            <a:endParaRPr lang="fr-FR"/>
+          </a:p>
+        </p:txBody>
+      </p:sp>
+    </p:spTree>
+    <p:extLst>
+      <p:ext uri="{BB962C8B-B14F-4D97-AF65-F5344CB8AC3E}">
+        <p14:creationId xmlns:p14="http://schemas.microsoft.com/office/powerpoint/2010/main" val="1783768444"/>
+      </p:ext>
+    </p:extLst>
+  </p:cSld>
+  <p:clrMapOvr>
+    <a:masterClrMapping/>
+  </p:clrMapOvr>
+  <mc:AlternateContent xmlns:mc="http://schemas.openxmlformats.org/markup-compatibility/2006">
+    <mc:Choice xmlns:p14="http://schemas.microsoft.com/office/powerpoint/2010/main" Requires="p14">
+      <p:transition spd="med" p14:dur="700">
+        <p:fade/>
+      </p:transition>
+    </mc:Choice>
+    <mc:Fallback>
+      <p:transition spd="med">
+        <p:fade/>
+      </p:transition>
+    </mc:Fallback>
+  </mc:AlternateContent>
 </p:sld>
 </file>
 

--- a/Projet_SBC.pptx
+++ b/Projet_SBC.pptx
@@ -1146,6 +1146,13 @@
         </dgm:presLayoutVars>
       </dgm:prSet>
       <dgm:spPr/>
+      <dgm:t>
+        <a:bodyPr/>
+        <a:lstStyle/>
+        <a:p>
+          <a:endParaRPr lang="en-US"/>
+        </a:p>
+      </dgm:t>
     </dgm:pt>
     <dgm:pt modelId="{AD04E557-0C9E-9347-BD4B-D76D8634B57A}" type="pres">
       <dgm:prSet presAssocID="{1267D6F7-B115-6F4F-A3E3-9A6DD1C6573B}" presName="node" presStyleLbl="node1" presStyleIdx="0" presStyleCnt="3">
@@ -1154,6 +1161,13 @@
         </dgm:presLayoutVars>
       </dgm:prSet>
       <dgm:spPr/>
+      <dgm:t>
+        <a:bodyPr/>
+        <a:lstStyle/>
+        <a:p>
+          <a:endParaRPr lang="en-US"/>
+        </a:p>
+      </dgm:t>
     </dgm:pt>
     <dgm:pt modelId="{56CCE491-3EB6-7D4A-B464-83DE871235B0}" type="pres">
       <dgm:prSet presAssocID="{6792D084-D5FC-7648-823E-4922860E7C88}" presName="sibTrans" presStyleLbl="sibTrans2D1" presStyleIdx="0" presStyleCnt="3"/>
@@ -1162,10 +1176,24 @@
           <a:avLst/>
         </a:prstGeom>
       </dgm:spPr>
+      <dgm:t>
+        <a:bodyPr/>
+        <a:lstStyle/>
+        <a:p>
+          <a:endParaRPr lang="en-US"/>
+        </a:p>
+      </dgm:t>
     </dgm:pt>
     <dgm:pt modelId="{06FE85C3-7A0D-5042-AD51-CD835660F499}" type="pres">
       <dgm:prSet presAssocID="{6792D084-D5FC-7648-823E-4922860E7C88}" presName="connectorText" presStyleLbl="sibTrans2D1" presStyleIdx="0" presStyleCnt="3"/>
       <dgm:spPr/>
+      <dgm:t>
+        <a:bodyPr/>
+        <a:lstStyle/>
+        <a:p>
+          <a:endParaRPr lang="en-US"/>
+        </a:p>
+      </dgm:t>
     </dgm:pt>
     <dgm:pt modelId="{C5419A7C-CB9F-3C43-842E-E7948FD36EF4}" type="pres">
       <dgm:prSet presAssocID="{FF783A80-B512-C044-9167-71818F177986}" presName="node" presStyleLbl="node1" presStyleIdx="1" presStyleCnt="3" custRadScaleRad="120136" custRadScaleInc="-8417">
@@ -1174,6 +1202,13 @@
         </dgm:presLayoutVars>
       </dgm:prSet>
       <dgm:spPr/>
+      <dgm:t>
+        <a:bodyPr/>
+        <a:lstStyle/>
+        <a:p>
+          <a:endParaRPr lang="en-US"/>
+        </a:p>
+      </dgm:t>
     </dgm:pt>
     <dgm:pt modelId="{53820E69-2A3B-7843-8A6F-2BF547C1B7D1}" type="pres">
       <dgm:prSet presAssocID="{FC38C394-C95C-434D-8C19-34FAB0E01AA6}" presName="sibTrans" presStyleLbl="sibTrans2D1" presStyleIdx="1" presStyleCnt="3" custScaleY="205454"/>
@@ -1182,10 +1217,24 @@
           <a:avLst/>
         </a:prstGeom>
       </dgm:spPr>
+      <dgm:t>
+        <a:bodyPr/>
+        <a:lstStyle/>
+        <a:p>
+          <a:endParaRPr lang="en-US"/>
+        </a:p>
+      </dgm:t>
     </dgm:pt>
     <dgm:pt modelId="{11E49D95-28C5-3940-B982-ACB2059FDA6C}" type="pres">
       <dgm:prSet presAssocID="{FC38C394-C95C-434D-8C19-34FAB0E01AA6}" presName="connectorText" presStyleLbl="sibTrans2D1" presStyleIdx="1" presStyleCnt="3"/>
       <dgm:spPr/>
+      <dgm:t>
+        <a:bodyPr/>
+        <a:lstStyle/>
+        <a:p>
+          <a:endParaRPr lang="en-US"/>
+        </a:p>
+      </dgm:t>
     </dgm:pt>
     <dgm:pt modelId="{9C8F8F8D-7937-CA45-B588-ECE13ABD8C33}" type="pres">
       <dgm:prSet presAssocID="{FCF06048-9A2F-0548-BC0B-24A445EF8EC0}" presName="node" presStyleLbl="node1" presStyleIdx="2" presStyleCnt="3" custRadScaleRad="114054" custRadScaleInc="7294">
@@ -1194,6 +1243,13 @@
         </dgm:presLayoutVars>
       </dgm:prSet>
       <dgm:spPr/>
+      <dgm:t>
+        <a:bodyPr/>
+        <a:lstStyle/>
+        <a:p>
+          <a:endParaRPr lang="en-US"/>
+        </a:p>
+      </dgm:t>
     </dgm:pt>
     <dgm:pt modelId="{6FC15871-EBB1-714D-8C1F-3B78E1DC35AB}" type="pres">
       <dgm:prSet presAssocID="{C2978DCC-6D58-024C-82EE-EA63BE1FA310}" presName="sibTrans" presStyleLbl="sibTrans2D1" presStyleIdx="2" presStyleCnt="3"/>
@@ -1202,10 +1258,24 @@
           <a:avLst/>
         </a:prstGeom>
       </dgm:spPr>
+      <dgm:t>
+        <a:bodyPr/>
+        <a:lstStyle/>
+        <a:p>
+          <a:endParaRPr lang="en-US"/>
+        </a:p>
+      </dgm:t>
     </dgm:pt>
     <dgm:pt modelId="{14912E1C-A642-4243-9E13-33FD76E128C0}" type="pres">
       <dgm:prSet presAssocID="{C2978DCC-6D58-024C-82EE-EA63BE1FA310}" presName="connectorText" presStyleLbl="sibTrans2D1" presStyleIdx="2" presStyleCnt="3"/>
       <dgm:spPr/>
+      <dgm:t>
+        <a:bodyPr/>
+        <a:lstStyle/>
+        <a:p>
+          <a:endParaRPr lang="en-US"/>
+        </a:p>
+      </dgm:t>
     </dgm:pt>
   </dgm:ptLst>
   <dgm:cxnLst>
@@ -1288,12 +1358,12 @@
         </a:fontRef>
       </dsp:style>
       <dsp:txBody>
-        <a:bodyPr spcFirstLastPara="0" vert="horz" wrap="square" lIns="76200" tIns="76200" rIns="76200" bIns="76200" numCol="1" spcCol="1270" anchor="ctr" anchorCtr="0">
+        <a:bodyPr spcFirstLastPara="0" vert="horz" wrap="square" lIns="68580" tIns="68580" rIns="68580" bIns="68580" numCol="1" spcCol="1270" anchor="ctr" anchorCtr="0">
           <a:noAutofit/>
         </a:bodyPr>
         <a:lstStyle/>
         <a:p>
-          <a:pPr lvl="0" algn="ctr" defTabSz="889000">
+          <a:pPr lvl="0" algn="ctr" defTabSz="800100">
             <a:lnSpc>
               <a:spcPct val="90000"/>
             </a:lnSpc>
@@ -1305,10 +1375,10 @@
             </a:spcAft>
           </a:pPr>
           <a:r>
-            <a:rPr lang="fr-FR" sz="2000" kern="1200" dirty="0" smtClean="0"/>
+            <a:rPr lang="fr-FR" sz="1800" kern="1200" dirty="0" smtClean="0"/>
             <a:t>Maladies</a:t>
           </a:r>
-          <a:endParaRPr lang="fr-FR" sz="2000" kern="1200" dirty="0"/>
+          <a:endParaRPr lang="fr-FR" sz="1800" kern="1200" dirty="0"/>
         </a:p>
       </dsp:txBody>
       <dsp:txXfrm>
@@ -1395,7 +1465,7 @@
         </a:bodyPr>
         <a:lstStyle/>
         <a:p>
-          <a:pPr lvl="0" algn="ctr" defTabSz="622300">
+          <a:pPr lvl="0" algn="ctr" defTabSz="533400">
             <a:lnSpc>
               <a:spcPct val="90000"/>
             </a:lnSpc>
@@ -1406,7 +1476,7 @@
               <a:spcPct val="35000"/>
             </a:spcAft>
           </a:pPr>
-          <a:endParaRPr lang="fr-FR" sz="1400" kern="1200"/>
+          <a:endParaRPr lang="fr-FR" sz="1200" kern="1200"/>
         </a:p>
       </dsp:txBody>
       <dsp:txXfrm>
@@ -1452,12 +1522,12 @@
         </a:fontRef>
       </dsp:style>
       <dsp:txBody>
-        <a:bodyPr spcFirstLastPara="0" vert="horz" wrap="square" lIns="76200" tIns="76200" rIns="76200" bIns="76200" numCol="1" spcCol="1270" anchor="ctr" anchorCtr="0">
+        <a:bodyPr spcFirstLastPara="0" vert="horz" wrap="square" lIns="68580" tIns="68580" rIns="68580" bIns="68580" numCol="1" spcCol="1270" anchor="ctr" anchorCtr="0">
           <a:noAutofit/>
         </a:bodyPr>
         <a:lstStyle/>
         <a:p>
-          <a:pPr lvl="0" algn="ctr" defTabSz="889000">
+          <a:pPr lvl="0" algn="ctr" defTabSz="800100">
             <a:lnSpc>
               <a:spcPct val="90000"/>
             </a:lnSpc>
@@ -1469,10 +1539,10 @@
             </a:spcAft>
           </a:pPr>
           <a:r>
-            <a:rPr lang="fr-FR" sz="2000" kern="1200" dirty="0" smtClean="0"/>
+            <a:rPr lang="fr-FR" sz="1800" kern="1200" dirty="0" smtClean="0"/>
             <a:t>Médicaments</a:t>
           </a:r>
-          <a:endParaRPr lang="fr-FR" sz="2000" kern="1200" dirty="0"/>
+          <a:endParaRPr lang="fr-FR" sz="1800" kern="1200" dirty="0"/>
         </a:p>
       </dsp:txBody>
       <dsp:txXfrm>
@@ -1498,7 +1568,7 @@
             <a:gs pos="0">
               <a:schemeClr val="accent1">
                 <a:shade val="90000"/>
-                <a:hueOff val="4440"/>
+                <a:hueOff val="4443"/>
                 <a:satOff val="-168"/>
                 <a:lumOff val="10302"/>
                 <a:alphaOff val="0"/>
@@ -1510,7 +1580,7 @@
             <a:gs pos="50000">
               <a:schemeClr val="accent1">
                 <a:shade val="90000"/>
-                <a:hueOff val="4440"/>
+                <a:hueOff val="4443"/>
                 <a:satOff val="-168"/>
                 <a:lumOff val="10302"/>
                 <a:alphaOff val="0"/>
@@ -1522,7 +1592,7 @@
             <a:gs pos="100000">
               <a:schemeClr val="accent1">
                 <a:shade val="90000"/>
-                <a:hueOff val="4440"/>
+                <a:hueOff val="4443"/>
                 <a:satOff val="-168"/>
                 <a:lumOff val="10302"/>
                 <a:alphaOff val="0"/>
@@ -1559,7 +1629,7 @@
         </a:bodyPr>
         <a:lstStyle/>
         <a:p>
-          <a:pPr lvl="0" algn="ctr" defTabSz="711200">
+          <a:pPr lvl="0" algn="ctr" defTabSz="666750">
             <a:lnSpc>
               <a:spcPct val="90000"/>
             </a:lnSpc>
@@ -1570,7 +1640,7 @@
               <a:spcPct val="35000"/>
             </a:spcAft>
           </a:pPr>
-          <a:endParaRPr lang="fr-FR" sz="1600" kern="1200"/>
+          <a:endParaRPr lang="fr-FR" sz="1500" kern="1200"/>
         </a:p>
       </dsp:txBody>
       <dsp:txXfrm rot="10800000">
@@ -1616,12 +1686,12 @@
         </a:fontRef>
       </dsp:style>
       <dsp:txBody>
-        <a:bodyPr spcFirstLastPara="0" vert="horz" wrap="square" lIns="76200" tIns="76200" rIns="76200" bIns="76200" numCol="1" spcCol="1270" anchor="ctr" anchorCtr="0">
+        <a:bodyPr spcFirstLastPara="0" vert="horz" wrap="square" lIns="68580" tIns="68580" rIns="68580" bIns="68580" numCol="1" spcCol="1270" anchor="ctr" anchorCtr="0">
           <a:noAutofit/>
         </a:bodyPr>
         <a:lstStyle/>
         <a:p>
-          <a:pPr lvl="0" algn="ctr" defTabSz="889000">
+          <a:pPr lvl="0" algn="ctr" defTabSz="800100">
             <a:lnSpc>
               <a:spcPct val="90000"/>
             </a:lnSpc>
@@ -1633,10 +1703,10 @@
             </a:spcAft>
           </a:pPr>
           <a:r>
-            <a:rPr lang="fr-FR" sz="2000" kern="1200" dirty="0" smtClean="0"/>
+            <a:rPr lang="fr-FR" sz="1800" kern="1200" dirty="0" smtClean="0"/>
             <a:t>Gènes</a:t>
           </a:r>
-          <a:endParaRPr lang="fr-FR" sz="2000" kern="1200" dirty="0"/>
+          <a:endParaRPr lang="fr-FR" sz="1800" kern="1200" dirty="0"/>
         </a:p>
       </dsp:txBody>
       <dsp:txXfrm>
@@ -1662,7 +1732,7 @@
             <a:gs pos="0">
               <a:schemeClr val="accent1">
                 <a:shade val="90000"/>
-                <a:hueOff val="8880"/>
+                <a:hueOff val="8886"/>
                 <a:satOff val="-336"/>
                 <a:lumOff val="20604"/>
                 <a:alphaOff val="0"/>
@@ -1674,7 +1744,7 @@
             <a:gs pos="50000">
               <a:schemeClr val="accent1">
                 <a:shade val="90000"/>
-                <a:hueOff val="8880"/>
+                <a:hueOff val="8886"/>
                 <a:satOff val="-336"/>
                 <a:lumOff val="20604"/>
                 <a:alphaOff val="0"/>
@@ -1686,7 +1756,7 @@
             <a:gs pos="100000">
               <a:schemeClr val="accent1">
                 <a:shade val="90000"/>
-                <a:hueOff val="8880"/>
+                <a:hueOff val="8886"/>
                 <a:satOff val="-336"/>
                 <a:lumOff val="20604"/>
                 <a:alphaOff val="0"/>
@@ -1723,7 +1793,7 @@
         </a:bodyPr>
         <a:lstStyle/>
         <a:p>
-          <a:pPr lvl="0" algn="ctr" defTabSz="622300">
+          <a:pPr lvl="0" algn="ctr" defTabSz="533400">
             <a:lnSpc>
               <a:spcPct val="90000"/>
             </a:lnSpc>
@@ -1734,7 +1804,7 @@
               <a:spcPct val="35000"/>
             </a:spcAft>
           </a:pPr>
-          <a:endParaRPr lang="fr-FR" sz="1400" kern="1200"/>
+          <a:endParaRPr lang="fr-FR" sz="1200" kern="1200"/>
         </a:p>
       </dsp:txBody>
       <dsp:txXfrm>
@@ -3209,7 +3279,7 @@
           <a:p>
             <a:fld id="{CF559C05-A87C-F441-927D-D6E226742086}" type="slidenum">
               <a:rPr lang="fr-FR" smtClean="0"/>
-              <a:t>‹#›</a:t>
+              <a:t>‹N°›</a:t>
             </a:fld>
             <a:endParaRPr lang="fr-FR"/>
           </a:p>
@@ -3825,11 +3895,7 @@
           <a:p>
             <a:r>
               <a:rPr lang="fr-FR" dirty="0" smtClean="0"/>
-              <a:t>Les </a:t>
-            </a:r>
-            <a:r>
-              <a:rPr lang="fr-FR" dirty="0" smtClean="0"/>
-              <a:t>RBM sont g ́en ́</a:t>
+              <a:t>Les RBM sont g ́en ́</a:t>
             </a:r>
             <a:r>
               <a:rPr lang="fr-FR" dirty="0" err="1" smtClean="0"/>
@@ -4577,7 +4643,7 @@
             <a:fld id="{69E57DC2-970A-4B3E-BB1C-7A09969E49DF}" type="slidenum">
               <a:rPr lang="en-US" dirty="0"/>
               <a:pPr/>
-              <a:t>‹#›</a:t>
+              <a:t>‹N°›</a:t>
             </a:fld>
             <a:endParaRPr lang="en-US" dirty="0"/>
           </a:p>
@@ -4880,7 +4946,7 @@
           <a:p>
             <a:fld id="{69E57DC2-970A-4B3E-BB1C-7A09969E49DF}" type="slidenum">
               <a:rPr lang="en-US" dirty="0"/>
-              <a:t>‹#›</a:t>
+              <a:t>‹N°›</a:t>
             </a:fld>
             <a:endParaRPr lang="en-US" dirty="0"/>
           </a:p>
@@ -5059,7 +5125,7 @@
           <a:p>
             <a:fld id="{69E57DC2-970A-4B3E-BB1C-7A09969E49DF}" type="slidenum">
               <a:rPr lang="en-US" dirty="0"/>
-              <a:t>‹#›</a:t>
+              <a:t>‹N°›</a:t>
             </a:fld>
             <a:endParaRPr lang="en-US" dirty="0"/>
           </a:p>
@@ -5228,7 +5294,7 @@
           <a:p>
             <a:fld id="{69E57DC2-970A-4B3E-BB1C-7A09969E49DF}" type="slidenum">
               <a:rPr lang="en-US" dirty="0"/>
-              <a:t>‹#›</a:t>
+              <a:t>‹N°›</a:t>
             </a:fld>
             <a:endParaRPr lang="en-US" dirty="0"/>
           </a:p>
@@ -5531,7 +5597,7 @@
             <a:fld id="{69E57DC2-970A-4B3E-BB1C-7A09969E49DF}" type="slidenum">
               <a:rPr lang="en-US" dirty="0"/>
               <a:pPr/>
-              <a:t>‹#›</a:t>
+              <a:t>‹N°›</a:t>
             </a:fld>
             <a:endParaRPr lang="en-US" dirty="0"/>
           </a:p>
@@ -5898,7 +5964,7 @@
           <a:p>
             <a:fld id="{69E57DC2-970A-4B3E-BB1C-7A09969E49DF}" type="slidenum">
               <a:rPr lang="en-US" dirty="0"/>
-              <a:t>‹#›</a:t>
+              <a:t>‹N°›</a:t>
             </a:fld>
             <a:endParaRPr lang="en-US" dirty="0"/>
           </a:p>
@@ -6374,7 +6440,7 @@
           <a:p>
             <a:fld id="{69E57DC2-970A-4B3E-BB1C-7A09969E49DF}" type="slidenum">
               <a:rPr lang="en-US" dirty="0"/>
-              <a:t>‹#›</a:t>
+              <a:t>‹N°›</a:t>
             </a:fld>
             <a:endParaRPr lang="en-US" dirty="0"/>
           </a:p>
@@ -6491,7 +6557,7 @@
           <a:p>
             <a:fld id="{69E57DC2-970A-4B3E-BB1C-7A09969E49DF}" type="slidenum">
               <a:rPr lang="en-US" dirty="0"/>
-              <a:t>‹#›</a:t>
+              <a:t>‹N°›</a:t>
             </a:fld>
             <a:endParaRPr lang="en-US" dirty="0"/>
           </a:p>
@@ -6585,7 +6651,7 @@
           <a:p>
             <a:fld id="{69E57DC2-970A-4B3E-BB1C-7A09969E49DF}" type="slidenum">
               <a:rPr lang="en-US" dirty="0"/>
-              <a:t>‹#›</a:t>
+              <a:t>‹N°›</a:t>
             </a:fld>
             <a:endParaRPr lang="en-US" dirty="0"/>
           </a:p>
@@ -6957,7 +7023,7 @@
             <a:fld id="{69E57DC2-970A-4B3E-BB1C-7A09969E49DF}" type="slidenum">
               <a:rPr lang="en-US" dirty="0"/>
               <a:pPr/>
-              <a:t>‹#›</a:t>
+              <a:t>‹N°›</a:t>
             </a:fld>
             <a:endParaRPr lang="en-US" dirty="0"/>
           </a:p>
@@ -7345,7 +7411,7 @@
             <a:fld id="{69E57DC2-970A-4B3E-BB1C-7A09969E49DF}" type="slidenum">
               <a:rPr lang="en-US" dirty="0"/>
               <a:pPr/>
-              <a:t>‹#›</a:t>
+              <a:t>‹N°›</a:t>
             </a:fld>
             <a:endParaRPr lang="en-US" dirty="0"/>
           </a:p>
@@ -7629,7 +7695,7 @@
             <a:fld id="{69E57DC2-970A-4B3E-BB1C-7A09969E49DF}" type="slidenum">
               <a:rPr lang="en-US" dirty="0"/>
               <a:pPr/>
-              <a:t>‹#›</a:t>
+              <a:t>‹N°›</a:t>
             </a:fld>
             <a:endParaRPr lang="en-US" dirty="0"/>
           </a:p>
@@ -8163,11 +8229,7 @@
             </a:r>
             <a:r>
               <a:rPr lang="fr-FR" dirty="0" smtClean="0"/>
-              <a:t> </a:t>
-            </a:r>
-            <a:r>
-              <a:rPr lang="fr-FR" dirty="0" smtClean="0"/>
-              <a:t>Théophile Lambert</a:t>
+              <a:t> Théophile Lambert</a:t>
             </a:r>
             <a:endParaRPr lang="fr-FR" dirty="0"/>
           </a:p>
@@ -8183,13 +8245,13 @@
   <p:clrMapOvr>
     <a:masterClrMapping/>
   </p:clrMapOvr>
-  <mc:AlternateContent xmlns:mc="http://schemas.openxmlformats.org/markup-compatibility/2006">
-    <mc:Choice xmlns:p14="http://schemas.microsoft.com/office/powerpoint/2010/main" Requires="p14">
+  <mc:AlternateContent xmlns:mc="http://schemas.openxmlformats.org/markup-compatibility/2006" xmlns:p14="http://schemas.microsoft.com/office/powerpoint/2010/main">
+    <mc:Choice Requires="p14">
       <p:transition spd="med" p14:dur="700">
         <p:fade/>
       </p:transition>
     </mc:Choice>
-    <mc:Fallback>
+    <mc:Fallback xmlns="">
       <p:transition spd="med">
         <p:fade/>
       </p:transition>
@@ -8260,29 +8322,26 @@
           <a:bodyPr/>
           <a:lstStyle/>
           <a:p>
+            <a:endParaRPr lang="fr-FR" dirty="0" smtClean="0"/>
+          </a:p>
+          <a:p>
             <a:r>
               <a:rPr lang="fr-FR" dirty="0" smtClean="0"/>
-              <a:t>Recherche sur une nouvelle méthode d’apprentissage</a:t>
-            </a:r>
+              <a:t>Projet dense et varié</a:t>
+            </a:r>
+            <a:endParaRPr lang="fr-FR" dirty="0" smtClean="0"/>
           </a:p>
           <a:p>
             <a:r>
               <a:rPr lang="fr-FR" dirty="0" smtClean="0"/>
-              <a:t>Installation et création d’un serveur local avec </a:t>
-            </a:r>
-            <a:r>
-              <a:rPr lang="fr-FR" dirty="0" err="1" smtClean="0"/>
-              <a:t>Blazegraph</a:t>
-            </a:r>
-            <a:endParaRPr lang="fr-FR" dirty="0" smtClean="0"/>
+              <a:t>Mise en situation du module SBC et IA</a:t>
+            </a:r>
           </a:p>
           <a:p>
             <a:r>
               <a:rPr lang="fr-FR" dirty="0" smtClean="0"/>
-              <a:t>Projet intra-disciplinaire</a:t>
-            </a:r>
-          </a:p>
-          <a:p>
+              <a:t>Proposition de modélisation d’une solution suite aux recherches</a:t>
+            </a:r>
             <a:endParaRPr lang="fr-FR" dirty="0"/>
           </a:p>
         </p:txBody>
@@ -8367,13 +8426,13 @@
   <p:clrMapOvr>
     <a:masterClrMapping/>
   </p:clrMapOvr>
-  <mc:AlternateContent xmlns:mc="http://schemas.openxmlformats.org/markup-compatibility/2006">
-    <mc:Choice xmlns:p14="http://schemas.microsoft.com/office/powerpoint/2010/main" Requires="p14">
+  <mc:AlternateContent xmlns:mc="http://schemas.openxmlformats.org/markup-compatibility/2006" xmlns:p14="http://schemas.microsoft.com/office/powerpoint/2010/main">
+    <mc:Choice Requires="p14">
       <p:transition spd="med" p14:dur="700">
         <p:fade/>
       </p:transition>
     </mc:Choice>
-    <mc:Fallback>
+    <mc:Fallback xmlns="">
       <p:transition spd="med">
         <p:fade/>
       </p:transition>
@@ -8560,13 +8619,13 @@
   <p:clrMapOvr>
     <a:masterClrMapping/>
   </p:clrMapOvr>
-  <mc:AlternateContent xmlns:mc="http://schemas.openxmlformats.org/markup-compatibility/2006">
-    <mc:Choice xmlns:p14="http://schemas.microsoft.com/office/powerpoint/2010/main" Requires="p14">
+  <mc:AlternateContent xmlns:mc="http://schemas.openxmlformats.org/markup-compatibility/2006" xmlns:p14="http://schemas.microsoft.com/office/powerpoint/2010/main">
+    <mc:Choice Requires="p14">
       <p:transition spd="med" p14:dur="700">
         <p:fade/>
       </p:transition>
     </mc:Choice>
-    <mc:Fallback>
+    <mc:Fallback xmlns="">
       <p:transition spd="med">
         <p:fade/>
       </p:transition>
@@ -8616,11 +8675,7 @@
           <a:p>
             <a:r>
               <a:rPr lang="fr-FR" dirty="0" smtClean="0"/>
-              <a:t>Sources </a:t>
-            </a:r>
-            <a:r>
-              <a:rPr lang="fr-FR" dirty="0" smtClean="0"/>
-              <a:t>de lecture</a:t>
+              <a:t>Sources de lecture</a:t>
             </a:r>
             <a:endParaRPr lang="fr-FR" dirty="0"/>
           </a:p>
@@ -8740,11 +8795,7 @@
             </a:r>
             <a:r>
               <a:rPr lang="fr-FR" dirty="0" smtClean="0"/>
-              <a:t> Université de </a:t>
-            </a:r>
-            <a:r>
-              <a:rPr lang="fr-FR" dirty="0" smtClean="0"/>
-              <a:t>Toronto</a:t>
+              <a:t> Université de Toronto</a:t>
             </a:r>
           </a:p>
           <a:p>
@@ -8783,8 +8834,9 @@
             </a:pPr>
             <a:r>
               <a:rPr lang="fr-FR" dirty="0" smtClean="0"/>
-              <a:t>Librairies : </a:t>
-            </a:r>
+              <a:t>Librairie utilisée: </a:t>
+            </a:r>
+            <a:endParaRPr lang="fr-FR" dirty="0" smtClean="0"/>
           </a:p>
           <a:p>
             <a:pPr marL="0" lvl="0" indent="0">
@@ -8852,8 +8904,17 @@
             </a:pPr>
             <a:r>
               <a:rPr lang="fr-FR" dirty="0" smtClean="0"/>
-              <a:t>Client :</a:t>
-            </a:r>
+              <a:t>Client </a:t>
+            </a:r>
+            <a:r>
+              <a:rPr lang="fr-FR" dirty="0" err="1" smtClean="0"/>
+              <a:t>Blazegraph</a:t>
+            </a:r>
+            <a:r>
+              <a:rPr lang="fr-FR" dirty="0" smtClean="0"/>
+              <a:t> :</a:t>
+            </a:r>
+            <a:endParaRPr lang="fr-FR" dirty="0" smtClean="0"/>
           </a:p>
           <a:p>
             <a:pPr marL="0" lvl="0" indent="0">
@@ -9035,13 +9096,13 @@
   <p:clrMapOvr>
     <a:masterClrMapping/>
   </p:clrMapOvr>
-  <mc:AlternateContent xmlns:mc="http://schemas.openxmlformats.org/markup-compatibility/2006">
-    <mc:Choice xmlns:p14="http://schemas.microsoft.com/office/powerpoint/2010/main" Requires="p14">
+  <mc:AlternateContent xmlns:mc="http://schemas.openxmlformats.org/markup-compatibility/2006" xmlns:p14="http://schemas.microsoft.com/office/powerpoint/2010/main">
+    <mc:Choice Requires="p14">
       <p:transition spd="med" p14:dur="700">
         <p:fade/>
       </p:transition>
     </mc:Choice>
-    <mc:Fallback>
+    <mc:Fallback xmlns="">
       <p:transition spd="med">
         <p:fade/>
       </p:transition>
@@ -9134,11 +9195,7 @@
           <a:p>
             <a:r>
               <a:rPr lang="fr-FR" dirty="0" smtClean="0"/>
-              <a:t>Nos </a:t>
-            </a:r>
-            <a:r>
-              <a:rPr lang="fr-FR" dirty="0" smtClean="0"/>
-              <a:t>travaux</a:t>
+              <a:t>Nos travaux</a:t>
             </a:r>
           </a:p>
           <a:p>
@@ -9264,13 +9321,13 @@
   <p:clrMapOvr>
     <a:masterClrMapping/>
   </p:clrMapOvr>
-  <mc:AlternateContent xmlns:mc="http://schemas.openxmlformats.org/markup-compatibility/2006">
-    <mc:Choice xmlns:p14="http://schemas.microsoft.com/office/powerpoint/2010/main" Requires="p14">
+  <mc:AlternateContent xmlns:mc="http://schemas.openxmlformats.org/markup-compatibility/2006" xmlns:p14="http://schemas.microsoft.com/office/powerpoint/2010/main">
+    <mc:Choice Requires="p14">
       <p:transition spd="med" p14:dur="700">
         <p:fade/>
       </p:transition>
     </mc:Choice>
-    <mc:Fallback>
+    <mc:Fallback xmlns="">
       <p:transition spd="med">
         <p:fade/>
       </p:transition>
@@ -9352,19 +9409,7 @@
             </a:r>
             <a:r>
               <a:rPr lang="fr-FR" dirty="0" smtClean="0"/>
-              <a:t> : </a:t>
-            </a:r>
-            <a:r>
-              <a:rPr lang="fr-FR" dirty="0" smtClean="0"/>
-              <a:t>Prédire</a:t>
-            </a:r>
-            <a:r>
-              <a:rPr lang="fr-FR" dirty="0" smtClean="0"/>
-              <a:t> </a:t>
-            </a:r>
-            <a:r>
-              <a:rPr lang="fr-FR" dirty="0" smtClean="0"/>
-              <a:t>des liens entre les gènes et les effets des médicaments</a:t>
+              <a:t> : Prédire des liens entre les gènes et les effets des médicaments</a:t>
             </a:r>
           </a:p>
           <a:p>
@@ -9377,15 +9422,7 @@
             </a:r>
             <a:r>
               <a:rPr lang="fr-FR" dirty="0" smtClean="0"/>
-              <a:t> : 2,5 millions de </a:t>
-            </a:r>
-            <a:r>
-              <a:rPr lang="fr-FR" dirty="0" smtClean="0"/>
-              <a:t>triplets </a:t>
-            </a:r>
-            <a:r>
-              <a:rPr lang="fr-FR" dirty="0" smtClean="0"/>
-              <a:t>RDF</a:t>
+              <a:t> : 2,5 millions de triplets RDF</a:t>
             </a:r>
             <a:endParaRPr lang="fr-FR" dirty="0"/>
           </a:p>
@@ -9406,11 +9443,15 @@
             <a:pPr lvl="1"/>
             <a:r>
               <a:rPr lang="fr-FR" dirty="0" smtClean="0"/>
-              <a:t>Recherche sur la </a:t>
+              <a:t>Recherches </a:t>
             </a:r>
             <a:r>
               <a:rPr lang="fr-FR" dirty="0" smtClean="0"/>
-              <a:t>méthode RBM</a:t>
+              <a:t>sur la </a:t>
+            </a:r>
+            <a:r>
+              <a:rPr lang="fr-FR" dirty="0" smtClean="0"/>
+              <a:t>RBM</a:t>
             </a:r>
             <a:endParaRPr lang="fr-FR" dirty="0" smtClean="0"/>
           </a:p>
@@ -9432,7 +9473,6 @@
               <a:rPr lang="fr-FR" dirty="0" smtClean="0"/>
               <a:t>Librairie Python</a:t>
             </a:r>
-            <a:endParaRPr lang="fr-FR" dirty="0" smtClean="0"/>
           </a:p>
           <a:p>
             <a:pPr lvl="2"/>
@@ -9523,13 +9563,13 @@
   <p:clrMapOvr>
     <a:masterClrMapping/>
   </p:clrMapOvr>
-  <mc:AlternateContent xmlns:mc="http://schemas.openxmlformats.org/markup-compatibility/2006">
-    <mc:Choice xmlns:p14="http://schemas.microsoft.com/office/powerpoint/2010/main" Requires="p14">
+  <mc:AlternateContent xmlns:mc="http://schemas.openxmlformats.org/markup-compatibility/2006" xmlns:p14="http://schemas.microsoft.com/office/powerpoint/2010/main">
+    <mc:Choice Requires="p14">
       <p:transition spd="med" p14:dur="700">
         <p:fade/>
       </p:transition>
     </mc:Choice>
-    <mc:Fallback>
+    <mc:Fallback xmlns="">
       <p:transition spd="med">
         <p:fade/>
       </p:transition>
@@ -10190,7 +10230,6 @@
               <a:rPr lang="fr-FR" dirty="0" smtClean="0"/>
               <a:t>+ biais</a:t>
             </a:r>
-            <a:endParaRPr lang="fr-FR" dirty="0" smtClean="0"/>
           </a:p>
         </p:txBody>
       </p:sp>
@@ -10325,13 +10364,13 @@
   <p:clrMapOvr>
     <a:masterClrMapping/>
   </p:clrMapOvr>
-  <mc:AlternateContent xmlns:mc="http://schemas.openxmlformats.org/markup-compatibility/2006">
-    <mc:Choice xmlns:p14="http://schemas.microsoft.com/office/powerpoint/2010/main" Requires="p14">
+  <mc:AlternateContent xmlns:mc="http://schemas.openxmlformats.org/markup-compatibility/2006" xmlns:p14="http://schemas.microsoft.com/office/powerpoint/2010/main">
+    <mc:Choice Requires="p14">
       <p:transition spd="med" p14:dur="700">
         <p:fade/>
       </p:transition>
     </mc:Choice>
-    <mc:Fallback>
+    <mc:Fallback xmlns="">
       <p:transition spd="med">
         <p:fade/>
       </p:transition>
@@ -10547,13 +10586,13 @@
   <p:clrMapOvr>
     <a:masterClrMapping/>
   </p:clrMapOvr>
-  <mc:AlternateContent xmlns:mc="http://schemas.openxmlformats.org/markup-compatibility/2006">
-    <mc:Choice xmlns:p14="http://schemas.microsoft.com/office/powerpoint/2010/main" Requires="p14">
+  <mc:AlternateContent xmlns:mc="http://schemas.openxmlformats.org/markup-compatibility/2006" xmlns:p14="http://schemas.microsoft.com/office/powerpoint/2010/main">
+    <mc:Choice Requires="p14">
       <p:transition spd="med" p14:dur="700">
         <p:fade/>
       </p:transition>
     </mc:Choice>
-    <mc:Fallback>
+    <mc:Fallback xmlns="">
       <p:transition spd="med">
         <p:fade/>
       </p:transition>
@@ -10778,7 +10817,6 @@
               <a:rPr lang="fr-FR" dirty="0"/>
               <a:t>Oscar winners fan.</a:t>
             </a:r>
-            <a:endParaRPr lang="fr-FR" dirty="0"/>
           </a:p>
         </p:txBody>
       </p:sp>
@@ -10792,13 +10830,13 @@
   <p:clrMapOvr>
     <a:masterClrMapping/>
   </p:clrMapOvr>
-  <mc:AlternateContent xmlns:mc="http://schemas.openxmlformats.org/markup-compatibility/2006">
-    <mc:Choice xmlns:p14="http://schemas.microsoft.com/office/powerpoint/2010/main" Requires="p14">
+  <mc:AlternateContent xmlns:mc="http://schemas.openxmlformats.org/markup-compatibility/2006" xmlns:p14="http://schemas.microsoft.com/office/powerpoint/2010/main">
+    <mc:Choice Requires="p14">
       <p:transition spd="med" p14:dur="700">
         <p:fade/>
       </p:transition>
     </mc:Choice>
-    <mc:Fallback>
+    <mc:Fallback xmlns="">
       <p:transition spd="med">
         <p:fade/>
       </p:transition>
@@ -10995,13 +11033,13 @@
   <p:clrMapOvr>
     <a:masterClrMapping/>
   </p:clrMapOvr>
-  <mc:AlternateContent xmlns:mc="http://schemas.openxmlformats.org/markup-compatibility/2006">
-    <mc:Choice xmlns:p14="http://schemas.microsoft.com/office/powerpoint/2010/main" Requires="p14">
+  <mc:AlternateContent xmlns:mc="http://schemas.openxmlformats.org/markup-compatibility/2006" xmlns:p14="http://schemas.microsoft.com/office/powerpoint/2010/main">
+    <mc:Choice Requires="p14">
       <p:transition spd="med" p14:dur="700">
         <p:fade/>
       </p:transition>
     </mc:Choice>
-    <mc:Fallback>
+    <mc:Fallback xmlns="">
       <p:transition spd="med">
         <p:fade/>
       </p:transition>
@@ -11211,7 +11249,19 @@
           <a:p>
             <a:r>
               <a:rPr lang="fr-FR" dirty="0" smtClean="0"/>
-              <a:t>Recherche sur les RBM</a:t>
+              <a:t>Recherches </a:t>
+            </a:r>
+            <a:r>
+              <a:rPr lang="fr-FR" dirty="0" smtClean="0"/>
+              <a:t>sur </a:t>
+            </a:r>
+            <a:r>
+              <a:rPr lang="fr-FR" dirty="0" smtClean="0"/>
+              <a:t>les </a:t>
+            </a:r>
+            <a:r>
+              <a:rPr lang="fr-FR" dirty="0" smtClean="0"/>
+              <a:t>RBM</a:t>
             </a:r>
           </a:p>
           <a:p>
@@ -11239,13 +11289,13 @@
   <p:clrMapOvr>
     <a:masterClrMapping/>
   </p:clrMapOvr>
-  <mc:AlternateContent xmlns:mc="http://schemas.openxmlformats.org/markup-compatibility/2006">
-    <mc:Choice xmlns:p14="http://schemas.microsoft.com/office/powerpoint/2010/main" Requires="p14">
+  <mc:AlternateContent xmlns:mc="http://schemas.openxmlformats.org/markup-compatibility/2006" xmlns:p14="http://schemas.microsoft.com/office/powerpoint/2010/main">
+    <mc:Choice Requires="p14">
       <p:transition spd="med" p14:dur="700">
         <p:fade/>
       </p:transition>
     </mc:Choice>
-    <mc:Fallback>
+    <mc:Fallback xmlns="">
       <p:transition spd="med">
         <p:fade/>
       </p:transition>
@@ -11597,18 +11647,25 @@
   <p:clrMapOvr>
     <a:masterClrMapping/>
   </p:clrMapOvr>
-  <mc:AlternateContent xmlns:mc="http://schemas.openxmlformats.org/markup-compatibility/2006">
-    <mc:Choice xmlns:p14="http://schemas.microsoft.com/office/powerpoint/2010/main" Requires="p14">
+  <mc:AlternateContent xmlns:mc="http://schemas.openxmlformats.org/markup-compatibility/2006" xmlns:p14="http://schemas.microsoft.com/office/powerpoint/2010/main">
+    <mc:Choice Requires="p14">
       <p:transition spd="med" p14:dur="700">
         <p:fade/>
       </p:transition>
     </mc:Choice>
-    <mc:Fallback>
+    <mc:Fallback xmlns="">
       <p:transition spd="med">
         <p:fade/>
       </p:transition>
     </mc:Fallback>
   </mc:AlternateContent>
+  <p:timing>
+    <p:tnLst>
+      <p:par>
+        <p:cTn id="1" dur="indefinite" restart="never" nodeType="tmRoot"/>
+      </p:par>
+    </p:tnLst>
+  </p:timing>
 </p:sld>
 </file>
 

--- a/Projet_SBC.pptx
+++ b/Projet_SBC.pptx
@@ -4568,7 +4568,7 @@
             </a:lvl1pPr>
           </a:lstStyle>
           <a:p>
-            <a:fld id="{1C4F65FC-FBD5-4A45-9B2C-ED94E561F496}" type="datetime1">
+            <a:fld id="{D12FBEDB-9749-44E0-ABDA-AFA1E2B0809F}" type="datetime1">
               <a:rPr lang="fr-FR" smtClean="0"/>
               <a:t>15/03/2017</a:t>
             </a:fld>
@@ -4605,8 +4605,8 @@
           </a:lstStyle>
           <a:p>
             <a:r>
-              <a:rPr lang="en-US" smtClean="0"/>
-              <a:t>Projet Système à Base de Connaissance - 2017</a:t>
+              <a:rPr lang="fr-FR" smtClean="0"/>
+              <a:t>Projet Système à Base de Connaissances - 2017</a:t>
             </a:r>
             <a:endParaRPr lang="en-US" dirty="0"/>
           </a:p>
@@ -4898,7 +4898,7 @@
           <a:bodyPr/>
           <a:lstStyle/>
           <a:p>
-            <a:fld id="{B1912589-C01A-A841-A5CA-C95744636C98}" type="datetime1">
+            <a:fld id="{54DBCAE7-A08A-40AC-B04C-3CDFF1255CBE}" type="datetime1">
               <a:rPr lang="fr-FR" smtClean="0"/>
               <a:t>15/03/2017</a:t>
             </a:fld>
@@ -4922,8 +4922,8 @@
           <a:lstStyle/>
           <a:p>
             <a:r>
-              <a:rPr lang="en-US" smtClean="0"/>
-              <a:t>Projet Système à Base de Connaissance - 2017</a:t>
+              <a:rPr lang="fr-FR" smtClean="0"/>
+              <a:t>Projet Système à Base de Connaissances - 2017</a:t>
             </a:r>
             <a:endParaRPr lang="en-US" dirty="0"/>
           </a:p>
@@ -5077,7 +5077,7 @@
           <a:bodyPr/>
           <a:lstStyle/>
           <a:p>
-            <a:fld id="{92E90604-7615-614A-B435-4738D95F9EE8}" type="datetime1">
+            <a:fld id="{C153F614-B6CF-4073-B453-7880AC4AED7E}" type="datetime1">
               <a:rPr lang="fr-FR" smtClean="0"/>
               <a:t>15/03/2017</a:t>
             </a:fld>
@@ -5101,8 +5101,8 @@
           <a:lstStyle/>
           <a:p>
             <a:r>
-              <a:rPr lang="en-US" smtClean="0"/>
-              <a:t>Projet Système à Base de Connaissance - 2017</a:t>
+              <a:rPr lang="fr-FR" smtClean="0"/>
+              <a:t>Projet Système à Base de Connaissances - 2017</a:t>
             </a:r>
             <a:endParaRPr lang="en-US" dirty="0"/>
           </a:p>
@@ -5246,7 +5246,7 @@
           <a:bodyPr/>
           <a:lstStyle/>
           <a:p>
-            <a:fld id="{CF039C75-7D78-BA4B-8813-2D75045743F0}" type="datetime1">
+            <a:fld id="{E20A6F7A-6CA4-4AAC-B75A-67EABD325D75}" type="datetime1">
               <a:rPr lang="fr-FR" smtClean="0"/>
               <a:t>15/03/2017</a:t>
             </a:fld>
@@ -5270,8 +5270,8 @@
           <a:lstStyle/>
           <a:p>
             <a:r>
-              <a:rPr lang="en-US" smtClean="0"/>
-              <a:t>Projet Système à Base de Connaissance - 2017</a:t>
+              <a:rPr lang="fr-FR" smtClean="0"/>
+              <a:t>Projet Système à Base de Connaissances - 2017</a:t>
             </a:r>
             <a:endParaRPr lang="en-US" dirty="0"/>
           </a:p>
@@ -5522,7 +5522,7 @@
             </a:lvl1pPr>
           </a:lstStyle>
           <a:p>
-            <a:fld id="{167CF20B-E998-F849-A047-AD56EFC6BDD2}" type="datetime1">
+            <a:fld id="{E323C765-FC36-4D61-827B-73FB152C701D}" type="datetime1">
               <a:rPr lang="fr-FR" smtClean="0"/>
               <a:t>15/03/2017</a:t>
             </a:fld>
@@ -5559,8 +5559,8 @@
           </a:lstStyle>
           <a:p>
             <a:r>
-              <a:rPr lang="en-US" smtClean="0"/>
-              <a:t>Projet Système à Base de Connaissance - 2017</a:t>
+              <a:rPr lang="fr-FR" smtClean="0"/>
+              <a:t>Projet Système à Base de Connaissances - 2017</a:t>
             </a:r>
             <a:endParaRPr lang="en-US" dirty="0"/>
           </a:p>
@@ -5916,7 +5916,7 @@
           <a:bodyPr/>
           <a:lstStyle/>
           <a:p>
-            <a:fld id="{FB02247F-739F-9B42-AEEE-268800D21F88}" type="datetime1">
+            <a:fld id="{C6F66E8F-9FC1-4817-A21F-D096C3283BD4}" type="datetime1">
               <a:rPr lang="fr-FR" smtClean="0"/>
               <a:t>15/03/2017</a:t>
             </a:fld>
@@ -5940,8 +5940,8 @@
           <a:lstStyle/>
           <a:p>
             <a:r>
-              <a:rPr lang="en-US" smtClean="0"/>
-              <a:t>Projet Système à Base de Connaissance - 2017</a:t>
+              <a:rPr lang="fr-FR" smtClean="0"/>
+              <a:t>Projet Système à Base de Connaissances - 2017</a:t>
             </a:r>
             <a:endParaRPr lang="en-US" dirty="0"/>
           </a:p>
@@ -6392,7 +6392,7 @@
           <a:bodyPr/>
           <a:lstStyle/>
           <a:p>
-            <a:fld id="{D86547FC-700A-E94A-80DD-FD7CC83ADB65}" type="datetime1">
+            <a:fld id="{93A1C1F4-0376-4CB9-99A7-C6E7C4D3B618}" type="datetime1">
               <a:rPr lang="fr-FR" smtClean="0"/>
               <a:t>15/03/2017</a:t>
             </a:fld>
@@ -6416,8 +6416,8 @@
           <a:lstStyle/>
           <a:p>
             <a:r>
-              <a:rPr lang="en-US" smtClean="0"/>
-              <a:t>Projet Système à Base de Connaissance - 2017</a:t>
+              <a:rPr lang="fr-FR" smtClean="0"/>
+              <a:t>Projet Système à Base de Connaissances - 2017</a:t>
             </a:r>
             <a:endParaRPr lang="en-US" dirty="0"/>
           </a:p>
@@ -6509,7 +6509,7 @@
           <a:bodyPr/>
           <a:lstStyle/>
           <a:p>
-            <a:fld id="{6A6923DE-AC77-DB43-895E-3CE8962BC8C2}" type="datetime1">
+            <a:fld id="{57973D4A-312D-4AC8-BF65-310C23EF4CD3}" type="datetime1">
               <a:rPr lang="fr-FR" smtClean="0"/>
               <a:t>15/03/2017</a:t>
             </a:fld>
@@ -6533,8 +6533,8 @@
           <a:lstStyle/>
           <a:p>
             <a:r>
-              <a:rPr lang="en-US" smtClean="0"/>
-              <a:t>Projet Système à Base de Connaissance - 2017</a:t>
+              <a:rPr lang="fr-FR" smtClean="0"/>
+              <a:t>Projet Système à Base de Connaissances - 2017</a:t>
             </a:r>
             <a:endParaRPr lang="en-US" dirty="0"/>
           </a:p>
@@ -6603,7 +6603,7 @@
           <a:bodyPr/>
           <a:lstStyle/>
           <a:p>
-            <a:fld id="{7F015093-6829-2E4C-BFAC-88DB2A6DF9E1}" type="datetime1">
+            <a:fld id="{FAE798A8-8B09-4C19-9093-10FF0C3989C0}" type="datetime1">
               <a:rPr lang="fr-FR" smtClean="0"/>
               <a:t>15/03/2017</a:t>
             </a:fld>
@@ -6627,8 +6627,8 @@
           <a:lstStyle/>
           <a:p>
             <a:r>
-              <a:rPr lang="en-US" smtClean="0"/>
-              <a:t>Projet Système à Base de Connaissance - 2017</a:t>
+              <a:rPr lang="fr-FR" smtClean="0"/>
+              <a:t>Projet Système à Base de Connaissances - 2017</a:t>
             </a:r>
             <a:endParaRPr lang="en-US" dirty="0"/>
           </a:p>
@@ -6948,7 +6948,7 @@
             </a:lvl1pPr>
           </a:lstStyle>
           <a:p>
-            <a:fld id="{36604A9D-7004-D846-8985-0777EB138BDB}" type="datetime1">
+            <a:fld id="{AEFED1AB-003F-46E6-B32E-F542A7E217B3}" type="datetime1">
               <a:rPr lang="fr-FR" smtClean="0"/>
               <a:t>15/03/2017</a:t>
             </a:fld>
@@ -6985,8 +6985,8 @@
           </a:lstStyle>
           <a:p>
             <a:r>
-              <a:rPr lang="en-US" smtClean="0"/>
-              <a:t>Projet Système à Base de Connaissance - 2017</a:t>
+              <a:rPr lang="fr-FR" smtClean="0"/>
+              <a:t>Projet Système à Base de Connaissances - 2017</a:t>
             </a:r>
             <a:endParaRPr lang="en-US" dirty="0"/>
           </a:p>
@@ -7336,7 +7336,7 @@
             </a:lvl1pPr>
           </a:lstStyle>
           <a:p>
-            <a:fld id="{BEF65131-66BA-1142-BC55-A3B5387B9AF2}" type="datetime1">
+            <a:fld id="{B6F24154-67F0-49A9-A40E-2902778A588B}" type="datetime1">
               <a:rPr lang="fr-FR" smtClean="0"/>
               <a:t>15/03/2017</a:t>
             </a:fld>
@@ -7373,8 +7373,8 @@
           </a:lstStyle>
           <a:p>
             <a:r>
-              <a:rPr lang="en-US" smtClean="0"/>
-              <a:t>Projet Système à Base de Connaissance - 2017</a:t>
+              <a:rPr lang="fr-FR" smtClean="0"/>
+              <a:t>Projet Système à Base de Connaissances - 2017</a:t>
             </a:r>
             <a:endParaRPr lang="en-US" dirty="0"/>
           </a:p>
@@ -7614,7 +7614,7 @@
             </a:lvl1pPr>
           </a:lstStyle>
           <a:p>
-            <a:fld id="{1595C94F-ED9A-5A4A-81E2-31251D940700}" type="datetime1">
+            <a:fld id="{030DF859-F098-43DC-AF10-E64154277CF8}" type="datetime1">
               <a:rPr lang="fr-FR" smtClean="0"/>
               <a:t>15/03/2017</a:t>
             </a:fld>
@@ -7654,8 +7654,8 @@
           </a:lstStyle>
           <a:p>
             <a:r>
-              <a:rPr lang="en-US" smtClean="0"/>
-              <a:t>Projet Système à Base de Connaissance - 2017</a:t>
+              <a:rPr lang="fr-FR" smtClean="0"/>
+              <a:t>Projet Système à Base de Connaissances - 2017</a:t>
             </a:r>
             <a:endParaRPr lang="en-US" dirty="0"/>
           </a:p>
@@ -8329,7 +8329,6 @@
               <a:rPr lang="fr-FR" dirty="0" smtClean="0"/>
               <a:t>Projet dense et varié</a:t>
             </a:r>
-            <a:endParaRPr lang="fr-FR" dirty="0" smtClean="0"/>
           </a:p>
           <a:p>
             <a:r>
@@ -8361,7 +8360,7 @@
           <a:bodyPr/>
           <a:lstStyle/>
           <a:p>
-            <a:fld id="{0E09EBE9-D78D-6148-BF1A-099D0D63F715}" type="datetime1">
+            <a:fld id="{A8C2AC68-B39C-4BCF-8665-64990E78CB76}" type="datetime1">
               <a:rPr lang="fr-FR" smtClean="0"/>
               <a:t>15/03/2017</a:t>
             </a:fld>
@@ -8386,8 +8385,8 @@
           <a:p>
             <a:pPr algn="ctr"/>
             <a:r>
-              <a:rPr lang="en-US" smtClean="0"/>
-              <a:t>Projet Système à Base de Connaissance - 2017</a:t>
+              <a:rPr lang="fr-FR" smtClean="0"/>
+              <a:t>Projet Système à Base de Connaissances - 2017</a:t>
             </a:r>
             <a:endParaRPr lang="en-US" dirty="0"/>
           </a:p>
@@ -8508,7 +8507,7 @@
           <a:bodyPr/>
           <a:lstStyle/>
           <a:p>
-            <a:fld id="{08C09134-D069-6D44-B753-D53DD2C1F1C1}" type="datetime1">
+            <a:fld id="{658F4DCA-26A5-4068-9034-FB9809D7C50F}" type="datetime1">
               <a:rPr lang="fr-FR" smtClean="0"/>
               <a:t>15/03/2017</a:t>
             </a:fld>
@@ -8532,8 +8531,8 @@
           <a:lstStyle/>
           <a:p>
             <a:r>
-              <a:rPr lang="en-US" smtClean="0"/>
-              <a:t>Projet Système à Base de Connaissance - 2017</a:t>
+              <a:rPr lang="fr-FR" smtClean="0"/>
+              <a:t>Projet Système à Base de Connaissances - 2017</a:t>
             </a:r>
             <a:endParaRPr lang="en-US" dirty="0"/>
           </a:p>
@@ -8836,7 +8835,6 @@
               <a:rPr lang="fr-FR" dirty="0" smtClean="0"/>
               <a:t>Librairie utilisée: </a:t>
             </a:r>
-            <a:endParaRPr lang="fr-FR" dirty="0" smtClean="0"/>
           </a:p>
           <a:p>
             <a:pPr marL="0" lvl="0" indent="0">
@@ -8914,7 +8912,6 @@
               <a:rPr lang="fr-FR" dirty="0" smtClean="0"/>
               <a:t> :</a:t>
             </a:r>
-            <a:endParaRPr lang="fr-FR" dirty="0" smtClean="0"/>
           </a:p>
           <a:p>
             <a:pPr marL="0" lvl="0" indent="0">
@@ -9003,7 +9000,7 @@
           <a:bodyPr/>
           <a:lstStyle/>
           <a:p>
-            <a:fld id="{CF039C75-7D78-BA4B-8813-2D75045743F0}" type="datetime1">
+            <a:fld id="{77469351-A1DB-431E-863E-A8EF9CFD5CDC}" type="datetime1">
               <a:rPr lang="fr-FR" smtClean="0"/>
               <a:t>15/03/2017</a:t>
             </a:fld>
@@ -9028,36 +9025,8 @@
           <a:p>
             <a:pPr algn="ctr"/>
             <a:r>
-              <a:rPr lang="en-US" dirty="0" err="1" smtClean="0"/>
-              <a:t>Projet</a:t>
-            </a:r>
-            <a:r>
-              <a:rPr lang="en-US" dirty="0" smtClean="0"/>
-              <a:t> </a:t>
-            </a:r>
-            <a:r>
-              <a:rPr lang="en-US" dirty="0" err="1" smtClean="0"/>
-              <a:t>Système</a:t>
-            </a:r>
-            <a:r>
-              <a:rPr lang="en-US" dirty="0" smtClean="0"/>
-              <a:t> </a:t>
-            </a:r>
-            <a:r>
-              <a:rPr lang="en-US" dirty="0" err="1" smtClean="0"/>
-              <a:t>à</a:t>
-            </a:r>
-            <a:r>
-              <a:rPr lang="en-US" dirty="0" smtClean="0"/>
-              <a:t> Base de </a:t>
-            </a:r>
-            <a:r>
-              <a:rPr lang="en-US" dirty="0" err="1" smtClean="0"/>
-              <a:t>Connaissance</a:t>
-            </a:r>
-            <a:r>
-              <a:rPr lang="en-US" dirty="0" smtClean="0"/>
-              <a:t> - 2017</a:t>
+              <a:rPr lang="fr-FR" smtClean="0"/>
+              <a:t>Projet Système à Base de Connaissances - 2017</a:t>
             </a:r>
             <a:endParaRPr lang="en-US" dirty="0"/>
           </a:p>
@@ -9228,7 +9197,7 @@
           <a:bodyPr/>
           <a:lstStyle/>
           <a:p>
-            <a:fld id="{4CFA16B2-7876-244C-A60E-7C6F11578E61}" type="datetime1">
+            <a:fld id="{0DD91087-C063-4191-8362-A0ADAEC01DD0}" type="datetime1">
               <a:rPr lang="fr-FR" smtClean="0"/>
               <a:t>15/03/2017</a:t>
             </a:fld>
@@ -9253,36 +9222,8 @@
           <a:p>
             <a:pPr algn="ctr"/>
             <a:r>
-              <a:rPr lang="en-US" dirty="0" err="1" smtClean="0"/>
-              <a:t>Projet</a:t>
-            </a:r>
-            <a:r>
-              <a:rPr lang="en-US" dirty="0" smtClean="0"/>
-              <a:t> </a:t>
-            </a:r>
-            <a:r>
-              <a:rPr lang="en-US" dirty="0" err="1" smtClean="0"/>
-              <a:t>Système</a:t>
-            </a:r>
-            <a:r>
-              <a:rPr lang="en-US" dirty="0" smtClean="0"/>
-              <a:t> </a:t>
-            </a:r>
-            <a:r>
-              <a:rPr lang="en-US" dirty="0" err="1" smtClean="0"/>
-              <a:t>à</a:t>
-            </a:r>
-            <a:r>
-              <a:rPr lang="en-US" dirty="0" smtClean="0"/>
-              <a:t> Base de </a:t>
-            </a:r>
-            <a:r>
-              <a:rPr lang="en-US" dirty="0" err="1" smtClean="0"/>
-              <a:t>Connaissance</a:t>
-            </a:r>
-            <a:r>
-              <a:rPr lang="en-US" dirty="0" smtClean="0"/>
-              <a:t> - 2017</a:t>
+              <a:rPr lang="fr-FR" smtClean="0"/>
+              <a:t>Projet Système à Base de Connaissances - 2017</a:t>
             </a:r>
             <a:endParaRPr lang="en-US" dirty="0"/>
           </a:p>
@@ -9443,17 +9384,8 @@
             <a:pPr lvl="1"/>
             <a:r>
               <a:rPr lang="fr-FR" dirty="0" smtClean="0"/>
-              <a:t>Recherches </a:t>
-            </a:r>
-            <a:r>
-              <a:rPr lang="fr-FR" dirty="0" smtClean="0"/>
-              <a:t>sur la </a:t>
-            </a:r>
-            <a:r>
-              <a:rPr lang="fr-FR" dirty="0" smtClean="0"/>
-              <a:t>RBM</a:t>
-            </a:r>
-            <a:endParaRPr lang="fr-FR" dirty="0" smtClean="0"/>
+              <a:t>Recherches sur la RBM</a:t>
+            </a:r>
           </a:p>
           <a:p>
             <a:pPr lvl="1"/>
@@ -9498,7 +9430,7 @@
           <a:bodyPr/>
           <a:lstStyle/>
           <a:p>
-            <a:fld id="{AFBA22BE-EAA2-3247-B700-BAB43E4A8895}" type="datetime1">
+            <a:fld id="{22370B38-FC3A-40E5-B570-31C30983D3DC}" type="datetime1">
               <a:rPr lang="fr-FR" smtClean="0"/>
               <a:t>15/03/2017</a:t>
             </a:fld>
@@ -9523,8 +9455,8 @@
           <a:p>
             <a:pPr algn="ctr"/>
             <a:r>
-              <a:rPr lang="en-US" smtClean="0"/>
-              <a:t>Projet Système à Base de Connaissance - 2017</a:t>
+              <a:rPr lang="fr-FR" smtClean="0"/>
+              <a:t>Projet Système à Base de Connaissances - 2017</a:t>
             </a:r>
             <a:endParaRPr lang="en-US" dirty="0"/>
           </a:p>
@@ -9693,7 +9625,7 @@
           <a:bodyPr/>
           <a:lstStyle/>
           <a:p>
-            <a:fld id="{26EFB730-0993-B94D-998F-7091EAD05D6C}" type="datetime1">
+            <a:fld id="{7D2C5A2E-A7E8-4C65-A372-26F28263FCB6}" type="datetime1">
               <a:rPr lang="fr-FR" smtClean="0"/>
               <a:t>15/03/2017</a:t>
             </a:fld>
@@ -9718,36 +9650,8 @@
           <a:p>
             <a:pPr algn="ctr"/>
             <a:r>
-              <a:rPr lang="en-US" dirty="0" err="1" smtClean="0"/>
-              <a:t>Projet</a:t>
-            </a:r>
-            <a:r>
-              <a:rPr lang="en-US" dirty="0" smtClean="0"/>
-              <a:t> </a:t>
-            </a:r>
-            <a:r>
-              <a:rPr lang="en-US" dirty="0" err="1" smtClean="0"/>
-              <a:t>Système</a:t>
-            </a:r>
-            <a:r>
-              <a:rPr lang="en-US" dirty="0" smtClean="0"/>
-              <a:t> </a:t>
-            </a:r>
-            <a:r>
-              <a:rPr lang="en-US" dirty="0" err="1" smtClean="0"/>
-              <a:t>à</a:t>
-            </a:r>
-            <a:r>
-              <a:rPr lang="en-US" dirty="0" smtClean="0"/>
-              <a:t> Base de </a:t>
-            </a:r>
-            <a:r>
-              <a:rPr lang="en-US" dirty="0" err="1" smtClean="0"/>
-              <a:t>Connaissance</a:t>
-            </a:r>
-            <a:r>
-              <a:rPr lang="en-US" dirty="0" smtClean="0"/>
-              <a:t> - 2017</a:t>
+              <a:rPr lang="fr-FR" smtClean="0"/>
+              <a:t>Projet Système à Base de Connaissances - 2017</a:t>
             </a:r>
             <a:endParaRPr lang="en-US" dirty="0"/>
           </a:p>
@@ -10493,7 +10397,7 @@
           <a:bodyPr/>
           <a:lstStyle/>
           <a:p>
-            <a:fld id="{CF039C75-7D78-BA4B-8813-2D75045743F0}" type="datetime1">
+            <a:fld id="{6B68CAAC-4DCC-4BB8-BFE4-79615BC715B9}" type="datetime1">
               <a:rPr lang="fr-FR" smtClean="0"/>
               <a:t>15/03/2017</a:t>
             </a:fld>
@@ -10518,36 +10422,8 @@
           <a:p>
             <a:pPr algn="ctr"/>
             <a:r>
-              <a:rPr lang="en-US" dirty="0" err="1" smtClean="0"/>
-              <a:t>Projet</a:t>
-            </a:r>
-            <a:r>
-              <a:rPr lang="en-US" dirty="0" smtClean="0"/>
-              <a:t> </a:t>
-            </a:r>
-            <a:r>
-              <a:rPr lang="en-US" dirty="0" err="1" smtClean="0"/>
-              <a:t>Système</a:t>
-            </a:r>
-            <a:r>
-              <a:rPr lang="en-US" dirty="0" smtClean="0"/>
-              <a:t> </a:t>
-            </a:r>
-            <a:r>
-              <a:rPr lang="en-US" dirty="0" err="1" smtClean="0"/>
-              <a:t>à</a:t>
-            </a:r>
-            <a:r>
-              <a:rPr lang="en-US" dirty="0" smtClean="0"/>
-              <a:t> Base de </a:t>
-            </a:r>
-            <a:r>
-              <a:rPr lang="en-US" dirty="0" err="1" smtClean="0"/>
-              <a:t>Connaissance</a:t>
-            </a:r>
-            <a:r>
-              <a:rPr lang="en-US" dirty="0" smtClean="0"/>
-              <a:t> - 2017</a:t>
+              <a:rPr lang="fr-FR" smtClean="0"/>
+              <a:t>Projet Système à Base de Connaissances - 2017</a:t>
             </a:r>
             <a:endParaRPr lang="en-US" dirty="0"/>
           </a:p>
@@ -10699,7 +10575,7 @@
           <a:bodyPr/>
           <a:lstStyle/>
           <a:p>
-            <a:fld id="{CF039C75-7D78-BA4B-8813-2D75045743F0}" type="datetime1">
+            <a:fld id="{F4714FBE-E85D-40FB-BABD-2FF3CF1388FA}" type="datetime1">
               <a:rPr lang="fr-FR" smtClean="0"/>
               <a:t>15/03/2017</a:t>
             </a:fld>
@@ -10724,8 +10600,8 @@
           <a:p>
             <a:pPr algn="ctr"/>
             <a:r>
-              <a:rPr lang="en-US" smtClean="0"/>
-              <a:t>Projet Système à Base de Connaissance - 2017</a:t>
+              <a:rPr lang="fr-FR" smtClean="0"/>
+              <a:t>Projet Système à Base de Connaissances - 2017</a:t>
             </a:r>
             <a:endParaRPr lang="en-US" dirty="0"/>
           </a:p>
@@ -10884,7 +10760,7 @@
           <a:bodyPr/>
           <a:lstStyle/>
           <a:p>
-            <a:fld id="{CF039C75-7D78-BA4B-8813-2D75045743F0}" type="datetime1">
+            <a:fld id="{DC80E601-77A3-4DE7-9892-71EC475786F7}" type="datetime1">
               <a:rPr lang="fr-FR" smtClean="0"/>
               <a:t>15/03/2017</a:t>
             </a:fld>
@@ -10909,8 +10785,8 @@
           <a:p>
             <a:pPr algn="ctr"/>
             <a:r>
-              <a:rPr lang="en-US" smtClean="0"/>
-              <a:t>Projet Système à Base de Connaissance - 2017</a:t>
+              <a:rPr lang="fr-FR" smtClean="0"/>
+              <a:t>Projet Système à Base de Connaissances - 2017</a:t>
             </a:r>
             <a:endParaRPr lang="en-US" dirty="0"/>
           </a:p>
@@ -11115,7 +10991,7 @@
           <a:bodyPr/>
           <a:lstStyle/>
           <a:p>
-            <a:fld id="{CF039C75-7D78-BA4B-8813-2D75045743F0}" type="datetime1">
+            <a:fld id="{A5474738-775D-48C0-A66F-394A0A9C6B0E}" type="datetime1">
               <a:rPr lang="fr-FR" smtClean="0"/>
               <a:t>15/03/2017</a:t>
             </a:fld>
@@ -11140,36 +11016,8 @@
           <a:p>
             <a:pPr algn="ctr"/>
             <a:r>
-              <a:rPr lang="en-US" dirty="0" err="1" smtClean="0"/>
-              <a:t>Projet</a:t>
-            </a:r>
-            <a:r>
-              <a:rPr lang="en-US" dirty="0" smtClean="0"/>
-              <a:t> </a:t>
-            </a:r>
-            <a:r>
-              <a:rPr lang="en-US" dirty="0" err="1" smtClean="0"/>
-              <a:t>Système</a:t>
-            </a:r>
-            <a:r>
-              <a:rPr lang="en-US" dirty="0" smtClean="0"/>
-              <a:t> </a:t>
-            </a:r>
-            <a:r>
-              <a:rPr lang="en-US" dirty="0" err="1" smtClean="0"/>
-              <a:t>à</a:t>
-            </a:r>
-            <a:r>
-              <a:rPr lang="en-US" dirty="0" smtClean="0"/>
-              <a:t> Base de </a:t>
-            </a:r>
-            <a:r>
-              <a:rPr lang="en-US" dirty="0" err="1" smtClean="0"/>
-              <a:t>Connaissance</a:t>
-            </a:r>
-            <a:r>
-              <a:rPr lang="en-US" dirty="0" smtClean="0"/>
-              <a:t> - 2017</a:t>
+              <a:rPr lang="fr-FR" dirty="0" smtClean="0"/>
+              <a:t>Projet Système à Base de Connaissances - 2017</a:t>
             </a:r>
             <a:endParaRPr lang="en-US" dirty="0"/>
           </a:p>
@@ -11249,19 +11097,7 @@
           <a:p>
             <a:r>
               <a:rPr lang="fr-FR" dirty="0" smtClean="0"/>
-              <a:t>Recherches </a:t>
-            </a:r>
-            <a:r>
-              <a:rPr lang="fr-FR" dirty="0" smtClean="0"/>
-              <a:t>sur </a:t>
-            </a:r>
-            <a:r>
-              <a:rPr lang="fr-FR" dirty="0" smtClean="0"/>
-              <a:t>les </a:t>
-            </a:r>
-            <a:r>
-              <a:rPr lang="fr-FR" dirty="0" smtClean="0"/>
-              <a:t>RBM</a:t>
+              <a:t>Recherches sur les RBM</a:t>
             </a:r>
           </a:p>
           <a:p>
@@ -11273,7 +11109,11 @@
           <a:p>
             <a:r>
               <a:rPr lang="fr-FR" dirty="0" smtClean="0"/>
-              <a:t>Présentation de nos résultats</a:t>
+              <a:t>Présentation de </a:t>
+            </a:r>
+            <a:r>
+              <a:rPr lang="fr-FR" smtClean="0"/>
+              <a:t>nos travaux</a:t>
             </a:r>
             <a:endParaRPr lang="fr-FR" dirty="0"/>
           </a:p>
@@ -11371,7 +11211,7 @@
           <a:bodyPr/>
           <a:lstStyle/>
           <a:p>
-            <a:fld id="{CF039C75-7D78-BA4B-8813-2D75045743F0}" type="datetime1">
+            <a:fld id="{570D0872-6B54-41F9-BB7E-F282FA360083}" type="datetime1">
               <a:rPr lang="fr-FR" smtClean="0"/>
               <a:t>15/03/2017</a:t>
             </a:fld>
@@ -11396,8 +11236,8 @@
           <a:p>
             <a:pPr algn="ctr"/>
             <a:r>
-              <a:rPr lang="en-US" smtClean="0"/>
-              <a:t>Projet Système à Base de Connaissance - 2017</a:t>
+              <a:rPr lang="fr-FR" smtClean="0"/>
+              <a:t>Projet Système à Base de Connaissances - 2017</a:t>
             </a:r>
             <a:endParaRPr lang="en-US" dirty="0"/>
           </a:p>
